--- a/02-CleanCode&Testing/CleanCode.pptx
+++ b/02-CleanCode&Testing/CleanCode.pptx
@@ -5,10 +5,10 @@
     <p:sldMasterId id="2147483648" r:id="rId1"/>
   </p:sldMasterIdLst>
   <p:notesMasterIdLst>
-    <p:notesMasterId r:id="rId53"/>
+    <p:notesMasterId r:id="rId52"/>
   </p:notesMasterIdLst>
   <p:handoutMasterIdLst>
-    <p:handoutMasterId r:id="rId54"/>
+    <p:handoutMasterId r:id="rId53"/>
   </p:handoutMasterIdLst>
   <p:sldIdLst>
     <p:sldId id="306" r:id="rId2"/>
@@ -16,52 +16,51 @@
     <p:sldId id="324" r:id="rId4"/>
     <p:sldId id="325" r:id="rId5"/>
     <p:sldId id="257" r:id="rId6"/>
-    <p:sldId id="327" r:id="rId7"/>
-    <p:sldId id="309" r:id="rId8"/>
-    <p:sldId id="328" r:id="rId9"/>
-    <p:sldId id="356" r:id="rId10"/>
-    <p:sldId id="329" r:id="rId11"/>
-    <p:sldId id="312" r:id="rId12"/>
-    <p:sldId id="330" r:id="rId13"/>
-    <p:sldId id="331" r:id="rId14"/>
-    <p:sldId id="343" r:id="rId15"/>
-    <p:sldId id="344" r:id="rId16"/>
-    <p:sldId id="332" r:id="rId17"/>
-    <p:sldId id="333" r:id="rId18"/>
-    <p:sldId id="334" r:id="rId19"/>
-    <p:sldId id="335" r:id="rId20"/>
-    <p:sldId id="357" r:id="rId21"/>
-    <p:sldId id="336" r:id="rId22"/>
-    <p:sldId id="337" r:id="rId23"/>
-    <p:sldId id="338" r:id="rId24"/>
-    <p:sldId id="342" r:id="rId25"/>
-    <p:sldId id="340" r:id="rId26"/>
-    <p:sldId id="339" r:id="rId27"/>
-    <p:sldId id="341" r:id="rId28"/>
-    <p:sldId id="321" r:id="rId29"/>
-    <p:sldId id="323" r:id="rId30"/>
-    <p:sldId id="345" r:id="rId31"/>
-    <p:sldId id="351" r:id="rId32"/>
-    <p:sldId id="347" r:id="rId33"/>
-    <p:sldId id="348" r:id="rId34"/>
-    <p:sldId id="349" r:id="rId35"/>
-    <p:sldId id="350" r:id="rId36"/>
-    <p:sldId id="352" r:id="rId37"/>
-    <p:sldId id="353" r:id="rId38"/>
-    <p:sldId id="354" r:id="rId39"/>
-    <p:sldId id="358" r:id="rId40"/>
-    <p:sldId id="359" r:id="rId41"/>
-    <p:sldId id="360" r:id="rId42"/>
-    <p:sldId id="361" r:id="rId43"/>
-    <p:sldId id="362" r:id="rId44"/>
-    <p:sldId id="363" r:id="rId45"/>
-    <p:sldId id="365" r:id="rId46"/>
-    <p:sldId id="366" r:id="rId47"/>
-    <p:sldId id="369" r:id="rId48"/>
-    <p:sldId id="370" r:id="rId49"/>
-    <p:sldId id="371" r:id="rId50"/>
-    <p:sldId id="318" r:id="rId51"/>
-    <p:sldId id="319" r:id="rId52"/>
+    <p:sldId id="309" r:id="rId7"/>
+    <p:sldId id="328" r:id="rId8"/>
+    <p:sldId id="356" r:id="rId9"/>
+    <p:sldId id="329" r:id="rId10"/>
+    <p:sldId id="312" r:id="rId11"/>
+    <p:sldId id="330" r:id="rId12"/>
+    <p:sldId id="331" r:id="rId13"/>
+    <p:sldId id="343" r:id="rId14"/>
+    <p:sldId id="344" r:id="rId15"/>
+    <p:sldId id="332" r:id="rId16"/>
+    <p:sldId id="333" r:id="rId17"/>
+    <p:sldId id="334" r:id="rId18"/>
+    <p:sldId id="335" r:id="rId19"/>
+    <p:sldId id="357" r:id="rId20"/>
+    <p:sldId id="336" r:id="rId21"/>
+    <p:sldId id="337" r:id="rId22"/>
+    <p:sldId id="338" r:id="rId23"/>
+    <p:sldId id="342" r:id="rId24"/>
+    <p:sldId id="340" r:id="rId25"/>
+    <p:sldId id="339" r:id="rId26"/>
+    <p:sldId id="341" r:id="rId27"/>
+    <p:sldId id="321" r:id="rId28"/>
+    <p:sldId id="323" r:id="rId29"/>
+    <p:sldId id="345" r:id="rId30"/>
+    <p:sldId id="351" r:id="rId31"/>
+    <p:sldId id="347" r:id="rId32"/>
+    <p:sldId id="348" r:id="rId33"/>
+    <p:sldId id="349" r:id="rId34"/>
+    <p:sldId id="350" r:id="rId35"/>
+    <p:sldId id="352" r:id="rId36"/>
+    <p:sldId id="353" r:id="rId37"/>
+    <p:sldId id="354" r:id="rId38"/>
+    <p:sldId id="358" r:id="rId39"/>
+    <p:sldId id="359" r:id="rId40"/>
+    <p:sldId id="360" r:id="rId41"/>
+    <p:sldId id="361" r:id="rId42"/>
+    <p:sldId id="362" r:id="rId43"/>
+    <p:sldId id="363" r:id="rId44"/>
+    <p:sldId id="365" r:id="rId45"/>
+    <p:sldId id="366" r:id="rId46"/>
+    <p:sldId id="369" r:id="rId47"/>
+    <p:sldId id="370" r:id="rId48"/>
+    <p:sldId id="371" r:id="rId49"/>
+    <p:sldId id="318" r:id="rId50"/>
+    <p:sldId id="319" r:id="rId51"/>
   </p:sldIdLst>
   <p:sldSz cx="9144000" cy="6858000" type="screen4x3"/>
   <p:notesSz cx="6858000" cy="9144000"/>
@@ -230,11 +229,11 @@
           <c:showPercent val="0"/>
           <c:showBubbleSize val="0"/>
         </c:dLbls>
-        <c:axId val="174191680"/>
-        <c:axId val="174192256"/>
+        <c:axId val="50095808"/>
+        <c:axId val="50096384"/>
       </c:scatterChart>
       <c:valAx>
-        <c:axId val="174191680"/>
+        <c:axId val="50095808"/>
         <c:scaling>
           <c:orientation val="minMax"/>
         </c:scaling>
@@ -244,12 +243,12 @@
         <c:majorTickMark val="out"/>
         <c:minorTickMark val="none"/>
         <c:tickLblPos val="nextTo"/>
-        <c:crossAx val="174192256"/>
+        <c:crossAx val="50096384"/>
         <c:crosses val="autoZero"/>
         <c:crossBetween val="midCat"/>
       </c:valAx>
       <c:valAx>
-        <c:axId val="174192256"/>
+        <c:axId val="50096384"/>
         <c:scaling>
           <c:orientation val="minMax"/>
         </c:scaling>
@@ -259,7 +258,7 @@
         <c:majorTickMark val="out"/>
         <c:minorTickMark val="none"/>
         <c:tickLblPos val="nextTo"/>
-        <c:crossAx val="174191680"/>
+        <c:crossAx val="50095808"/>
         <c:crosses val="autoZero"/>
         <c:crossBetween val="midCat"/>
       </c:valAx>
@@ -994,7 +993,7 @@
           <a:p>
             <a:fld id="{414C0F9C-8EEB-4FCC-AFE2-CBC89CE9F378}" type="slidenum">
               <a:rPr lang="ru-RU" smtClean="0"/>
-              <a:t>7</a:t>
+              <a:t>6</a:t>
             </a:fld>
             <a:endParaRPr lang="ru-RU"/>
           </a:p>
@@ -1126,7 +1125,7 @@
           <a:p>
             <a:fld id="{414C0F9C-8EEB-4FCC-AFE2-CBC89CE9F378}" type="slidenum">
               <a:rPr lang="ru-RU" smtClean="0"/>
-              <a:t>25</a:t>
+              <a:t>24</a:t>
             </a:fld>
             <a:endParaRPr lang="ru-RU"/>
           </a:p>
@@ -1320,7 +1319,7 @@
           <a:p>
             <a:fld id="{414C0F9C-8EEB-4FCC-AFE2-CBC89CE9F378}" type="slidenum">
               <a:rPr lang="ru-RU" smtClean="0"/>
-              <a:t>29</a:t>
+              <a:t>28</a:t>
             </a:fld>
             <a:endParaRPr lang="ru-RU"/>
           </a:p>
@@ -1414,7 +1413,7 @@
             <a:fld id="{89329285-B0FC-44C9-9749-E258C7AB2264}" type="slidenum">
               <a:rPr lang="ru-RU" smtClean="0"/>
               <a:pPr/>
-              <a:t>35</a:t>
+              <a:t>34</a:t>
             </a:fld>
             <a:endParaRPr lang="ru-RU"/>
           </a:p>
@@ -1517,7 +1516,7 @@
           <a:p>
             <a:fld id="{414C0F9C-8EEB-4FCC-AFE2-CBC89CE9F378}" type="slidenum">
               <a:rPr lang="ru-RU" smtClean="0"/>
-              <a:t>38</a:t>
+              <a:t>37</a:t>
             </a:fld>
             <a:endParaRPr lang="ru-RU"/>
           </a:p>
@@ -1601,7 +1600,7 @@
           <a:p>
             <a:fld id="{414C0F9C-8EEB-4FCC-AFE2-CBC89CE9F378}" type="slidenum">
               <a:rPr lang="ru-RU" smtClean="0"/>
-              <a:t>50</a:t>
+              <a:t>49</a:t>
             </a:fld>
             <a:endParaRPr lang="ru-RU"/>
           </a:p>
@@ -4759,88 +4758,6 @@
       </p:grpSpPr>
       <p:sp>
         <p:nvSpPr>
-          <p:cNvPr id="3" name="Объект 2"/>
-          <p:cNvSpPr>
-            <a:spLocks noGrp="1"/>
-          </p:cNvSpPr>
-          <p:nvPr>
-            <p:ph idx="1"/>
-          </p:nvPr>
-        </p:nvSpPr>
-        <p:spPr/>
-        <p:txBody>
-          <a:bodyPr>
-            <a:normAutofit/>
-          </a:bodyPr>
-          <a:lstStyle/>
-          <a:p>
-            <a:pPr marL="0" indent="0">
-              <a:buNone/>
-            </a:pPr>
-            <a:r>
-              <a:rPr lang="ru-RU" b="1" dirty="0" smtClean="0"/>
-              <a:t>Декомпозиция</a:t>
-            </a:r>
-          </a:p>
-          <a:p>
-            <a:pPr marL="400050" lvl="1" indent="0">
-              <a:buNone/>
-            </a:pPr>
-            <a:r>
-              <a:rPr lang="ru-RU" sz="3200" dirty="0" smtClean="0"/>
-              <a:t>— </a:t>
-            </a:r>
-            <a:r>
-              <a:rPr lang="ru-RU" sz="2400" dirty="0"/>
-              <a:t>научный метод, использующий структуру задачи и позволяющий заменить решение одной большой задачи решением серии меньших задач, пусть и взаимосвязанных, но более простых</a:t>
-            </a:r>
-            <a:r>
-              <a:rPr lang="ru-RU" sz="2400" dirty="0" smtClean="0"/>
-              <a:t>.</a:t>
-            </a:r>
-            <a:endParaRPr lang="ru-RU" sz="3200" dirty="0" smtClean="0"/>
-          </a:p>
-        </p:txBody>
-      </p:sp>
-    </p:spTree>
-    <p:extLst>
-      <p:ext uri="{BB962C8B-B14F-4D97-AF65-F5344CB8AC3E}">
-        <p14:creationId xmlns:p14="http://schemas.microsoft.com/office/powerpoint/2010/main" val="2281880419"/>
-      </p:ext>
-    </p:extLst>
-  </p:cSld>
-  <p:clrMapOvr>
-    <a:masterClrMapping/>
-  </p:clrMapOvr>
-  <p:timing>
-    <p:tnLst>
-      <p:par>
-        <p:cTn id="1" dur="indefinite" restart="never" nodeType="tmRoot"/>
-      </p:par>
-    </p:tnLst>
-  </p:timing>
-</p:sld>
-</file>
-
-<file path=ppt/slides/slide11.xml><?xml version="1.0" encoding="utf-8"?>
-<p:sld xmlns:a="http://schemas.openxmlformats.org/drawingml/2006/main" xmlns:r="http://schemas.openxmlformats.org/officeDocument/2006/relationships" xmlns:p="http://schemas.openxmlformats.org/presentationml/2006/main">
-  <p:cSld>
-    <p:spTree>
-      <p:nvGrpSpPr>
-        <p:cNvPr id="1" name=""/>
-        <p:cNvGrpSpPr/>
-        <p:nvPr/>
-      </p:nvGrpSpPr>
-      <p:grpSpPr>
-        <a:xfrm>
-          <a:off x="0" y="0"/>
-          <a:ext cx="0" cy="0"/>
-          <a:chOff x="0" y="0"/>
-          <a:chExt cx="0" cy="0"/>
-        </a:xfrm>
-      </p:grpSpPr>
-      <p:sp>
-        <p:nvSpPr>
           <p:cNvPr id="2" name="Заголовок 1"/>
           <p:cNvSpPr>
             <a:spLocks noGrp="1"/>
@@ -5020,7 +4937,7 @@
 </p:sld>
 </file>
 
-<file path=ppt/slides/slide12.xml><?xml version="1.0" encoding="utf-8"?>
+<file path=ppt/slides/slide11.xml><?xml version="1.0" encoding="utf-8"?>
 <p:sld xmlns:a="http://schemas.openxmlformats.org/drawingml/2006/main" xmlns:r="http://schemas.openxmlformats.org/officeDocument/2006/relationships" xmlns:p="http://schemas.openxmlformats.org/presentationml/2006/main">
   <p:cSld>
     <p:spTree>
@@ -5132,7 +5049,7 @@
 </p:sld>
 </file>
 
-<file path=ppt/slides/slide13.xml><?xml version="1.0" encoding="utf-8"?>
+<file path=ppt/slides/slide12.xml><?xml version="1.0" encoding="utf-8"?>
 <p:sld xmlns:a="http://schemas.openxmlformats.org/drawingml/2006/main" xmlns:r="http://schemas.openxmlformats.org/officeDocument/2006/relationships" xmlns:p="http://schemas.openxmlformats.org/presentationml/2006/main">
   <p:cSld>
     <p:spTree>
@@ -5404,7 +5321,7 @@
 </p:sld>
 </file>
 
-<file path=ppt/slides/slide14.xml><?xml version="1.0" encoding="utf-8"?>
+<file path=ppt/slides/slide13.xml><?xml version="1.0" encoding="utf-8"?>
 <p:sld xmlns:a="http://schemas.openxmlformats.org/drawingml/2006/main" xmlns:r="http://schemas.openxmlformats.org/officeDocument/2006/relationships" xmlns:p="http://schemas.openxmlformats.org/presentationml/2006/main">
   <p:cSld>
     <p:spTree>
@@ -5568,7 +5485,7 @@
 </p:sld>
 </file>
 
-<file path=ppt/slides/slide15.xml><?xml version="1.0" encoding="utf-8"?>
+<file path=ppt/slides/slide14.xml><?xml version="1.0" encoding="utf-8"?>
 <p:sld xmlns:a="http://schemas.openxmlformats.org/drawingml/2006/main" xmlns:r="http://schemas.openxmlformats.org/officeDocument/2006/relationships" xmlns:p="http://schemas.openxmlformats.org/presentationml/2006/main">
   <p:cSld>
     <p:spTree>
@@ -5942,7 +5859,7 @@
 </p:sld>
 </file>
 
-<file path=ppt/slides/slide16.xml><?xml version="1.0" encoding="utf-8"?>
+<file path=ppt/slides/slide15.xml><?xml version="1.0" encoding="utf-8"?>
 <p:sld xmlns:a="http://schemas.openxmlformats.org/drawingml/2006/main" xmlns:r="http://schemas.openxmlformats.org/officeDocument/2006/relationships" xmlns:p="http://schemas.openxmlformats.org/presentationml/2006/main">
   <p:cSld>
     <p:spTree>
@@ -6082,7 +5999,7 @@
 </p:sld>
 </file>
 
-<file path=ppt/slides/slide17.xml><?xml version="1.0" encoding="utf-8"?>
+<file path=ppt/slides/slide16.xml><?xml version="1.0" encoding="utf-8"?>
 <p:sld xmlns:a="http://schemas.openxmlformats.org/drawingml/2006/main" xmlns:r="http://schemas.openxmlformats.org/officeDocument/2006/relationships" xmlns:p="http://schemas.openxmlformats.org/presentationml/2006/main">
   <p:cSld>
     <p:spTree>
@@ -6173,7 +6090,7 @@
 </p:sld>
 </file>
 
-<file path=ppt/slides/slide18.xml><?xml version="1.0" encoding="utf-8"?>
+<file path=ppt/slides/slide17.xml><?xml version="1.0" encoding="utf-8"?>
 <p:sld xmlns:a="http://schemas.openxmlformats.org/drawingml/2006/main" xmlns:r="http://schemas.openxmlformats.org/officeDocument/2006/relationships" xmlns:p="http://schemas.openxmlformats.org/presentationml/2006/main">
   <p:cSld>
     <p:spTree>
@@ -6510,7 +6427,7 @@
 </p:sld>
 </file>
 
-<file path=ppt/slides/slide19.xml><?xml version="1.0" encoding="utf-8"?>
+<file path=ppt/slides/slide18.xml><?xml version="1.0" encoding="utf-8"?>
 <p:sld xmlns:a="http://schemas.openxmlformats.org/drawingml/2006/main" xmlns:r="http://schemas.openxmlformats.org/officeDocument/2006/relationships" xmlns:p="http://schemas.openxmlformats.org/presentationml/2006/main">
   <p:cSld>
     <p:spTree>
@@ -7147,6 +7064,97 @@
     <p:extLst>
       <p:ext uri="{BB962C8B-B14F-4D97-AF65-F5344CB8AC3E}">
         <p14:creationId xmlns:p14="http://schemas.microsoft.com/office/powerpoint/2010/main" val="2722681933"/>
+      </p:ext>
+    </p:extLst>
+  </p:cSld>
+  <p:clrMapOvr>
+    <a:masterClrMapping/>
+  </p:clrMapOvr>
+  <p:timing>
+    <p:tnLst>
+      <p:par>
+        <p:cTn id="1" dur="indefinite" restart="never" nodeType="tmRoot"/>
+      </p:par>
+    </p:tnLst>
+  </p:timing>
+</p:sld>
+</file>
+
+<file path=ppt/slides/slide19.xml><?xml version="1.0" encoding="utf-8"?>
+<p:sld xmlns:a="http://schemas.openxmlformats.org/drawingml/2006/main" xmlns:r="http://schemas.openxmlformats.org/officeDocument/2006/relationships" xmlns:p="http://schemas.openxmlformats.org/presentationml/2006/main">
+  <p:cSld>
+    <p:spTree>
+      <p:nvGrpSpPr>
+        <p:cNvPr id="1" name=""/>
+        <p:cNvGrpSpPr/>
+        <p:nvPr/>
+      </p:nvGrpSpPr>
+      <p:grpSpPr>
+        <a:xfrm>
+          <a:off x="0" y="0"/>
+          <a:ext cx="0" cy="0"/>
+          <a:chOff x="0" y="0"/>
+          <a:chExt cx="0" cy="0"/>
+        </a:xfrm>
+      </p:grpSpPr>
+      <p:pic>
+        <p:nvPicPr>
+          <p:cNvPr id="2052" name="Picture 4"/>
+          <p:cNvPicPr>
+            <a:picLocks noChangeAspect="1" noChangeArrowheads="1"/>
+          </p:cNvPicPr>
+          <p:nvPr/>
+        </p:nvPicPr>
+        <p:blipFill>
+          <a:blip r:embed="rId2">
+            <a:extLst>
+              <a:ext uri="{28A0092B-C50C-407E-A947-70E740481C1C}">
+                <a14:useLocalDpi xmlns:a14="http://schemas.microsoft.com/office/drawing/2010/main" val="0"/>
+              </a:ext>
+            </a:extLst>
+          </a:blip>
+          <a:srcRect/>
+          <a:stretch>
+            <a:fillRect/>
+          </a:stretch>
+        </p:blipFill>
+        <p:spPr bwMode="auto">
+          <a:xfrm>
+            <a:off x="467544" y="116632"/>
+            <a:ext cx="4734780" cy="6604506"/>
+          </a:xfrm>
+          <a:prstGeom prst="rect">
+            <a:avLst/>
+          </a:prstGeom>
+          <a:noFill/>
+          <a:ln>
+            <a:noFill/>
+          </a:ln>
+          <a:extLst>
+            <a:ext uri="{909E8E84-426E-40DD-AFC4-6F175D3DCCD1}">
+              <a14:hiddenFill xmlns:a14="http://schemas.microsoft.com/office/drawing/2010/main">
+                <a:solidFill>
+                  <a:schemeClr val="accent1"/>
+                </a:solidFill>
+              </a14:hiddenFill>
+            </a:ext>
+            <a:ext uri="{91240B29-F687-4F45-9708-019B960494DF}">
+              <a14:hiddenLine xmlns:a14="http://schemas.microsoft.com/office/drawing/2010/main" w="9525">
+                <a:solidFill>
+                  <a:schemeClr val="tx1"/>
+                </a:solidFill>
+                <a:miter lim="800000"/>
+                <a:headEnd/>
+                <a:tailEnd/>
+              </a14:hiddenLine>
+            </a:ext>
+          </a:extLst>
+        </p:spPr>
+      </p:pic>
+    </p:spTree>
+    <p:extLst>
+      <p:ext uri="{BB962C8B-B14F-4D97-AF65-F5344CB8AC3E}">
+        <p14:creationId xmlns:p14="http://schemas.microsoft.com/office/powerpoint/2010/main" val="1676450404"/>
       </p:ext>
     </p:extLst>
   </p:cSld>
@@ -7257,64 +7265,248 @@
           <a:chExt cx="0" cy="0"/>
         </a:xfrm>
       </p:grpSpPr>
-      <p:pic>
-        <p:nvPicPr>
-          <p:cNvPr id="2052" name="Picture 4"/>
-          <p:cNvPicPr>
-            <a:picLocks noChangeAspect="1" noChangeArrowheads="1"/>
-          </p:cNvPicPr>
-          <p:nvPr/>
-        </p:nvPicPr>
-        <p:blipFill>
-          <a:blip r:embed="rId2">
-            <a:extLst>
-              <a:ext uri="{28A0092B-C50C-407E-A947-70E740481C1C}">
-                <a14:useLocalDpi xmlns:a14="http://schemas.microsoft.com/office/drawing/2010/main" val="0"/>
-              </a:ext>
-            </a:extLst>
-          </a:blip>
-          <a:srcRect/>
-          <a:stretch>
-            <a:fillRect/>
-          </a:stretch>
-        </p:blipFill>
-        <p:spPr bwMode="auto">
+      <p:sp>
+        <p:nvSpPr>
+          <p:cNvPr id="2" name="Заголовок 1"/>
+          <p:cNvSpPr>
+            <a:spLocks noGrp="1"/>
+          </p:cNvSpPr>
+          <p:nvPr>
+            <p:ph type="title"/>
+          </p:nvPr>
+        </p:nvSpPr>
+        <p:spPr/>
+        <p:txBody>
+          <a:bodyPr>
+            <a:normAutofit fontScale="90000"/>
+          </a:bodyPr>
+          <a:lstStyle/>
+          <a:p>
+            <a:r>
+              <a:rPr lang="ru-RU" dirty="0" smtClean="0"/>
+              <a:t>Разбить на поля </a:t>
+            </a:r>
+            <a:r>
+              <a:rPr lang="en-US" dirty="0" smtClean="0"/>
+              <a:t>CSV</a:t>
+            </a:r>
+            <a:r>
+              <a:rPr lang="ru-RU" dirty="0" smtClean="0"/>
+              <a:t>: Абстракции</a:t>
+            </a:r>
+            <a:endParaRPr lang="ru-RU" dirty="0"/>
+          </a:p>
+        </p:txBody>
+      </p:sp>
+      <p:sp>
+        <p:nvSpPr>
+          <p:cNvPr id="3" name="Объект 2"/>
+          <p:cNvSpPr>
+            <a:spLocks noGrp="1"/>
+          </p:cNvSpPr>
+          <p:nvPr>
+            <p:ph idx="1"/>
+          </p:nvPr>
+        </p:nvSpPr>
+        <p:spPr>
           <a:xfrm>
-            <a:off x="467544" y="116632"/>
-            <a:ext cx="4734780" cy="6604506"/>
+            <a:off x="457200" y="1772816"/>
+            <a:ext cx="8435280" cy="5400600"/>
           </a:xfrm>
-          <a:prstGeom prst="rect">
-            <a:avLst/>
-          </a:prstGeom>
-          <a:noFill/>
-          <a:ln>
-            <a:noFill/>
-          </a:ln>
-          <a:extLst>
-            <a:ext uri="{909E8E84-426E-40DD-AFC4-6F175D3DCCD1}">
-              <a14:hiddenFill xmlns:a14="http://schemas.microsoft.com/office/drawing/2010/main">
-                <a:solidFill>
-                  <a:schemeClr val="accent1"/>
-                </a:solidFill>
-              </a14:hiddenFill>
-            </a:ext>
-            <a:ext uri="{91240B29-F687-4F45-9708-019B960494DF}">
-              <a14:hiddenLine xmlns:a14="http://schemas.microsoft.com/office/drawing/2010/main" w="9525">
-                <a:solidFill>
-                  <a:schemeClr val="tx1"/>
-                </a:solidFill>
-                <a:miter lim="800000"/>
-                <a:headEnd/>
-                <a:tailEnd/>
-              </a14:hiddenLine>
-            </a:ext>
-          </a:extLst>
         </p:spPr>
-      </p:pic>
+        <p:txBody>
+          <a:bodyPr>
+            <a:normAutofit/>
+          </a:bodyPr>
+          <a:lstStyle/>
+          <a:p>
+            <a:pPr marL="0" indent="0">
+              <a:buNone/>
+            </a:pPr>
+            <a:r>
+              <a:rPr lang="en-US" dirty="0">
+                <a:solidFill>
+                  <a:srgbClr val="0000FF"/>
+                </a:solidFill>
+              </a:rPr>
+              <a:t>string</a:t>
+            </a:r>
+            <a:r>
+              <a:rPr lang="en-US" dirty="0"/>
+              <a:t> </a:t>
+            </a:r>
+            <a:r>
+              <a:rPr lang="en-US" dirty="0" err="1"/>
+              <a:t>ReadField</a:t>
+            </a:r>
+            <a:r>
+              <a:rPr lang="en-US" dirty="0"/>
+              <a:t>(</a:t>
+            </a:r>
+            <a:r>
+              <a:rPr lang="en-US" dirty="0">
+                <a:solidFill>
+                  <a:srgbClr val="0000FF"/>
+                </a:solidFill>
+              </a:rPr>
+              <a:t>string</a:t>
+            </a:r>
+            <a:r>
+              <a:rPr lang="en-US" dirty="0"/>
+              <a:t> line, </a:t>
+            </a:r>
+            <a:r>
+              <a:rPr lang="en-US" dirty="0" err="1">
+                <a:solidFill>
+                  <a:srgbClr val="0000FF"/>
+                </a:solidFill>
+              </a:rPr>
+              <a:t>int</a:t>
+            </a:r>
+            <a:r>
+              <a:rPr lang="en-US" dirty="0"/>
+              <a:t> </a:t>
+            </a:r>
+            <a:r>
+              <a:rPr lang="en-US" dirty="0" err="1"/>
+              <a:t>startPos</a:t>
+            </a:r>
+            <a:r>
+              <a:rPr lang="en-US" dirty="0"/>
+              <a:t>) </a:t>
+            </a:r>
+          </a:p>
+          <a:p>
+            <a:pPr marL="400050" lvl="1" indent="0">
+              <a:buNone/>
+            </a:pPr>
+            <a:endParaRPr lang="en-US" dirty="0">
+              <a:solidFill>
+                <a:srgbClr val="0000FF"/>
+              </a:solidFill>
+            </a:endParaRPr>
+          </a:p>
+          <a:p>
+            <a:pPr marL="400050" lvl="1" indent="0">
+              <a:buNone/>
+            </a:pPr>
+            <a:r>
+              <a:rPr lang="en-US" dirty="0">
+                <a:solidFill>
+                  <a:srgbClr val="0000FF"/>
+                </a:solidFill>
+              </a:rPr>
+              <a:t>string</a:t>
+            </a:r>
+            <a:r>
+              <a:rPr lang="en-US" dirty="0"/>
+              <a:t> </a:t>
+            </a:r>
+            <a:r>
+              <a:rPr lang="en-US" dirty="0" err="1"/>
+              <a:t>ReadSimpleField</a:t>
+            </a:r>
+            <a:r>
+              <a:rPr lang="en-US" dirty="0"/>
+              <a:t>(</a:t>
+            </a:r>
+            <a:r>
+              <a:rPr lang="en-US" dirty="0">
+                <a:solidFill>
+                  <a:srgbClr val="0000FF"/>
+                </a:solidFill>
+              </a:rPr>
+              <a:t>string</a:t>
+            </a:r>
+            <a:r>
+              <a:rPr lang="en-US" dirty="0"/>
+              <a:t> line, </a:t>
+            </a:r>
+            <a:r>
+              <a:rPr lang="en-US" dirty="0" err="1">
+                <a:solidFill>
+                  <a:srgbClr val="0000FF"/>
+                </a:solidFill>
+              </a:rPr>
+              <a:t>int</a:t>
+            </a:r>
+            <a:r>
+              <a:rPr lang="en-US" dirty="0"/>
+              <a:t> </a:t>
+            </a:r>
+            <a:r>
+              <a:rPr lang="en-US" dirty="0" err="1"/>
+              <a:t>startPos</a:t>
+            </a:r>
+            <a:r>
+              <a:rPr lang="en-US" dirty="0"/>
+              <a:t>) </a:t>
+            </a:r>
+          </a:p>
+          <a:p>
+            <a:pPr marL="400050" lvl="1" indent="0">
+              <a:buNone/>
+            </a:pPr>
+            <a:r>
+              <a:rPr lang="en-US" dirty="0">
+                <a:solidFill>
+                  <a:srgbClr val="0000FF"/>
+                </a:solidFill>
+              </a:rPr>
+              <a:t>string</a:t>
+            </a:r>
+            <a:r>
+              <a:rPr lang="en-US" dirty="0"/>
+              <a:t> </a:t>
+            </a:r>
+            <a:r>
+              <a:rPr lang="en-US" dirty="0" err="1"/>
+              <a:t>ReadQuotedField</a:t>
+            </a:r>
+            <a:r>
+              <a:rPr lang="en-US" dirty="0"/>
+              <a:t>(</a:t>
+            </a:r>
+            <a:r>
+              <a:rPr lang="en-US" dirty="0">
+                <a:solidFill>
+                  <a:srgbClr val="0000FF"/>
+                </a:solidFill>
+              </a:rPr>
+              <a:t>string</a:t>
+            </a:r>
+            <a:r>
+              <a:rPr lang="en-US" dirty="0"/>
+              <a:t> line, </a:t>
+            </a:r>
+            <a:r>
+              <a:rPr lang="en-US" dirty="0" err="1">
+                <a:solidFill>
+                  <a:srgbClr val="0000FF"/>
+                </a:solidFill>
+              </a:rPr>
+              <a:t>int</a:t>
+            </a:r>
+            <a:r>
+              <a:rPr lang="en-US" dirty="0"/>
+              <a:t> </a:t>
+            </a:r>
+            <a:r>
+              <a:rPr lang="en-US" dirty="0" err="1"/>
+              <a:t>startPos</a:t>
+            </a:r>
+            <a:r>
+              <a:rPr lang="en-US" dirty="0"/>
+              <a:t>) </a:t>
+            </a:r>
+            <a:endParaRPr lang="ru-RU" dirty="0"/>
+          </a:p>
+        </p:txBody>
+      </p:sp>
     </p:spTree>
     <p:extLst>
       <p:ext uri="{BB962C8B-B14F-4D97-AF65-F5344CB8AC3E}">
-        <p14:creationId xmlns:p14="http://schemas.microsoft.com/office/powerpoint/2010/main" val="1676450404"/>
+        <p14:creationId xmlns:p14="http://schemas.microsoft.com/office/powerpoint/2010/main" val="2611482510"/>
       </p:ext>
     </p:extLst>
   </p:cSld>
@@ -7350,281 +7542,6 @@
       </p:grpSpPr>
       <p:sp>
         <p:nvSpPr>
-          <p:cNvPr id="2" name="Заголовок 1"/>
-          <p:cNvSpPr>
-            <a:spLocks noGrp="1"/>
-          </p:cNvSpPr>
-          <p:nvPr>
-            <p:ph type="title"/>
-          </p:nvPr>
-        </p:nvSpPr>
-        <p:spPr/>
-        <p:txBody>
-          <a:bodyPr>
-            <a:normAutofit fontScale="90000"/>
-          </a:bodyPr>
-          <a:lstStyle/>
-          <a:p>
-            <a:r>
-              <a:rPr lang="ru-RU" dirty="0" smtClean="0"/>
-              <a:t>Разбить на поля </a:t>
-            </a:r>
-            <a:r>
-              <a:rPr lang="en-US" dirty="0" smtClean="0"/>
-              <a:t>CSV</a:t>
-            </a:r>
-            <a:r>
-              <a:rPr lang="ru-RU" dirty="0" smtClean="0"/>
-              <a:t>: Абстракции</a:t>
-            </a:r>
-            <a:endParaRPr lang="ru-RU" dirty="0"/>
-          </a:p>
-        </p:txBody>
-      </p:sp>
-      <p:sp>
-        <p:nvSpPr>
-          <p:cNvPr id="3" name="Объект 2"/>
-          <p:cNvSpPr>
-            <a:spLocks noGrp="1"/>
-          </p:cNvSpPr>
-          <p:nvPr>
-            <p:ph idx="1"/>
-          </p:nvPr>
-        </p:nvSpPr>
-        <p:spPr>
-          <a:xfrm>
-            <a:off x="457200" y="1772816"/>
-            <a:ext cx="8435280" cy="5400600"/>
-          </a:xfrm>
-        </p:spPr>
-        <p:txBody>
-          <a:bodyPr>
-            <a:normAutofit/>
-          </a:bodyPr>
-          <a:lstStyle/>
-          <a:p>
-            <a:pPr marL="0" indent="0">
-              <a:buNone/>
-            </a:pPr>
-            <a:r>
-              <a:rPr lang="en-US" dirty="0">
-                <a:solidFill>
-                  <a:srgbClr val="0000FF"/>
-                </a:solidFill>
-              </a:rPr>
-              <a:t>string</a:t>
-            </a:r>
-            <a:r>
-              <a:rPr lang="en-US" dirty="0"/>
-              <a:t> </a:t>
-            </a:r>
-            <a:r>
-              <a:rPr lang="en-US" dirty="0" err="1"/>
-              <a:t>ReadField</a:t>
-            </a:r>
-            <a:r>
-              <a:rPr lang="en-US" dirty="0"/>
-              <a:t>(</a:t>
-            </a:r>
-            <a:r>
-              <a:rPr lang="en-US" dirty="0">
-                <a:solidFill>
-                  <a:srgbClr val="0000FF"/>
-                </a:solidFill>
-              </a:rPr>
-              <a:t>string</a:t>
-            </a:r>
-            <a:r>
-              <a:rPr lang="en-US" dirty="0"/>
-              <a:t> line, </a:t>
-            </a:r>
-            <a:r>
-              <a:rPr lang="en-US" dirty="0" err="1">
-                <a:solidFill>
-                  <a:srgbClr val="0000FF"/>
-                </a:solidFill>
-              </a:rPr>
-              <a:t>int</a:t>
-            </a:r>
-            <a:r>
-              <a:rPr lang="en-US" dirty="0"/>
-              <a:t> </a:t>
-            </a:r>
-            <a:r>
-              <a:rPr lang="en-US" dirty="0" err="1"/>
-              <a:t>startPos</a:t>
-            </a:r>
-            <a:r>
-              <a:rPr lang="en-US" dirty="0"/>
-              <a:t>) </a:t>
-            </a:r>
-          </a:p>
-          <a:p>
-            <a:pPr marL="400050" lvl="1" indent="0">
-              <a:buNone/>
-            </a:pPr>
-            <a:endParaRPr lang="en-US" dirty="0">
-              <a:solidFill>
-                <a:srgbClr val="0000FF"/>
-              </a:solidFill>
-            </a:endParaRPr>
-          </a:p>
-          <a:p>
-            <a:pPr marL="400050" lvl="1" indent="0">
-              <a:buNone/>
-            </a:pPr>
-            <a:r>
-              <a:rPr lang="en-US" dirty="0">
-                <a:solidFill>
-                  <a:srgbClr val="0000FF"/>
-                </a:solidFill>
-              </a:rPr>
-              <a:t>string</a:t>
-            </a:r>
-            <a:r>
-              <a:rPr lang="en-US" dirty="0"/>
-              <a:t> </a:t>
-            </a:r>
-            <a:r>
-              <a:rPr lang="en-US" dirty="0" err="1"/>
-              <a:t>ReadSimpleField</a:t>
-            </a:r>
-            <a:r>
-              <a:rPr lang="en-US" dirty="0"/>
-              <a:t>(</a:t>
-            </a:r>
-            <a:r>
-              <a:rPr lang="en-US" dirty="0">
-                <a:solidFill>
-                  <a:srgbClr val="0000FF"/>
-                </a:solidFill>
-              </a:rPr>
-              <a:t>string</a:t>
-            </a:r>
-            <a:r>
-              <a:rPr lang="en-US" dirty="0"/>
-              <a:t> line, </a:t>
-            </a:r>
-            <a:r>
-              <a:rPr lang="en-US" dirty="0" err="1">
-                <a:solidFill>
-                  <a:srgbClr val="0000FF"/>
-                </a:solidFill>
-              </a:rPr>
-              <a:t>int</a:t>
-            </a:r>
-            <a:r>
-              <a:rPr lang="en-US" dirty="0"/>
-              <a:t> </a:t>
-            </a:r>
-            <a:r>
-              <a:rPr lang="en-US" dirty="0" err="1"/>
-              <a:t>startPos</a:t>
-            </a:r>
-            <a:r>
-              <a:rPr lang="en-US" dirty="0"/>
-              <a:t>) </a:t>
-            </a:r>
-          </a:p>
-          <a:p>
-            <a:pPr marL="400050" lvl="1" indent="0">
-              <a:buNone/>
-            </a:pPr>
-            <a:r>
-              <a:rPr lang="en-US" dirty="0">
-                <a:solidFill>
-                  <a:srgbClr val="0000FF"/>
-                </a:solidFill>
-              </a:rPr>
-              <a:t>string</a:t>
-            </a:r>
-            <a:r>
-              <a:rPr lang="en-US" dirty="0"/>
-              <a:t> </a:t>
-            </a:r>
-            <a:r>
-              <a:rPr lang="en-US" dirty="0" err="1"/>
-              <a:t>ReadQuotedField</a:t>
-            </a:r>
-            <a:r>
-              <a:rPr lang="en-US" dirty="0"/>
-              <a:t>(</a:t>
-            </a:r>
-            <a:r>
-              <a:rPr lang="en-US" dirty="0">
-                <a:solidFill>
-                  <a:srgbClr val="0000FF"/>
-                </a:solidFill>
-              </a:rPr>
-              <a:t>string</a:t>
-            </a:r>
-            <a:r>
-              <a:rPr lang="en-US" dirty="0"/>
-              <a:t> line, </a:t>
-            </a:r>
-            <a:r>
-              <a:rPr lang="en-US" dirty="0" err="1">
-                <a:solidFill>
-                  <a:srgbClr val="0000FF"/>
-                </a:solidFill>
-              </a:rPr>
-              <a:t>int</a:t>
-            </a:r>
-            <a:r>
-              <a:rPr lang="en-US" dirty="0"/>
-              <a:t> </a:t>
-            </a:r>
-            <a:r>
-              <a:rPr lang="en-US" dirty="0" err="1"/>
-              <a:t>startPos</a:t>
-            </a:r>
-            <a:r>
-              <a:rPr lang="en-US" dirty="0"/>
-              <a:t>) </a:t>
-            </a:r>
-            <a:endParaRPr lang="ru-RU" dirty="0"/>
-          </a:p>
-        </p:txBody>
-      </p:sp>
-    </p:spTree>
-    <p:extLst>
-      <p:ext uri="{BB962C8B-B14F-4D97-AF65-F5344CB8AC3E}">
-        <p14:creationId xmlns:p14="http://schemas.microsoft.com/office/powerpoint/2010/main" val="2611482510"/>
-      </p:ext>
-    </p:extLst>
-  </p:cSld>
-  <p:clrMapOvr>
-    <a:masterClrMapping/>
-  </p:clrMapOvr>
-  <p:timing>
-    <p:tnLst>
-      <p:par>
-        <p:cTn id="1" dur="indefinite" restart="never" nodeType="tmRoot"/>
-      </p:par>
-    </p:tnLst>
-  </p:timing>
-</p:sld>
-</file>
-
-<file path=ppt/slides/slide22.xml><?xml version="1.0" encoding="utf-8"?>
-<p:sld xmlns:a="http://schemas.openxmlformats.org/drawingml/2006/main" xmlns:r="http://schemas.openxmlformats.org/officeDocument/2006/relationships" xmlns:p="http://schemas.openxmlformats.org/presentationml/2006/main">
-  <p:cSld>
-    <p:spTree>
-      <p:nvGrpSpPr>
-        <p:cNvPr id="1" name=""/>
-        <p:cNvGrpSpPr/>
-        <p:nvPr/>
-      </p:nvGrpSpPr>
-      <p:grpSpPr>
-        <a:xfrm>
-          <a:off x="0" y="0"/>
-          <a:ext cx="0" cy="0"/>
-          <a:chOff x="0" y="0"/>
-          <a:chExt cx="0" cy="0"/>
-        </a:xfrm>
-      </p:grpSpPr>
-      <p:sp>
-        <p:nvSpPr>
           <p:cNvPr id="3" name="Объект 2"/>
           <p:cNvSpPr>
             <a:spLocks noGrp="1"/>
@@ -8147,7 +8064,7 @@
 </p:sld>
 </file>
 
-<file path=ppt/slides/slide23.xml><?xml version="1.0" encoding="utf-8"?>
+<file path=ppt/slides/slide22.xml><?xml version="1.0" encoding="utf-8"?>
 <p:sld xmlns:a="http://schemas.openxmlformats.org/drawingml/2006/main" xmlns:r="http://schemas.openxmlformats.org/officeDocument/2006/relationships" xmlns:p="http://schemas.openxmlformats.org/presentationml/2006/main">
   <p:cSld>
     <p:spTree>
@@ -8223,7 +8140,7 @@
 </p:sld>
 </file>
 
-<file path=ppt/slides/slide24.xml><?xml version="1.0" encoding="utf-8"?>
+<file path=ppt/slides/slide23.xml><?xml version="1.0" encoding="utf-8"?>
 <p:sld xmlns:a="http://schemas.openxmlformats.org/drawingml/2006/main" xmlns:r="http://schemas.openxmlformats.org/officeDocument/2006/relationships" xmlns:p="http://schemas.openxmlformats.org/presentationml/2006/main">
   <p:cSld>
     <p:spTree>
@@ -8555,6 +8472,145 @@
 </p:sld>
 </file>
 
+<file path=ppt/slides/slide24.xml><?xml version="1.0" encoding="utf-8"?>
+<p:sld xmlns:a="http://schemas.openxmlformats.org/drawingml/2006/main" xmlns:r="http://schemas.openxmlformats.org/officeDocument/2006/relationships" xmlns:p="http://schemas.openxmlformats.org/presentationml/2006/main">
+  <p:cSld>
+    <p:spTree>
+      <p:nvGrpSpPr>
+        <p:cNvPr id="1" name=""/>
+        <p:cNvGrpSpPr/>
+        <p:nvPr/>
+      </p:nvGrpSpPr>
+      <p:grpSpPr>
+        <a:xfrm>
+          <a:off x="0" y="0"/>
+          <a:ext cx="0" cy="0"/>
+          <a:chOff x="0" y="0"/>
+          <a:chExt cx="0" cy="0"/>
+        </a:xfrm>
+      </p:grpSpPr>
+      <p:sp>
+        <p:nvSpPr>
+          <p:cNvPr id="2" name="Заголовок 1"/>
+          <p:cNvSpPr>
+            <a:spLocks noGrp="1"/>
+          </p:cNvSpPr>
+          <p:nvPr>
+            <p:ph type="title"/>
+          </p:nvPr>
+        </p:nvSpPr>
+        <p:spPr/>
+        <p:txBody>
+          <a:bodyPr>
+            <a:normAutofit fontScale="90000"/>
+          </a:bodyPr>
+          <a:lstStyle/>
+          <a:p>
+            <a:r>
+              <a:rPr lang="ru-RU" dirty="0" smtClean="0"/>
+              <a:t>Задача </a:t>
+            </a:r>
+            <a:br>
+              <a:rPr lang="ru-RU" dirty="0" smtClean="0"/>
+            </a:br>
+            <a:r>
+              <a:rPr lang="ru-RU" dirty="0" smtClean="0"/>
+              <a:t>«Частотный словарь 2-грамм»</a:t>
+            </a:r>
+            <a:endParaRPr lang="ru-RU" dirty="0"/>
+          </a:p>
+        </p:txBody>
+      </p:sp>
+      <p:sp>
+        <p:nvSpPr>
+          <p:cNvPr id="3" name="Объект 2"/>
+          <p:cNvSpPr>
+            <a:spLocks noGrp="1"/>
+          </p:cNvSpPr>
+          <p:nvPr>
+            <p:ph idx="1"/>
+          </p:nvPr>
+        </p:nvSpPr>
+        <p:spPr>
+          <a:xfrm>
+            <a:off x="457200" y="1556792"/>
+            <a:ext cx="8229600" cy="4525963"/>
+          </a:xfrm>
+        </p:spPr>
+        <p:txBody>
+          <a:bodyPr/>
+          <a:lstStyle/>
+          <a:p>
+            <a:pPr marL="0" indent="0">
+              <a:buNone/>
+            </a:pPr>
+            <a:r>
+              <a:rPr lang="ru-RU" b="1" dirty="0" smtClean="0"/>
+              <a:t>На вход:</a:t>
+            </a:r>
+            <a:r>
+              <a:rPr lang="ru-RU" dirty="0" smtClean="0"/>
+              <a:t> файл с текстом</a:t>
+            </a:r>
+          </a:p>
+          <a:p>
+            <a:pPr marL="0" indent="0">
+              <a:buNone/>
+            </a:pPr>
+            <a:r>
+              <a:rPr lang="ru-RU" b="1" dirty="0" smtClean="0"/>
+              <a:t>На выход:</a:t>
+            </a:r>
+            <a:r>
+              <a:rPr lang="ru-RU" dirty="0" smtClean="0"/>
+              <a:t> 100 самых распространенных </a:t>
+            </a:r>
+            <a:br>
+              <a:rPr lang="ru-RU" dirty="0" smtClean="0"/>
+            </a:br>
+            <a:r>
+              <a:rPr lang="ru-RU" dirty="0" smtClean="0"/>
+              <a:t>2-грамм, с указанием частоты</a:t>
+            </a:r>
+          </a:p>
+          <a:p>
+            <a:pPr marL="0" indent="0">
+              <a:buNone/>
+            </a:pPr>
+            <a:endParaRPr lang="ru-RU" dirty="0"/>
+          </a:p>
+          <a:p>
+            <a:pPr marL="0" indent="0">
+              <a:buNone/>
+            </a:pPr>
+            <a:r>
+              <a:rPr lang="ru-RU" sz="4400" dirty="0" smtClean="0"/>
+              <a:t>Как проводить декомпозицию?</a:t>
+            </a:r>
+            <a:endParaRPr lang="ru-RU" sz="4400" dirty="0"/>
+          </a:p>
+        </p:txBody>
+      </p:sp>
+    </p:spTree>
+    <p:extLst>
+      <p:ext uri="{BB962C8B-B14F-4D97-AF65-F5344CB8AC3E}">
+        <p14:creationId xmlns:p14="http://schemas.microsoft.com/office/powerpoint/2010/main" val="4151558387"/>
+      </p:ext>
+    </p:extLst>
+  </p:cSld>
+  <p:clrMapOvr>
+    <a:masterClrMapping/>
+  </p:clrMapOvr>
+  <p:timing>
+    <p:tnLst>
+      <p:par>
+        <p:cTn id="1" dur="indefinite" restart="never" nodeType="tmRoot"/>
+      </p:par>
+    </p:tnLst>
+  </p:timing>
+</p:sld>
+</file>
+
 <file path=ppt/slides/slide25.xml><?xml version="1.0" encoding="utf-8"?>
 <p:sld xmlns:a="http://schemas.openxmlformats.org/drawingml/2006/main" xmlns:r="http://schemas.openxmlformats.org/officeDocument/2006/relationships" xmlns:p="http://schemas.openxmlformats.org/presentationml/2006/main">
   <p:cSld>
@@ -8591,145 +8647,6 @@
           <a:p>
             <a:r>
               <a:rPr lang="ru-RU" dirty="0" smtClean="0"/>
-              <a:t>Задача </a:t>
-            </a:r>
-            <a:br>
-              <a:rPr lang="ru-RU" dirty="0" smtClean="0"/>
-            </a:br>
-            <a:r>
-              <a:rPr lang="ru-RU" dirty="0" smtClean="0"/>
-              <a:t>«Частотный словарь 2-грамм»</a:t>
-            </a:r>
-            <a:endParaRPr lang="ru-RU" dirty="0"/>
-          </a:p>
-        </p:txBody>
-      </p:sp>
-      <p:sp>
-        <p:nvSpPr>
-          <p:cNvPr id="3" name="Объект 2"/>
-          <p:cNvSpPr>
-            <a:spLocks noGrp="1"/>
-          </p:cNvSpPr>
-          <p:nvPr>
-            <p:ph idx="1"/>
-          </p:nvPr>
-        </p:nvSpPr>
-        <p:spPr>
-          <a:xfrm>
-            <a:off x="457200" y="1556792"/>
-            <a:ext cx="8229600" cy="4525963"/>
-          </a:xfrm>
-        </p:spPr>
-        <p:txBody>
-          <a:bodyPr/>
-          <a:lstStyle/>
-          <a:p>
-            <a:pPr marL="0" indent="0">
-              <a:buNone/>
-            </a:pPr>
-            <a:r>
-              <a:rPr lang="ru-RU" b="1" dirty="0" smtClean="0"/>
-              <a:t>На вход:</a:t>
-            </a:r>
-            <a:r>
-              <a:rPr lang="ru-RU" dirty="0" smtClean="0"/>
-              <a:t> файл с текстом</a:t>
-            </a:r>
-          </a:p>
-          <a:p>
-            <a:pPr marL="0" indent="0">
-              <a:buNone/>
-            </a:pPr>
-            <a:r>
-              <a:rPr lang="ru-RU" b="1" dirty="0" smtClean="0"/>
-              <a:t>На выход:</a:t>
-            </a:r>
-            <a:r>
-              <a:rPr lang="ru-RU" dirty="0" smtClean="0"/>
-              <a:t> 100 самых распространенных </a:t>
-            </a:r>
-            <a:br>
-              <a:rPr lang="ru-RU" dirty="0" smtClean="0"/>
-            </a:br>
-            <a:r>
-              <a:rPr lang="ru-RU" dirty="0" smtClean="0"/>
-              <a:t>2-грамм, с указанием частоты</a:t>
-            </a:r>
-          </a:p>
-          <a:p>
-            <a:pPr marL="0" indent="0">
-              <a:buNone/>
-            </a:pPr>
-            <a:endParaRPr lang="ru-RU" dirty="0"/>
-          </a:p>
-          <a:p>
-            <a:pPr marL="0" indent="0">
-              <a:buNone/>
-            </a:pPr>
-            <a:r>
-              <a:rPr lang="ru-RU" sz="4400" dirty="0" smtClean="0"/>
-              <a:t>Как проводить декомпозицию?</a:t>
-            </a:r>
-            <a:endParaRPr lang="ru-RU" sz="4400" dirty="0"/>
-          </a:p>
-        </p:txBody>
-      </p:sp>
-    </p:spTree>
-    <p:extLst>
-      <p:ext uri="{BB962C8B-B14F-4D97-AF65-F5344CB8AC3E}">
-        <p14:creationId xmlns:p14="http://schemas.microsoft.com/office/powerpoint/2010/main" val="4151558387"/>
-      </p:ext>
-    </p:extLst>
-  </p:cSld>
-  <p:clrMapOvr>
-    <a:masterClrMapping/>
-  </p:clrMapOvr>
-  <p:timing>
-    <p:tnLst>
-      <p:par>
-        <p:cTn id="1" dur="indefinite" restart="never" nodeType="tmRoot"/>
-      </p:par>
-    </p:tnLst>
-  </p:timing>
-</p:sld>
-</file>
-
-<file path=ppt/slides/slide26.xml><?xml version="1.0" encoding="utf-8"?>
-<p:sld xmlns:a="http://schemas.openxmlformats.org/drawingml/2006/main" xmlns:r="http://schemas.openxmlformats.org/officeDocument/2006/relationships" xmlns:p="http://schemas.openxmlformats.org/presentationml/2006/main">
-  <p:cSld>
-    <p:spTree>
-      <p:nvGrpSpPr>
-        <p:cNvPr id="1" name=""/>
-        <p:cNvGrpSpPr/>
-        <p:nvPr/>
-      </p:nvGrpSpPr>
-      <p:grpSpPr>
-        <a:xfrm>
-          <a:off x="0" y="0"/>
-          <a:ext cx="0" cy="0"/>
-          <a:chOff x="0" y="0"/>
-          <a:chExt cx="0" cy="0"/>
-        </a:xfrm>
-      </p:grpSpPr>
-      <p:sp>
-        <p:nvSpPr>
-          <p:cNvPr id="2" name="Заголовок 1"/>
-          <p:cNvSpPr>
-            <a:spLocks noGrp="1"/>
-          </p:cNvSpPr>
-          <p:nvPr>
-            <p:ph type="title"/>
-          </p:nvPr>
-        </p:nvSpPr>
-        <p:spPr/>
-        <p:txBody>
-          <a:bodyPr>
-            <a:normAutofit fontScale="90000"/>
-          </a:bodyPr>
-          <a:lstStyle/>
-          <a:p>
-            <a:r>
-              <a:rPr lang="ru-RU" dirty="0" smtClean="0"/>
               <a:t>Декомпозиция — простые мысли</a:t>
             </a:r>
             <a:endParaRPr lang="ru-RU" dirty="0"/>
@@ -8793,7 +8710,7 @@
 </p:sld>
 </file>
 
-<file path=ppt/slides/slide27.xml><?xml version="1.0" encoding="utf-8"?>
+<file path=ppt/slides/slide26.xml><?xml version="1.0" encoding="utf-8"?>
 <p:sld xmlns:a="http://schemas.openxmlformats.org/drawingml/2006/main" xmlns:r="http://schemas.openxmlformats.org/officeDocument/2006/relationships" xmlns:p="http://schemas.openxmlformats.org/presentationml/2006/main">
   <p:cSld>
     <p:spTree>
@@ -9171,7 +9088,7 @@
 </p:sld>
 </file>
 
-<file path=ppt/slides/slide28.xml><?xml version="1.0" encoding="utf-8"?>
+<file path=ppt/slides/slide27.xml><?xml version="1.0" encoding="utf-8"?>
 <p:sld xmlns:a="http://schemas.openxmlformats.org/drawingml/2006/main" xmlns:r="http://schemas.openxmlformats.org/officeDocument/2006/relationships" xmlns:p="http://schemas.openxmlformats.org/presentationml/2006/main">
   <p:cSld>
     <p:spTree>
@@ -9500,7 +9417,7 @@
 </p:sld>
 </file>
 
-<file path=ppt/slides/slide29.xml><?xml version="1.0" encoding="utf-8"?>
+<file path=ppt/slides/slide28.xml><?xml version="1.0" encoding="utf-8"?>
 <p:sld xmlns:a="http://schemas.openxmlformats.org/drawingml/2006/main" xmlns:r="http://schemas.openxmlformats.org/officeDocument/2006/relationships" xmlns:p="http://schemas.openxmlformats.org/presentationml/2006/main">
   <p:cSld>
     <p:spTree>
@@ -9546,6 +9463,93 @@
     <p:extLst>
       <p:ext uri="{BB962C8B-B14F-4D97-AF65-F5344CB8AC3E}">
         <p14:creationId xmlns:p14="http://schemas.microsoft.com/office/powerpoint/2010/main" val="1063392009"/>
+      </p:ext>
+    </p:extLst>
+  </p:cSld>
+  <p:clrMapOvr>
+    <a:masterClrMapping/>
+  </p:clrMapOvr>
+  <p:timing>
+    <p:tnLst>
+      <p:par>
+        <p:cTn id="1" dur="indefinite" restart="never" nodeType="tmRoot"/>
+      </p:par>
+    </p:tnLst>
+  </p:timing>
+</p:sld>
+</file>
+
+<file path=ppt/slides/slide29.xml><?xml version="1.0" encoding="utf-8"?>
+<p:sld xmlns:a="http://schemas.openxmlformats.org/drawingml/2006/main" xmlns:r="http://schemas.openxmlformats.org/officeDocument/2006/relationships" xmlns:p="http://schemas.openxmlformats.org/presentationml/2006/main">
+  <p:cSld>
+    <p:spTree>
+      <p:nvGrpSpPr>
+        <p:cNvPr id="1" name=""/>
+        <p:cNvGrpSpPr/>
+        <p:nvPr/>
+      </p:nvGrpSpPr>
+      <p:grpSpPr>
+        <a:xfrm>
+          <a:off x="0" y="0"/>
+          <a:ext cx="0" cy="0"/>
+          <a:chOff x="0" y="0"/>
+          <a:chExt cx="0" cy="0"/>
+        </a:xfrm>
+      </p:grpSpPr>
+      <p:sp>
+        <p:nvSpPr>
+          <p:cNvPr id="2" name="Заголовок 1"/>
+          <p:cNvSpPr>
+            <a:spLocks noGrp="1"/>
+          </p:cNvSpPr>
+          <p:nvPr>
+            <p:ph type="title"/>
+          </p:nvPr>
+        </p:nvSpPr>
+        <p:spPr/>
+        <p:txBody>
+          <a:bodyPr>
+            <a:normAutofit/>
+          </a:bodyPr>
+          <a:lstStyle/>
+          <a:p>
+            <a:r>
+              <a:rPr lang="ru-RU" dirty="0" smtClean="0"/>
+              <a:t>Явное управление зависимостями</a:t>
+            </a:r>
+            <a:endParaRPr lang="ru-RU" dirty="0"/>
+          </a:p>
+        </p:txBody>
+      </p:sp>
+      <p:sp>
+        <p:nvSpPr>
+          <p:cNvPr id="4" name="Текст 3"/>
+          <p:cNvSpPr>
+            <a:spLocks noGrp="1"/>
+          </p:cNvSpPr>
+          <p:nvPr>
+            <p:ph type="body" idx="1"/>
+          </p:nvPr>
+        </p:nvSpPr>
+        <p:spPr/>
+        <p:txBody>
+          <a:bodyPr>
+            <a:normAutofit/>
+          </a:bodyPr>
+          <a:lstStyle/>
+          <a:p>
+            <a:r>
+              <a:rPr lang="ru-RU" sz="2800" dirty="0" smtClean="0"/>
+              <a:t>Приводим зависимости в порядок</a:t>
+            </a:r>
+            <a:endParaRPr lang="ru-RU" sz="2800" dirty="0"/>
+          </a:p>
+        </p:txBody>
+      </p:sp>
+    </p:spTree>
+    <p:extLst>
+      <p:ext uri="{BB962C8B-B14F-4D97-AF65-F5344CB8AC3E}">
+        <p14:creationId xmlns:p14="http://schemas.microsoft.com/office/powerpoint/2010/main" val="2939810032"/>
       </p:ext>
     </p:extLst>
   </p:cSld>
@@ -9709,93 +9713,6 @@
 </file>
 
 <file path=ppt/slides/slide30.xml><?xml version="1.0" encoding="utf-8"?>
-<p:sld xmlns:a="http://schemas.openxmlformats.org/drawingml/2006/main" xmlns:r="http://schemas.openxmlformats.org/officeDocument/2006/relationships" xmlns:p="http://schemas.openxmlformats.org/presentationml/2006/main">
-  <p:cSld>
-    <p:spTree>
-      <p:nvGrpSpPr>
-        <p:cNvPr id="1" name=""/>
-        <p:cNvGrpSpPr/>
-        <p:nvPr/>
-      </p:nvGrpSpPr>
-      <p:grpSpPr>
-        <a:xfrm>
-          <a:off x="0" y="0"/>
-          <a:ext cx="0" cy="0"/>
-          <a:chOff x="0" y="0"/>
-          <a:chExt cx="0" cy="0"/>
-        </a:xfrm>
-      </p:grpSpPr>
-      <p:sp>
-        <p:nvSpPr>
-          <p:cNvPr id="2" name="Заголовок 1"/>
-          <p:cNvSpPr>
-            <a:spLocks noGrp="1"/>
-          </p:cNvSpPr>
-          <p:nvPr>
-            <p:ph type="title"/>
-          </p:nvPr>
-        </p:nvSpPr>
-        <p:spPr/>
-        <p:txBody>
-          <a:bodyPr>
-            <a:normAutofit/>
-          </a:bodyPr>
-          <a:lstStyle/>
-          <a:p>
-            <a:r>
-              <a:rPr lang="ru-RU" dirty="0" smtClean="0"/>
-              <a:t>Явное управление зависимостями</a:t>
-            </a:r>
-            <a:endParaRPr lang="ru-RU" dirty="0"/>
-          </a:p>
-        </p:txBody>
-      </p:sp>
-      <p:sp>
-        <p:nvSpPr>
-          <p:cNvPr id="4" name="Текст 3"/>
-          <p:cNvSpPr>
-            <a:spLocks noGrp="1"/>
-          </p:cNvSpPr>
-          <p:nvPr>
-            <p:ph type="body" idx="1"/>
-          </p:nvPr>
-        </p:nvSpPr>
-        <p:spPr/>
-        <p:txBody>
-          <a:bodyPr>
-            <a:normAutofit/>
-          </a:bodyPr>
-          <a:lstStyle/>
-          <a:p>
-            <a:r>
-              <a:rPr lang="ru-RU" sz="2800" dirty="0" smtClean="0"/>
-              <a:t>Приводим зависимости в порядок</a:t>
-            </a:r>
-            <a:endParaRPr lang="ru-RU" sz="2800" dirty="0"/>
-          </a:p>
-        </p:txBody>
-      </p:sp>
-    </p:spTree>
-    <p:extLst>
-      <p:ext uri="{BB962C8B-B14F-4D97-AF65-F5344CB8AC3E}">
-        <p14:creationId xmlns:p14="http://schemas.microsoft.com/office/powerpoint/2010/main" val="2939810032"/>
-      </p:ext>
-    </p:extLst>
-  </p:cSld>
-  <p:clrMapOvr>
-    <a:masterClrMapping/>
-  </p:clrMapOvr>
-  <p:timing>
-    <p:tnLst>
-      <p:par>
-        <p:cTn id="1" dur="indefinite" restart="never" nodeType="tmRoot"/>
-      </p:par>
-    </p:tnLst>
-  </p:timing>
-</p:sld>
-</file>
-
-<file path=ppt/slides/slide31.xml><?xml version="1.0" encoding="utf-8"?>
 <p:sld xmlns:a="http://schemas.openxmlformats.org/drawingml/2006/main" xmlns:r="http://schemas.openxmlformats.org/officeDocument/2006/relationships" xmlns:p="http://schemas.openxmlformats.org/presentationml/2006/main">
   <p:cSld>
     <p:spTree>
@@ -10371,7 +10288,7 @@
 </p:sld>
 </file>
 
-<file path=ppt/slides/slide32.xml><?xml version="1.0" encoding="utf-8"?>
+<file path=ppt/slides/slide31.xml><?xml version="1.0" encoding="utf-8"?>
 <p:sld xmlns:a="http://schemas.openxmlformats.org/drawingml/2006/main" xmlns:r="http://schemas.openxmlformats.org/officeDocument/2006/relationships" xmlns:p="http://schemas.openxmlformats.org/presentationml/2006/main">
   <p:cSld>
     <p:spTree>
@@ -10464,7 +10381,7 @@
 </p:sld>
 </file>
 
-<file path=ppt/slides/slide33.xml><?xml version="1.0" encoding="utf-8"?>
+<file path=ppt/slides/slide32.xml><?xml version="1.0" encoding="utf-8"?>
 <p:sld xmlns:a="http://schemas.openxmlformats.org/drawingml/2006/main" xmlns:r="http://schemas.openxmlformats.org/officeDocument/2006/relationships" xmlns:p="http://schemas.openxmlformats.org/presentationml/2006/main">
   <p:cSld>
     <p:spTree>
@@ -11043,7 +10960,7 @@
 </p:sld>
 </file>
 
-<file path=ppt/slides/slide34.xml><?xml version="1.0" encoding="utf-8"?>
+<file path=ppt/slides/slide33.xml><?xml version="1.0" encoding="utf-8"?>
 <p:sld xmlns:a="http://schemas.openxmlformats.org/drawingml/2006/main" xmlns:r="http://schemas.openxmlformats.org/officeDocument/2006/relationships" xmlns:p="http://schemas.openxmlformats.org/presentationml/2006/main">
   <p:cSld>
     <p:spTree>
@@ -13489,7 +13406,7 @@
 </p:sld>
 </file>
 
-<file path=ppt/slides/slide35.xml><?xml version="1.0" encoding="utf-8"?>
+<file path=ppt/slides/slide34.xml><?xml version="1.0" encoding="utf-8"?>
 <p:sld xmlns:a="http://schemas.openxmlformats.org/drawingml/2006/main" xmlns:r="http://schemas.openxmlformats.org/officeDocument/2006/relationships" xmlns:p="http://schemas.openxmlformats.org/presentationml/2006/main">
   <p:cSld>
     <p:spTree>
@@ -16198,7 +16115,7 @@
 </p:sld>
 </file>
 
-<file path=ppt/slides/slide36.xml><?xml version="1.0" encoding="utf-8"?>
+<file path=ppt/slides/slide35.xml><?xml version="1.0" encoding="utf-8"?>
 <p:sld xmlns:a="http://schemas.openxmlformats.org/drawingml/2006/main" xmlns:r="http://schemas.openxmlformats.org/officeDocument/2006/relationships" xmlns:p="http://schemas.openxmlformats.org/presentationml/2006/main">
   <p:cSld>
     <p:spTree>
@@ -16996,7 +16913,7 @@
 </p:sld>
 </file>
 
-<file path=ppt/slides/slide37.xml><?xml version="1.0" encoding="utf-8"?>
+<file path=ppt/slides/slide36.xml><?xml version="1.0" encoding="utf-8"?>
 <p:sld xmlns:a="http://schemas.openxmlformats.org/drawingml/2006/main" xmlns:r="http://schemas.openxmlformats.org/officeDocument/2006/relationships" xmlns:p="http://schemas.openxmlformats.org/presentationml/2006/main">
   <p:cSld>
     <p:spTree>
@@ -17645,7 +17562,7 @@
 </p:sld>
 </file>
 
-<file path=ppt/slides/slide38.xml><?xml version="1.0" encoding="utf-8"?>
+<file path=ppt/slides/slide37.xml><?xml version="1.0" encoding="utf-8"?>
 <p:sld xmlns:a="http://schemas.openxmlformats.org/drawingml/2006/main" xmlns:r="http://schemas.openxmlformats.org/officeDocument/2006/relationships" xmlns:p="http://schemas.openxmlformats.org/presentationml/2006/main">
   <p:cSld>
     <p:spTree>
@@ -18737,7 +18654,7 @@
 </p:sld>
 </file>
 
-<file path=ppt/slides/slide39.xml><?xml version="1.0" encoding="utf-8"?>
+<file path=ppt/slides/slide38.xml><?xml version="1.0" encoding="utf-8"?>
 <p:sld xmlns:a="http://schemas.openxmlformats.org/drawingml/2006/main" xmlns:r="http://schemas.openxmlformats.org/officeDocument/2006/relationships" xmlns:p="http://schemas.openxmlformats.org/presentationml/2006/main">
   <p:cSld>
     <p:spTree>
@@ -18822,83 +18739,7 @@
 </p:sld>
 </file>
 
-<file path=ppt/slides/slide4.xml><?xml version="1.0" encoding="utf-8"?>
-<p:sld xmlns:a="http://schemas.openxmlformats.org/drawingml/2006/main" xmlns:r="http://schemas.openxmlformats.org/officeDocument/2006/relationships" xmlns:p="http://schemas.openxmlformats.org/presentationml/2006/main">
-  <p:cSld>
-    <p:spTree>
-      <p:nvGrpSpPr>
-        <p:cNvPr id="1" name=""/>
-        <p:cNvGrpSpPr/>
-        <p:nvPr/>
-      </p:nvGrpSpPr>
-      <p:grpSpPr>
-        <a:xfrm>
-          <a:off x="0" y="0"/>
-          <a:ext cx="0" cy="0"/>
-          <a:chOff x="0" y="0"/>
-          <a:chExt cx="0" cy="0"/>
-        </a:xfrm>
-      </p:grpSpPr>
-      <p:pic>
-        <p:nvPicPr>
-          <p:cNvPr id="4" name="Picture 2" descr="http://cre8ivethought.com/images/PP/big/Slide30.JPG"/>
-          <p:cNvPicPr>
-            <a:picLocks noChangeAspect="1" noChangeArrowheads="1"/>
-          </p:cNvPicPr>
-          <p:nvPr/>
-        </p:nvPicPr>
-        <p:blipFill rotWithShape="1">
-          <a:blip r:embed="rId2">
-            <a:extLst>
-              <a:ext uri="{28A0092B-C50C-407E-A947-70E740481C1C}">
-                <a14:useLocalDpi xmlns:a14="http://schemas.microsoft.com/office/drawing/2010/main" val="0"/>
-              </a:ext>
-            </a:extLst>
-          </a:blip>
-          <a:srcRect r="12122"/>
-          <a:stretch/>
-        </p:blipFill>
-        <p:spPr bwMode="auto">
-          <a:xfrm>
-            <a:off x="-4128" y="-1"/>
-            <a:ext cx="8039175" cy="6861097"/>
-          </a:xfrm>
-          <a:prstGeom prst="rect">
-            <a:avLst/>
-          </a:prstGeom>
-          <a:noFill/>
-          <a:extLst>
-            <a:ext uri="{909E8E84-426E-40DD-AFC4-6F175D3DCCD1}">
-              <a14:hiddenFill xmlns:a14="http://schemas.microsoft.com/office/drawing/2010/main">
-                <a:solidFill>
-                  <a:srgbClr val="FFFFFF"/>
-                </a:solidFill>
-              </a14:hiddenFill>
-            </a:ext>
-          </a:extLst>
-        </p:spPr>
-      </p:pic>
-    </p:spTree>
-    <p:extLst>
-      <p:ext uri="{BB962C8B-B14F-4D97-AF65-F5344CB8AC3E}">
-        <p14:creationId xmlns:p14="http://schemas.microsoft.com/office/powerpoint/2010/main" val="2644155274"/>
-      </p:ext>
-    </p:extLst>
-  </p:cSld>
-  <p:clrMapOvr>
-    <a:masterClrMapping/>
-  </p:clrMapOvr>
-  <p:timing>
-    <p:tnLst>
-      <p:par>
-        <p:cTn id="1" dur="indefinite" restart="never" nodeType="tmRoot"/>
-      </p:par>
-    </p:tnLst>
-  </p:timing>
-</p:sld>
-</file>
-
-<file path=ppt/slides/slide40.xml><?xml version="1.0" encoding="utf-8"?>
+<file path=ppt/slides/slide39.xml><?xml version="1.0" encoding="utf-8"?>
 <p:sld xmlns:a="http://schemas.openxmlformats.org/drawingml/2006/main" xmlns:r="http://schemas.openxmlformats.org/officeDocument/2006/relationships" xmlns:p="http://schemas.openxmlformats.org/presentationml/2006/main">
   <p:cSld>
     <p:spTree>
@@ -19350,6 +19191,268 @@
 </p:sld>
 </file>
 
+<file path=ppt/slides/slide4.xml><?xml version="1.0" encoding="utf-8"?>
+<p:sld xmlns:a="http://schemas.openxmlformats.org/drawingml/2006/main" xmlns:r="http://schemas.openxmlformats.org/officeDocument/2006/relationships" xmlns:p="http://schemas.openxmlformats.org/presentationml/2006/main">
+  <p:cSld>
+    <p:spTree>
+      <p:nvGrpSpPr>
+        <p:cNvPr id="1" name=""/>
+        <p:cNvGrpSpPr/>
+        <p:nvPr/>
+      </p:nvGrpSpPr>
+      <p:grpSpPr>
+        <a:xfrm>
+          <a:off x="0" y="0"/>
+          <a:ext cx="0" cy="0"/>
+          <a:chOff x="0" y="0"/>
+          <a:chExt cx="0" cy="0"/>
+        </a:xfrm>
+      </p:grpSpPr>
+      <p:pic>
+        <p:nvPicPr>
+          <p:cNvPr id="4" name="Picture 2" descr="http://cre8ivethought.com/images/PP/big/Slide30.JPG"/>
+          <p:cNvPicPr>
+            <a:picLocks noChangeAspect="1" noChangeArrowheads="1"/>
+          </p:cNvPicPr>
+          <p:nvPr/>
+        </p:nvPicPr>
+        <p:blipFill rotWithShape="1">
+          <a:blip r:embed="rId2">
+            <a:extLst>
+              <a:ext uri="{28A0092B-C50C-407E-A947-70E740481C1C}">
+                <a14:useLocalDpi xmlns:a14="http://schemas.microsoft.com/office/drawing/2010/main" val="0"/>
+              </a:ext>
+            </a:extLst>
+          </a:blip>
+          <a:srcRect r="12122"/>
+          <a:stretch/>
+        </p:blipFill>
+        <p:spPr bwMode="auto">
+          <a:xfrm>
+            <a:off x="-4128" y="-1"/>
+            <a:ext cx="8039175" cy="6861097"/>
+          </a:xfrm>
+          <a:prstGeom prst="rect">
+            <a:avLst/>
+          </a:prstGeom>
+          <a:noFill/>
+          <a:extLst>
+            <a:ext uri="{909E8E84-426E-40DD-AFC4-6F175D3DCCD1}">
+              <a14:hiddenFill xmlns:a14="http://schemas.microsoft.com/office/drawing/2010/main">
+                <a:solidFill>
+                  <a:srgbClr val="FFFFFF"/>
+                </a:solidFill>
+              </a14:hiddenFill>
+            </a:ext>
+          </a:extLst>
+        </p:spPr>
+      </p:pic>
+    </p:spTree>
+    <p:extLst>
+      <p:ext uri="{BB962C8B-B14F-4D97-AF65-F5344CB8AC3E}">
+        <p14:creationId xmlns:p14="http://schemas.microsoft.com/office/powerpoint/2010/main" val="2644155274"/>
+      </p:ext>
+    </p:extLst>
+  </p:cSld>
+  <p:clrMapOvr>
+    <a:masterClrMapping/>
+  </p:clrMapOvr>
+  <p:timing>
+    <p:tnLst>
+      <p:par>
+        <p:cTn id="1" dur="indefinite" restart="never" nodeType="tmRoot"/>
+      </p:par>
+    </p:tnLst>
+  </p:timing>
+</p:sld>
+</file>
+
+<file path=ppt/slides/slide40.xml><?xml version="1.0" encoding="utf-8"?>
+<p:sld xmlns:a="http://schemas.openxmlformats.org/drawingml/2006/main" xmlns:r="http://schemas.openxmlformats.org/officeDocument/2006/relationships" xmlns:p="http://schemas.openxmlformats.org/presentationml/2006/main">
+  <p:cSld>
+    <p:spTree>
+      <p:nvGrpSpPr>
+        <p:cNvPr id="1" name=""/>
+        <p:cNvGrpSpPr/>
+        <p:nvPr/>
+      </p:nvGrpSpPr>
+      <p:grpSpPr>
+        <a:xfrm>
+          <a:off x="0" y="0"/>
+          <a:ext cx="0" cy="0"/>
+          <a:chOff x="0" y="0"/>
+          <a:chExt cx="0" cy="0"/>
+        </a:xfrm>
+      </p:grpSpPr>
+      <p:sp>
+        <p:nvSpPr>
+          <p:cNvPr id="2" name="Заголовок 1"/>
+          <p:cNvSpPr>
+            <a:spLocks noGrp="1"/>
+          </p:cNvSpPr>
+          <p:nvPr>
+            <p:ph type="title"/>
+          </p:nvPr>
+        </p:nvSpPr>
+        <p:spPr/>
+        <p:txBody>
+          <a:bodyPr/>
+          <a:lstStyle/>
+          <a:p>
+            <a:r>
+              <a:rPr lang="en-US" dirty="0" smtClean="0"/>
+              <a:t>LINQ</a:t>
+            </a:r>
+            <a:endParaRPr lang="ru-RU" dirty="0"/>
+          </a:p>
+        </p:txBody>
+      </p:sp>
+      <p:sp>
+        <p:nvSpPr>
+          <p:cNvPr id="3" name="Объект 2"/>
+          <p:cNvSpPr>
+            <a:spLocks noGrp="1"/>
+          </p:cNvSpPr>
+          <p:nvPr>
+            <p:ph idx="1"/>
+          </p:nvPr>
+        </p:nvSpPr>
+        <p:spPr/>
+        <p:txBody>
+          <a:bodyPr>
+            <a:normAutofit/>
+          </a:bodyPr>
+          <a:lstStyle/>
+          <a:p>
+            <a:pPr marL="0" indent="0">
+              <a:buNone/>
+            </a:pPr>
+            <a:r>
+              <a:rPr lang="en-US" sz="2400" dirty="0" err="1" smtClean="0">
+                <a:latin typeface="Consolas" panose="020B0609020204030204" pitchFamily="49" charset="0"/>
+                <a:cs typeface="Consolas" panose="020B0609020204030204" pitchFamily="49" charset="0"/>
+              </a:rPr>
+              <a:t>IEnumerable</a:t>
+            </a:r>
+            <a:r>
+              <a:rPr lang="en-US" sz="2400" dirty="0" smtClean="0">
+                <a:latin typeface="Consolas" panose="020B0609020204030204" pitchFamily="49" charset="0"/>
+                <a:cs typeface="Consolas" panose="020B0609020204030204" pitchFamily="49" charset="0"/>
+              </a:rPr>
+              <a:t>&lt;T&gt;</a:t>
+            </a:r>
+            <a:r>
+              <a:rPr lang="en-US" sz="2400" dirty="0"/>
+              <a:t> — </a:t>
+            </a:r>
+            <a:r>
+              <a:rPr lang="ru-RU" sz="2400" dirty="0"/>
+              <a:t>то, что можно перечислить</a:t>
+            </a:r>
+            <a:r>
+              <a:rPr lang="ru-RU" sz="2400" dirty="0" smtClean="0"/>
+              <a:t>.</a:t>
+            </a:r>
+          </a:p>
+          <a:p>
+            <a:pPr marL="0" indent="0">
+              <a:buNone/>
+            </a:pPr>
+            <a:r>
+              <a:rPr lang="ru-RU" sz="2400" dirty="0">
+                <a:latin typeface="Consolas" panose="020B0609020204030204" pitchFamily="49" charset="0"/>
+                <a:cs typeface="Consolas" panose="020B0609020204030204" pitchFamily="49" charset="0"/>
+              </a:rPr>
+              <a:t>	</a:t>
+            </a:r>
+            <a:r>
+              <a:rPr lang="en-US" sz="2400" dirty="0" smtClean="0">
+                <a:latin typeface="Consolas" panose="020B0609020204030204" pitchFamily="49" charset="0"/>
+                <a:cs typeface="Consolas" panose="020B0609020204030204" pitchFamily="49" charset="0"/>
+              </a:rPr>
+              <a:t>T[], List&lt;T&gt;, </a:t>
+            </a:r>
+            <a:r>
+              <a:rPr lang="en-US" sz="2400" dirty="0" err="1" smtClean="0">
+                <a:latin typeface="Consolas" panose="020B0609020204030204" pitchFamily="49" charset="0"/>
+                <a:cs typeface="Consolas" panose="020B0609020204030204" pitchFamily="49" charset="0"/>
+              </a:rPr>
+              <a:t>HashSet</a:t>
+            </a:r>
+            <a:r>
+              <a:rPr lang="en-US" sz="2400" dirty="0" smtClean="0">
+                <a:latin typeface="Consolas" panose="020B0609020204030204" pitchFamily="49" charset="0"/>
+                <a:cs typeface="Consolas" panose="020B0609020204030204" pitchFamily="49" charset="0"/>
+              </a:rPr>
+              <a:t>&lt;T&gt;, …</a:t>
+            </a:r>
+          </a:p>
+          <a:p>
+            <a:pPr marL="0" indent="0">
+              <a:buNone/>
+            </a:pPr>
+            <a:endParaRPr lang="ru-RU" sz="2400" dirty="0">
+              <a:latin typeface="Consolas" panose="020B0609020204030204" pitchFamily="49" charset="0"/>
+              <a:cs typeface="Consolas" panose="020B0609020204030204" pitchFamily="49" charset="0"/>
+            </a:endParaRPr>
+          </a:p>
+          <a:p>
+            <a:pPr marL="0" indent="0">
+              <a:buNone/>
+            </a:pPr>
+            <a:r>
+              <a:rPr lang="ru-RU" sz="2400" dirty="0"/>
+              <a:t>Для </a:t>
+            </a:r>
+            <a:r>
+              <a:rPr lang="en-US" sz="2400" dirty="0" err="1">
+                <a:latin typeface="Consolas" panose="020B0609020204030204" pitchFamily="49" charset="0"/>
+                <a:cs typeface="Consolas" panose="020B0609020204030204" pitchFamily="49" charset="0"/>
+              </a:rPr>
+              <a:t>IEnumerable</a:t>
+            </a:r>
+            <a:r>
+              <a:rPr lang="en-US" sz="2400" dirty="0">
+                <a:latin typeface="Consolas" panose="020B0609020204030204" pitchFamily="49" charset="0"/>
+                <a:cs typeface="Consolas" panose="020B0609020204030204" pitchFamily="49" charset="0"/>
+              </a:rPr>
+              <a:t>&lt;T&gt;</a:t>
+            </a:r>
+            <a:r>
+              <a:rPr lang="en-US" sz="2400" dirty="0"/>
+              <a:t> </a:t>
+            </a:r>
+            <a:r>
+              <a:rPr lang="ru-RU" sz="2400" dirty="0" smtClean="0"/>
+              <a:t>есть несколько полезных </a:t>
+            </a:r>
+            <a:r>
+              <a:rPr lang="ru-RU" sz="2400" dirty="0"/>
+              <a:t>методов.</a:t>
+            </a:r>
+          </a:p>
+        </p:txBody>
+      </p:sp>
+    </p:spTree>
+    <p:extLst>
+      <p:ext uri="{BB962C8B-B14F-4D97-AF65-F5344CB8AC3E}">
+        <p14:creationId xmlns:p14="http://schemas.microsoft.com/office/powerpoint/2010/main" val="3650333525"/>
+      </p:ext>
+    </p:extLst>
+  </p:cSld>
+  <p:clrMapOvr>
+    <a:masterClrMapping/>
+  </p:clrMapOvr>
+  <p:timing>
+    <p:tnLst>
+      <p:par>
+        <p:cTn id="1" dur="indefinite" restart="never" nodeType="tmRoot"/>
+      </p:par>
+    </p:tnLst>
+  </p:timing>
+</p:sld>
+</file>
+
 <file path=ppt/slides/slide41.xml><?xml version="1.0" encoding="utf-8"?>
 <p:sld xmlns:a="http://schemas.openxmlformats.org/drawingml/2006/main" xmlns:r="http://schemas.openxmlformats.org/officeDocument/2006/relationships" xmlns:p="http://schemas.openxmlformats.org/presentationml/2006/main">
   <p:cSld>
@@ -19412,29 +19515,75 @@
             </a:pPr>
             <a:r>
               <a:rPr lang="en-US" sz="2400" dirty="0" err="1" smtClean="0">
-                <a:latin typeface="Consolas" panose="020B0609020204030204" pitchFamily="49" charset="0"/>
-                <a:cs typeface="Consolas" panose="020B0609020204030204" pitchFamily="49" charset="0"/>
-              </a:rPr>
-              <a:t>IEnumerable</a:t>
+                <a:solidFill>
+                  <a:srgbClr val="000000"/>
+                </a:solidFill>
+                <a:highlight>
+                  <a:srgbClr val="FFFFFF"/>
+                </a:highlight>
+                <a:latin typeface="Consolas"/>
+              </a:rPr>
+              <a:t>list.Where</a:t>
             </a:r>
             <a:r>
               <a:rPr lang="en-US" sz="2400" dirty="0" smtClean="0">
-                <a:latin typeface="Consolas" panose="020B0609020204030204" pitchFamily="49" charset="0"/>
-                <a:cs typeface="Consolas" panose="020B0609020204030204" pitchFamily="49" charset="0"/>
-              </a:rPr>
-              <a:t>&lt;T&gt;</a:t>
-            </a:r>
-            <a:r>
-              <a:rPr lang="en-US" sz="2400" dirty="0"/>
-              <a:t> — </a:t>
-            </a:r>
-            <a:r>
-              <a:rPr lang="ru-RU" sz="2400" dirty="0"/>
-              <a:t>то, что можно перечислить</a:t>
-            </a:r>
-            <a:r>
-              <a:rPr lang="ru-RU" sz="2400" dirty="0" smtClean="0"/>
-              <a:t>.</a:t>
+                <a:solidFill>
+                  <a:srgbClr val="000000"/>
+                </a:solidFill>
+                <a:highlight>
+                  <a:srgbClr val="FFFFFF"/>
+                </a:highlight>
+                <a:latin typeface="Consolas"/>
+              </a:rPr>
+              <a:t>(x </a:t>
+            </a:r>
+            <a:r>
+              <a:rPr lang="en-US" sz="2400" dirty="0">
+                <a:solidFill>
+                  <a:srgbClr val="000000"/>
+                </a:solidFill>
+                <a:highlight>
+                  <a:srgbClr val="FFFFFF"/>
+                </a:highlight>
+                <a:latin typeface="Consolas"/>
+              </a:rPr>
+              <a:t>=&gt; x%2 == 0</a:t>
+            </a:r>
+            <a:r>
+              <a:rPr lang="en-US" sz="2400" dirty="0" smtClean="0">
+                <a:solidFill>
+                  <a:srgbClr val="000000"/>
+                </a:solidFill>
+                <a:highlight>
+                  <a:srgbClr val="FFFFFF"/>
+                </a:highlight>
+                <a:latin typeface="Consolas"/>
+              </a:rPr>
+              <a:t>)</a:t>
+            </a:r>
+            <a:r>
+              <a:rPr lang="ru-RU" sz="2400" dirty="0" smtClean="0">
+                <a:solidFill>
+                  <a:srgbClr val="000000"/>
+                </a:solidFill>
+                <a:highlight>
+                  <a:srgbClr val="FFFFFF"/>
+                </a:highlight>
+                <a:latin typeface="Consolas"/>
+              </a:rPr>
+              <a:t>	</a:t>
+            </a:r>
+            <a:r>
+              <a:rPr lang="en-US" sz="2800" dirty="0" smtClean="0"/>
+              <a:t>// </a:t>
+            </a:r>
+            <a:r>
+              <a:rPr lang="ru-RU" sz="2800" dirty="0"/>
+              <a:t>выбрать все </a:t>
+            </a:r>
+            <a:r>
+              <a:rPr lang="ru-RU" sz="2800" dirty="0" smtClean="0"/>
+              <a:t>четные</a:t>
             </a:r>
           </a:p>
           <a:p>
@@ -19442,41 +19591,71 @@
               <a:buNone/>
             </a:pPr>
             <a:r>
-              <a:rPr lang="ru-RU" sz="2400" dirty="0">
-                <a:latin typeface="Consolas" panose="020B0609020204030204" pitchFamily="49" charset="0"/>
-                <a:cs typeface="Consolas" panose="020B0609020204030204" pitchFamily="49" charset="0"/>
-              </a:rPr>
-              <a:t>	</a:t>
+              <a:rPr lang="en-US" sz="2400" dirty="0" err="1">
+                <a:solidFill>
+                  <a:srgbClr val="000000"/>
+                </a:solidFill>
+                <a:highlight>
+                  <a:srgbClr val="FFFFFF"/>
+                </a:highlight>
+                <a:latin typeface="Consolas"/>
+              </a:rPr>
+              <a:t>list.Select</a:t>
+            </a:r>
+            <a:r>
+              <a:rPr lang="en-US" sz="2400" dirty="0">
+                <a:solidFill>
+                  <a:srgbClr val="000000"/>
+                </a:solidFill>
+                <a:highlight>
+                  <a:srgbClr val="FFFFFF"/>
+                </a:highlight>
+                <a:latin typeface="Consolas"/>
+              </a:rPr>
+              <a:t>(x =&gt; </a:t>
             </a:r>
             <a:r>
               <a:rPr lang="en-US" sz="2400" dirty="0" smtClean="0">
-                <a:latin typeface="Consolas" panose="020B0609020204030204" pitchFamily="49" charset="0"/>
-                <a:cs typeface="Consolas" panose="020B0609020204030204" pitchFamily="49" charset="0"/>
-              </a:rPr>
-              <a:t>T[], List&lt;T&gt;, </a:t>
-            </a:r>
-            <a:r>
-              <a:rPr lang="en-US" sz="2400" dirty="0" err="1" smtClean="0">
-                <a:latin typeface="Consolas" panose="020B0609020204030204" pitchFamily="49" charset="0"/>
-                <a:cs typeface="Consolas" panose="020B0609020204030204" pitchFamily="49" charset="0"/>
-              </a:rPr>
-              <a:t>HashSet</a:t>
-            </a:r>
-            <a:r>
-              <a:rPr lang="en-US" sz="2400" dirty="0" smtClean="0">
-                <a:latin typeface="Consolas" panose="020B0609020204030204" pitchFamily="49" charset="0"/>
-                <a:cs typeface="Consolas" panose="020B0609020204030204" pitchFamily="49" charset="0"/>
-              </a:rPr>
-              <a:t>&lt;T&gt;, …</a:t>
-            </a:r>
+                <a:solidFill>
+                  <a:srgbClr val="000000"/>
+                </a:solidFill>
+                <a:highlight>
+                  <a:srgbClr val="FFFFFF"/>
+                </a:highlight>
+                <a:latin typeface="Consolas"/>
+              </a:rPr>
+              <a:t>x+1)</a:t>
+            </a:r>
+            <a:r>
+              <a:rPr lang="en-US" sz="2800" dirty="0" smtClean="0"/>
+              <a:t> </a:t>
+            </a:r>
+            <a:r>
+              <a:rPr lang="ru-RU" sz="2800" dirty="0" smtClean="0"/>
+              <a:t> 	</a:t>
+            </a:r>
+            <a:r>
+              <a:rPr lang="en-US" sz="2800" dirty="0" smtClean="0"/>
+              <a:t>//</a:t>
+            </a:r>
+            <a:r>
+              <a:rPr lang="ru-RU" sz="2800" dirty="0" smtClean="0"/>
+              <a:t> +1 ко всем</a:t>
+            </a:r>
+            <a:endParaRPr lang="en-US" sz="2800" dirty="0" smtClean="0"/>
           </a:p>
           <a:p>
             <a:pPr marL="0" indent="0">
               <a:buNone/>
             </a:pPr>
-            <a:endParaRPr lang="ru-RU" sz="2400" dirty="0">
-              <a:latin typeface="Consolas" panose="020B0609020204030204" pitchFamily="49" charset="0"/>
-              <a:cs typeface="Consolas" panose="020B0609020204030204" pitchFamily="49" charset="0"/>
+            <a:endParaRPr lang="en-US" sz="2400" dirty="0" smtClean="0">
+              <a:solidFill>
+                <a:srgbClr val="2B91AF"/>
+              </a:solidFill>
+              <a:highlight>
+                <a:srgbClr val="FFFFFF"/>
+              </a:highlight>
+              <a:latin typeface="Consolas"/>
             </a:endParaRPr>
           </a:p>
           <a:p>
@@ -19484,42 +19663,272 @@
               <a:buNone/>
             </a:pPr>
             <a:r>
-              <a:rPr lang="ru-RU" sz="2400" dirty="0"/>
-              <a:t>Для </a:t>
+              <a:rPr lang="en-US" sz="2400" dirty="0" smtClean="0">
+                <a:solidFill>
+                  <a:srgbClr val="2B91AF"/>
+                </a:solidFill>
+                <a:highlight>
+                  <a:srgbClr val="FFFFFF"/>
+                </a:highlight>
+                <a:latin typeface="Consolas"/>
+              </a:rPr>
+              <a:t>File</a:t>
+            </a:r>
+          </a:p>
+          <a:p>
+            <a:pPr marL="0" indent="0">
+              <a:buNone/>
+            </a:pPr>
+            <a:r>
+              <a:rPr lang="en-US" sz="2400" dirty="0">
+                <a:solidFill>
+                  <a:srgbClr val="2B91AF"/>
+                </a:solidFill>
+                <a:highlight>
+                  <a:srgbClr val="FFFFFF"/>
+                </a:highlight>
+                <a:latin typeface="Consolas"/>
+              </a:rPr>
+              <a:t> </a:t>
+            </a:r>
+            <a:r>
+              <a:rPr lang="en-US" sz="2400" dirty="0" smtClean="0">
+                <a:solidFill>
+                  <a:srgbClr val="2B91AF"/>
+                </a:solidFill>
+                <a:highlight>
+                  <a:srgbClr val="FFFFFF"/>
+                </a:highlight>
+                <a:latin typeface="Consolas"/>
+              </a:rPr>
+              <a:t> </a:t>
+            </a:r>
+            <a:r>
+              <a:rPr lang="en-US" sz="2400" dirty="0" smtClean="0">
+                <a:solidFill>
+                  <a:srgbClr val="000000"/>
+                </a:solidFill>
+                <a:highlight>
+                  <a:srgbClr val="FFFFFF"/>
+                </a:highlight>
+                <a:latin typeface="Consolas"/>
+              </a:rPr>
+              <a:t>.</a:t>
+            </a:r>
+            <a:r>
+              <a:rPr lang="en-US" sz="2400" dirty="0" err="1" smtClean="0">
+                <a:solidFill>
+                  <a:srgbClr val="000000"/>
+                </a:solidFill>
+                <a:highlight>
+                  <a:srgbClr val="FFFFFF"/>
+                </a:highlight>
+                <a:latin typeface="Consolas"/>
+              </a:rPr>
+              <a:t>ReadAllLines</a:t>
+            </a:r>
+            <a:r>
+              <a:rPr lang="en-US" sz="2400" dirty="0">
+                <a:solidFill>
+                  <a:srgbClr val="000000"/>
+                </a:solidFill>
+                <a:highlight>
+                  <a:srgbClr val="FFFFFF"/>
+                </a:highlight>
+                <a:latin typeface="Consolas"/>
+              </a:rPr>
+              <a:t>(</a:t>
+            </a:r>
+            <a:r>
+              <a:rPr lang="en-US" sz="2400" dirty="0">
+                <a:solidFill>
+                  <a:srgbClr val="A31515"/>
+                </a:solidFill>
+                <a:highlight>
+                  <a:srgbClr val="FFFFFF"/>
+                </a:highlight>
+                <a:latin typeface="Consolas"/>
+              </a:rPr>
+              <a:t>"input.txt"</a:t>
+            </a:r>
+            <a:r>
+              <a:rPr lang="en-US" sz="2400" dirty="0">
+                <a:solidFill>
+                  <a:srgbClr val="000000"/>
+                </a:solidFill>
+                <a:highlight>
+                  <a:srgbClr val="FFFFFF"/>
+                </a:highlight>
+                <a:latin typeface="Consolas"/>
+              </a:rPr>
+              <a:t>)</a:t>
+            </a:r>
+          </a:p>
+          <a:p>
+            <a:pPr marL="0" indent="0">
+              <a:buNone/>
+            </a:pPr>
+            <a:r>
+              <a:rPr lang="en-US" sz="2400" dirty="0" smtClean="0">
+                <a:solidFill>
+                  <a:srgbClr val="000000"/>
+                </a:solidFill>
+                <a:highlight>
+                  <a:srgbClr val="FFFFFF"/>
+                </a:highlight>
+                <a:latin typeface="Consolas"/>
+              </a:rPr>
+              <a:t>  </a:t>
+            </a:r>
+            <a:r>
+              <a:rPr lang="en-US" sz="2400" dirty="0">
+                <a:solidFill>
+                  <a:srgbClr val="000000"/>
+                </a:solidFill>
+                <a:highlight>
+                  <a:srgbClr val="FFFFFF"/>
+                </a:highlight>
+                <a:latin typeface="Consolas"/>
+              </a:rPr>
+              <a:t>.</a:t>
             </a:r>
             <a:r>
               <a:rPr lang="en-US" sz="2400" dirty="0" err="1">
-                <a:latin typeface="Consolas" panose="020B0609020204030204" pitchFamily="49" charset="0"/>
-                <a:cs typeface="Consolas" panose="020B0609020204030204" pitchFamily="49" charset="0"/>
-              </a:rPr>
-              <a:t>IEnumerable</a:t>
+                <a:solidFill>
+                  <a:srgbClr val="000000"/>
+                </a:solidFill>
+                <a:highlight>
+                  <a:srgbClr val="FFFFFF"/>
+                </a:highlight>
+                <a:latin typeface="Consolas"/>
+              </a:rPr>
+              <a:t>SelectMany</a:t>
             </a:r>
             <a:r>
               <a:rPr lang="en-US" sz="2400" dirty="0">
-                <a:latin typeface="Consolas" panose="020B0609020204030204" pitchFamily="49" charset="0"/>
-                <a:cs typeface="Consolas" panose="020B0609020204030204" pitchFamily="49" charset="0"/>
-              </a:rPr>
-              <a:t>&lt;T&gt;</a:t>
-            </a:r>
-            <a:r>
-              <a:rPr lang="en-US" sz="2400" dirty="0"/>
-              <a:t> </a:t>
-            </a:r>
-            <a:r>
-              <a:rPr lang="ru-RU" sz="2400" dirty="0" smtClean="0"/>
-              <a:t>есть несколько полезных </a:t>
-            </a:r>
-            <a:r>
-              <a:rPr lang="ru-RU" sz="2400" dirty="0"/>
-              <a:t>методов.</a:t>
-            </a:r>
+                <a:solidFill>
+                  <a:srgbClr val="000000"/>
+                </a:solidFill>
+                <a:highlight>
+                  <a:srgbClr val="FFFFFF"/>
+                </a:highlight>
+                <a:latin typeface="Consolas"/>
+              </a:rPr>
+              <a:t>(line =&gt; </a:t>
+            </a:r>
+            <a:r>
+              <a:rPr lang="en-US" sz="2400" dirty="0" err="1">
+                <a:solidFill>
+                  <a:srgbClr val="000000"/>
+                </a:solidFill>
+                <a:highlight>
+                  <a:srgbClr val="FFFFFF"/>
+                </a:highlight>
+                <a:latin typeface="Consolas"/>
+              </a:rPr>
+              <a:t>Regex.Split</a:t>
+            </a:r>
+            <a:r>
+              <a:rPr lang="en-US" sz="2400" dirty="0">
+                <a:solidFill>
+                  <a:srgbClr val="000000"/>
+                </a:solidFill>
+                <a:highlight>
+                  <a:srgbClr val="FFFFFF"/>
+                </a:highlight>
+                <a:latin typeface="Consolas"/>
+              </a:rPr>
+              <a:t>(line, </a:t>
+            </a:r>
+            <a:r>
+              <a:rPr lang="en-US" sz="2400" dirty="0">
+                <a:solidFill>
+                  <a:srgbClr val="A31515"/>
+                </a:solidFill>
+                <a:highlight>
+                  <a:srgbClr val="FFFFFF"/>
+                </a:highlight>
+                <a:latin typeface="Consolas"/>
+              </a:rPr>
+              <a:t>@"\W"</a:t>
+            </a:r>
+            <a:r>
+              <a:rPr lang="en-US" sz="2400" dirty="0">
+                <a:solidFill>
+                  <a:srgbClr val="000000"/>
+                </a:solidFill>
+                <a:highlight>
+                  <a:srgbClr val="FFFFFF"/>
+                </a:highlight>
+                <a:latin typeface="Consolas"/>
+              </a:rPr>
+              <a:t>))</a:t>
+            </a:r>
+          </a:p>
+          <a:p>
+            <a:pPr marL="0" indent="0">
+              <a:buNone/>
+            </a:pPr>
+            <a:r>
+              <a:rPr lang="en-US" sz="2400" dirty="0" smtClean="0">
+                <a:solidFill>
+                  <a:srgbClr val="000000"/>
+                </a:solidFill>
+                <a:highlight>
+                  <a:srgbClr val="FFFFFF"/>
+                </a:highlight>
+                <a:latin typeface="Consolas"/>
+              </a:rPr>
+              <a:t>  </a:t>
+            </a:r>
+            <a:r>
+              <a:rPr lang="en-US" sz="2400" dirty="0">
+                <a:solidFill>
+                  <a:srgbClr val="000000"/>
+                </a:solidFill>
+                <a:highlight>
+                  <a:srgbClr val="FFFFFF"/>
+                </a:highlight>
+                <a:latin typeface="Consolas"/>
+              </a:rPr>
+              <a:t>.</a:t>
+            </a:r>
+            <a:r>
+              <a:rPr lang="en-US" sz="2400" dirty="0" err="1">
+                <a:solidFill>
+                  <a:srgbClr val="000000"/>
+                </a:solidFill>
+                <a:highlight>
+                  <a:srgbClr val="FFFFFF"/>
+                </a:highlight>
+                <a:latin typeface="Consolas"/>
+              </a:rPr>
+              <a:t>ToArray</a:t>
+            </a:r>
+            <a:r>
+              <a:rPr lang="en-US" sz="2400" dirty="0" smtClean="0">
+                <a:solidFill>
+                  <a:srgbClr val="000000"/>
+                </a:solidFill>
+                <a:highlight>
+                  <a:srgbClr val="FFFFFF"/>
+                </a:highlight>
+                <a:latin typeface="Consolas"/>
+              </a:rPr>
+              <a:t>(); // </a:t>
+            </a:r>
+            <a:r>
+              <a:rPr lang="ru-RU" sz="2800" dirty="0"/>
+              <a:t>все слова</a:t>
+            </a:r>
+            <a:endParaRPr lang="en-US" sz="2400" dirty="0" smtClean="0"/>
           </a:p>
         </p:txBody>
       </p:sp>
     </p:spTree>
     <p:extLst>
       <p:ext uri="{BB962C8B-B14F-4D97-AF65-F5344CB8AC3E}">
-        <p14:creationId xmlns:p14="http://schemas.microsoft.com/office/powerpoint/2010/main" val="3650333525"/>
+        <p14:creationId xmlns:p14="http://schemas.microsoft.com/office/powerpoint/2010/main" val="4179517988"/>
       </p:ext>
     </p:extLst>
   </p:cSld>
@@ -19674,7 +20083,7 @@
               <a:buNone/>
             </a:pPr>
             <a:r>
-              <a:rPr lang="en-US" sz="2400" dirty="0" err="1">
+              <a:rPr lang="en-US" sz="2400" dirty="0" smtClean="0">
                 <a:solidFill>
                   <a:srgbClr val="000000"/>
                 </a:solidFill>
@@ -19683,7 +20092,7 @@
                 </a:highlight>
                 <a:latin typeface="Consolas"/>
               </a:rPr>
-              <a:t>list.Select</a:t>
+              <a:t>    .</a:t>
             </a:r>
             <a:r>
               <a:rPr lang="en-US" sz="2400" dirty="0">
@@ -19695,7 +20104,7 @@
                 </a:highlight>
                 <a:latin typeface="Consolas"/>
               </a:rPr>
-              <a:t>(x =&gt; </a:t>
+              <a:t>Select(x =&gt; </a:t>
             </a:r>
             <a:r>
               <a:rPr lang="en-US" sz="2400" dirty="0" smtClean="0">
@@ -19731,287 +20140,62 @@
             <a:pPr marL="0" indent="0">
               <a:buNone/>
             </a:pPr>
-            <a:endParaRPr lang="en-US" sz="2400" dirty="0" smtClean="0">
-              <a:solidFill>
-                <a:srgbClr val="2B91AF"/>
-              </a:solidFill>
-              <a:highlight>
-                <a:srgbClr val="FFFFFF"/>
-              </a:highlight>
-              <a:latin typeface="Consolas"/>
-            </a:endParaRPr>
-          </a:p>
-          <a:p>
-            <a:pPr marL="0" indent="0">
-              <a:buNone/>
-            </a:pPr>
             <a:r>
               <a:rPr lang="en-US" sz="2400" dirty="0" smtClean="0">
                 <a:solidFill>
-                  <a:srgbClr val="2B91AF"/>
+                  <a:srgbClr val="000000"/>
                 </a:solidFill>
                 <a:highlight>
                   <a:srgbClr val="FFFFFF"/>
                 </a:highlight>
                 <a:latin typeface="Consolas"/>
               </a:rPr>
-              <a:t>File</a:t>
-            </a:r>
-          </a:p>
-          <a:p>
-            <a:pPr marL="0" indent="0">
-              <a:buNone/>
-            </a:pPr>
-            <a:r>
-              <a:rPr lang="en-US" sz="2400" dirty="0">
-                <a:solidFill>
-                  <a:srgbClr val="2B91AF"/>
+              <a:t>    .</a:t>
+            </a:r>
+            <a:r>
+              <a:rPr lang="en-US" sz="2400" dirty="0" err="1" smtClean="0">
+                <a:solidFill>
+                  <a:srgbClr val="000000"/>
                 </a:solidFill>
                 <a:highlight>
                   <a:srgbClr val="FFFFFF"/>
                 </a:highlight>
                 <a:latin typeface="Consolas"/>
               </a:rPr>
-              <a:t> </a:t>
+              <a:t>ToArray</a:t>
             </a:r>
             <a:r>
               <a:rPr lang="en-US" sz="2400" dirty="0" smtClean="0">
                 <a:solidFill>
-                  <a:srgbClr val="2B91AF"/>
+                  <a:srgbClr val="000000"/>
                 </a:solidFill>
                 <a:highlight>
                   <a:srgbClr val="FFFFFF"/>
                 </a:highlight>
                 <a:latin typeface="Consolas"/>
               </a:rPr>
-              <a:t> </a:t>
-            </a:r>
-            <a:r>
-              <a:rPr lang="en-US" sz="2400" dirty="0" smtClean="0">
-                <a:solidFill>
-                  <a:srgbClr val="000000"/>
-                </a:solidFill>
-                <a:highlight>
-                  <a:srgbClr val="FFFFFF"/>
-                </a:highlight>
-                <a:latin typeface="Consolas"/>
-              </a:rPr>
-              <a:t>.</a:t>
-            </a:r>
-            <a:r>
-              <a:rPr lang="en-US" sz="2400" dirty="0" err="1" smtClean="0">
-                <a:solidFill>
-                  <a:srgbClr val="000000"/>
-                </a:solidFill>
-                <a:highlight>
-                  <a:srgbClr val="FFFFFF"/>
-                </a:highlight>
-                <a:latin typeface="Consolas"/>
-              </a:rPr>
-              <a:t>ReadAllLines</a:t>
-            </a:r>
-            <a:r>
-              <a:rPr lang="en-US" sz="2400" dirty="0">
-                <a:solidFill>
-                  <a:srgbClr val="000000"/>
-                </a:solidFill>
-                <a:highlight>
-                  <a:srgbClr val="FFFFFF"/>
-                </a:highlight>
-                <a:latin typeface="Consolas"/>
-              </a:rPr>
-              <a:t>(</a:t>
-            </a:r>
-            <a:r>
-              <a:rPr lang="en-US" sz="2400" dirty="0">
-                <a:solidFill>
-                  <a:srgbClr val="A31515"/>
-                </a:solidFill>
-                <a:highlight>
-                  <a:srgbClr val="FFFFFF"/>
-                </a:highlight>
-                <a:latin typeface="Consolas"/>
-              </a:rPr>
-              <a:t>"input.txt"</a:t>
-            </a:r>
-            <a:r>
-              <a:rPr lang="en-US" sz="2400" dirty="0">
-                <a:solidFill>
-                  <a:srgbClr val="000000"/>
-                </a:solidFill>
-                <a:highlight>
-                  <a:srgbClr val="FFFFFF"/>
-                </a:highlight>
-                <a:latin typeface="Consolas"/>
-              </a:rPr>
-              <a:t>)</a:t>
-            </a:r>
-          </a:p>
-          <a:p>
-            <a:pPr marL="0" indent="0">
-              <a:buNone/>
-            </a:pPr>
-            <a:r>
-              <a:rPr lang="en-US" sz="2400" dirty="0" smtClean="0">
-                <a:solidFill>
-                  <a:srgbClr val="000000"/>
-                </a:solidFill>
-                <a:highlight>
-                  <a:srgbClr val="FFFFFF"/>
-                </a:highlight>
-                <a:latin typeface="Consolas"/>
-              </a:rPr>
-              <a:t>  </a:t>
-            </a:r>
-            <a:r>
-              <a:rPr lang="en-US" sz="2400" dirty="0">
-                <a:solidFill>
-                  <a:srgbClr val="000000"/>
-                </a:solidFill>
-                <a:highlight>
-                  <a:srgbClr val="FFFFFF"/>
-                </a:highlight>
-                <a:latin typeface="Consolas"/>
-              </a:rPr>
-              <a:t>.</a:t>
-            </a:r>
-            <a:r>
-              <a:rPr lang="en-US" sz="2400" dirty="0" err="1">
-                <a:solidFill>
-                  <a:srgbClr val="000000"/>
-                </a:solidFill>
-                <a:highlight>
-                  <a:srgbClr val="FFFFFF"/>
-                </a:highlight>
-                <a:latin typeface="Consolas"/>
-              </a:rPr>
-              <a:t>SelectMany</a:t>
-            </a:r>
-            <a:r>
-              <a:rPr lang="en-US" sz="2400" dirty="0">
-                <a:solidFill>
-                  <a:srgbClr val="000000"/>
-                </a:solidFill>
-                <a:highlight>
-                  <a:srgbClr val="FFFFFF"/>
-                </a:highlight>
-                <a:latin typeface="Consolas"/>
-              </a:rPr>
-              <a:t>(line =&gt; </a:t>
-            </a:r>
-            <a:r>
-              <a:rPr lang="en-US" sz="2400" dirty="0" err="1">
-                <a:solidFill>
-                  <a:srgbClr val="000000"/>
-                </a:solidFill>
-                <a:highlight>
-                  <a:srgbClr val="FFFFFF"/>
-                </a:highlight>
-                <a:latin typeface="Consolas"/>
-              </a:rPr>
-              <a:t>Regex.Split</a:t>
-            </a:r>
-            <a:r>
-              <a:rPr lang="en-US" sz="2400" dirty="0">
-                <a:solidFill>
-                  <a:srgbClr val="000000"/>
-                </a:solidFill>
-                <a:highlight>
-                  <a:srgbClr val="FFFFFF"/>
-                </a:highlight>
-                <a:latin typeface="Consolas"/>
-              </a:rPr>
-              <a:t>(line, </a:t>
-            </a:r>
-            <a:r>
-              <a:rPr lang="en-US" sz="2400" dirty="0">
-                <a:solidFill>
-                  <a:srgbClr val="A31515"/>
-                </a:solidFill>
-                <a:highlight>
-                  <a:srgbClr val="FFFFFF"/>
-                </a:highlight>
-                <a:latin typeface="Consolas"/>
-              </a:rPr>
-              <a:t>@"\W"</a:t>
-            </a:r>
-            <a:r>
-              <a:rPr lang="en-US" sz="2400" dirty="0">
-                <a:solidFill>
-                  <a:srgbClr val="000000"/>
-                </a:solidFill>
-                <a:highlight>
-                  <a:srgbClr val="FFFFFF"/>
-                </a:highlight>
-                <a:latin typeface="Consolas"/>
-              </a:rPr>
-              <a:t>))</a:t>
-            </a:r>
-          </a:p>
-          <a:p>
-            <a:pPr marL="0" indent="0">
-              <a:buNone/>
-            </a:pPr>
-            <a:r>
-              <a:rPr lang="en-US" sz="2400" dirty="0" smtClean="0">
-                <a:solidFill>
-                  <a:srgbClr val="000000"/>
-                </a:solidFill>
-                <a:highlight>
-                  <a:srgbClr val="FFFFFF"/>
-                </a:highlight>
-                <a:latin typeface="Consolas"/>
-              </a:rPr>
-              <a:t>  </a:t>
-            </a:r>
-            <a:r>
-              <a:rPr lang="en-US" sz="2400" dirty="0">
-                <a:solidFill>
-                  <a:srgbClr val="000000"/>
-                </a:solidFill>
-                <a:highlight>
-                  <a:srgbClr val="FFFFFF"/>
-                </a:highlight>
-                <a:latin typeface="Consolas"/>
-              </a:rPr>
-              <a:t>.</a:t>
-            </a:r>
-            <a:r>
-              <a:rPr lang="en-US" sz="2400" dirty="0" err="1">
-                <a:solidFill>
-                  <a:srgbClr val="000000"/>
-                </a:solidFill>
-                <a:highlight>
-                  <a:srgbClr val="FFFFFF"/>
-                </a:highlight>
-                <a:latin typeface="Consolas"/>
-              </a:rPr>
-              <a:t>ToArray</a:t>
-            </a:r>
-            <a:r>
-              <a:rPr lang="en-US" sz="2400" dirty="0" smtClean="0">
-                <a:solidFill>
-                  <a:srgbClr val="000000"/>
-                </a:solidFill>
-                <a:highlight>
-                  <a:srgbClr val="FFFFFF"/>
-                </a:highlight>
-                <a:latin typeface="Consolas"/>
-              </a:rPr>
-              <a:t>(); // </a:t>
+              <a:t>()             </a:t>
+            </a:r>
+            <a:r>
+              <a:rPr lang="en-US" sz="2800" dirty="0"/>
+              <a:t>//</a:t>
             </a:r>
             <a:r>
               <a:rPr lang="ru-RU" sz="2800" dirty="0"/>
-              <a:t>все слова</a:t>
-            </a:r>
-            <a:endParaRPr lang="en-US" sz="2400" dirty="0" smtClean="0"/>
+              <a:t> в </a:t>
+            </a:r>
+            <a:r>
+              <a:rPr lang="ru-RU" sz="2800" dirty="0" smtClean="0"/>
+              <a:t>массив</a:t>
+            </a:r>
+            <a:endParaRPr lang="en-US" sz="2800" dirty="0"/>
           </a:p>
         </p:txBody>
       </p:sp>
     </p:spTree>
     <p:extLst>
       <p:ext uri="{BB962C8B-B14F-4D97-AF65-F5344CB8AC3E}">
-        <p14:creationId xmlns:p14="http://schemas.microsoft.com/office/powerpoint/2010/main" val="4179517988"/>
+        <p14:creationId xmlns:p14="http://schemas.microsoft.com/office/powerpoint/2010/main" val="539562667"/>
       </p:ext>
     </p:extLst>
   </p:cSld>
@@ -20089,7 +20273,7 @@
               <a:buNone/>
             </a:pPr>
             <a:r>
-              <a:rPr lang="en-US" sz="2400" dirty="0" err="1" smtClean="0">
+              <a:rPr lang="en-US" sz="2400" dirty="0" smtClean="0">
                 <a:solidFill>
                   <a:srgbClr val="000000"/>
                 </a:solidFill>
@@ -20098,22 +20282,22 @@
                 </a:highlight>
                 <a:latin typeface="Consolas"/>
               </a:rPr>
-              <a:t>list.Where</a:t>
-            </a:r>
-            <a:r>
-              <a:rPr lang="en-US" sz="2400" dirty="0" smtClean="0">
-                <a:solidFill>
-                  <a:srgbClr val="000000"/>
+              <a:t>frequencies = </a:t>
+            </a:r>
+            <a:r>
+              <a:rPr lang="en-US" sz="2400" dirty="0" err="1" smtClean="0">
+                <a:solidFill>
+                  <a:srgbClr val="2B91AF"/>
                 </a:solidFill>
                 <a:highlight>
                   <a:srgbClr val="FFFFFF"/>
                 </a:highlight>
                 <a:latin typeface="Consolas"/>
               </a:rPr>
-              <a:t>(x </a:t>
-            </a:r>
-            <a:r>
-              <a:rPr lang="en-US" sz="2400" dirty="0">
+              <a:t>File</a:t>
+            </a:r>
+            <a:r>
+              <a:rPr lang="en-US" sz="2400" dirty="0" err="1" smtClean="0">
                 <a:solidFill>
                   <a:srgbClr val="000000"/>
                 </a:solidFill>
@@ -20122,10 +20306,10 @@
                 </a:highlight>
                 <a:latin typeface="Consolas"/>
               </a:rPr>
-              <a:t>=&gt; x%2 == 0</a:t>
-            </a:r>
-            <a:r>
-              <a:rPr lang="en-US" sz="2400" dirty="0" smtClean="0">
+              <a:t>.ReadAllLines</a:t>
+            </a:r>
+            <a:r>
+              <a:rPr lang="en-US" sz="2400" dirty="0">
                 <a:solidFill>
                   <a:srgbClr val="000000"/>
                 </a:solidFill>
@@ -20134,31 +20318,31 @@
                 </a:highlight>
                 <a:latin typeface="Consolas"/>
               </a:rPr>
-              <a:t>)</a:t>
-            </a:r>
-            <a:r>
-              <a:rPr lang="ru-RU" sz="2400" dirty="0" smtClean="0">
-                <a:solidFill>
-                  <a:srgbClr val="000000"/>
+              <a:t>(</a:t>
+            </a:r>
+            <a:r>
+              <a:rPr lang="en-US" sz="2400" dirty="0">
+                <a:solidFill>
+                  <a:srgbClr val="A31515"/>
                 </a:solidFill>
                 <a:highlight>
                   <a:srgbClr val="FFFFFF"/>
                 </a:highlight>
                 <a:latin typeface="Consolas"/>
               </a:rPr>
-              <a:t>	</a:t>
-            </a:r>
-            <a:r>
-              <a:rPr lang="en-US" sz="2800" dirty="0" smtClean="0"/>
-              <a:t>// </a:t>
-            </a:r>
-            <a:r>
-              <a:rPr lang="ru-RU" sz="2800" dirty="0"/>
-              <a:t>выбрать все </a:t>
-            </a:r>
-            <a:r>
-              <a:rPr lang="ru-RU" sz="2800" dirty="0" smtClean="0"/>
-              <a:t>четные</a:t>
+              <a:t>"input.txt"</a:t>
+            </a:r>
+            <a:r>
+              <a:rPr lang="en-US" sz="2400" dirty="0">
+                <a:solidFill>
+                  <a:srgbClr val="000000"/>
+                </a:solidFill>
+                <a:highlight>
+                  <a:srgbClr val="FFFFFF"/>
+                </a:highlight>
+                <a:latin typeface="Consolas"/>
+              </a:rPr>
+              <a:t>)</a:t>
             </a:r>
           </a:p>
           <a:p>
@@ -20166,7 +20350,7 @@
               <a:buNone/>
             </a:pPr>
             <a:r>
-              <a:rPr lang="en-US" sz="2400" dirty="0" smtClean="0">
+              <a:rPr lang="en-US" sz="2400" dirty="0">
                 <a:solidFill>
                   <a:srgbClr val="000000"/>
                 </a:solidFill>
@@ -20175,10 +20359,10 @@
                 </a:highlight>
                 <a:latin typeface="Consolas"/>
               </a:rPr>
-              <a:t>    .</a:t>
-            </a:r>
-            <a:r>
-              <a:rPr lang="en-US" sz="2400" dirty="0">
+              <a:t>  .</a:t>
+            </a:r>
+            <a:r>
+              <a:rPr lang="en-US" sz="2400" dirty="0" err="1">
                 <a:solidFill>
                   <a:srgbClr val="000000"/>
                 </a:solidFill>
@@ -20187,10 +20371,10 @@
                 </a:highlight>
                 <a:latin typeface="Consolas"/>
               </a:rPr>
-              <a:t>Select(x =&gt; </a:t>
-            </a:r>
-            <a:r>
-              <a:rPr lang="en-US" sz="2400" dirty="0" smtClean="0">
+              <a:t>SelectMany</a:t>
+            </a:r>
+            <a:r>
+              <a:rPr lang="en-US" sz="2400" dirty="0">
                 <a:solidFill>
                   <a:srgbClr val="000000"/>
                 </a:solidFill>
@@ -20199,32 +20383,63 @@
                 </a:highlight>
                 <a:latin typeface="Consolas"/>
               </a:rPr>
-              <a:t>x+1)</a:t>
-            </a:r>
-            <a:r>
-              <a:rPr lang="en-US" sz="2800" dirty="0" smtClean="0"/>
-              <a:t> </a:t>
-            </a:r>
-            <a:r>
-              <a:rPr lang="ru-RU" sz="2800" dirty="0" smtClean="0"/>
-              <a:t> 	</a:t>
-            </a:r>
-            <a:r>
-              <a:rPr lang="en-US" sz="2800" dirty="0" smtClean="0"/>
-              <a:t>//</a:t>
-            </a:r>
-            <a:r>
-              <a:rPr lang="ru-RU" sz="2800" dirty="0" smtClean="0"/>
-              <a:t> +1 ко всем</a:t>
-            </a:r>
-            <a:endParaRPr lang="en-US" sz="2800" dirty="0" smtClean="0"/>
+              <a:t>(line =&gt; </a:t>
+            </a:r>
+            <a:r>
+              <a:rPr lang="en-US" sz="2400" dirty="0" err="1">
+                <a:solidFill>
+                  <a:srgbClr val="000000"/>
+                </a:solidFill>
+                <a:highlight>
+                  <a:srgbClr val="FFFFFF"/>
+                </a:highlight>
+                <a:latin typeface="Consolas"/>
+              </a:rPr>
+              <a:t>Regex.Split</a:t>
+            </a:r>
+            <a:r>
+              <a:rPr lang="en-US" sz="2400" dirty="0">
+                <a:solidFill>
+                  <a:srgbClr val="000000"/>
+                </a:solidFill>
+                <a:highlight>
+                  <a:srgbClr val="FFFFFF"/>
+                </a:highlight>
+                <a:latin typeface="Consolas"/>
+              </a:rPr>
+              <a:t>(line, </a:t>
+            </a:r>
+            <a:r>
+              <a:rPr lang="en-US" sz="2400" dirty="0">
+                <a:solidFill>
+                  <a:srgbClr val="A31515"/>
+                </a:solidFill>
+                <a:highlight>
+                  <a:srgbClr val="FFFFFF"/>
+                </a:highlight>
+                <a:latin typeface="Consolas"/>
+              </a:rPr>
+              <a:t>@"\W"</a:t>
+            </a:r>
+            <a:r>
+              <a:rPr lang="en-US" sz="2400" dirty="0">
+                <a:solidFill>
+                  <a:srgbClr val="000000"/>
+                </a:solidFill>
+                <a:highlight>
+                  <a:srgbClr val="FFFFFF"/>
+                </a:highlight>
+                <a:latin typeface="Consolas"/>
+              </a:rPr>
+              <a:t>))</a:t>
+            </a:r>
           </a:p>
           <a:p>
             <a:pPr marL="0" indent="0">
               <a:buNone/>
             </a:pPr>
             <a:r>
-              <a:rPr lang="en-US" sz="2400" dirty="0" smtClean="0">
+              <a:rPr lang="en-US" sz="2400" dirty="0">
                 <a:solidFill>
                   <a:srgbClr val="000000"/>
                 </a:solidFill>
@@ -20233,10 +20448,10 @@
                 </a:highlight>
                 <a:latin typeface="Consolas"/>
               </a:rPr>
-              <a:t>    .</a:t>
-            </a:r>
-            <a:r>
-              <a:rPr lang="en-US" sz="2400" dirty="0" err="1" smtClean="0">
+              <a:t>  </a:t>
+            </a:r>
+            <a:r>
+              <a:rPr lang="en-US" sz="2400" dirty="0" smtClean="0">
                 <a:solidFill>
                   <a:srgbClr val="000000"/>
                 </a:solidFill>
@@ -20245,10 +20460,10 @@
                 </a:highlight>
                 <a:latin typeface="Consolas"/>
               </a:rPr>
-              <a:t>ToArray</a:t>
-            </a:r>
-            <a:r>
-              <a:rPr lang="en-US" sz="2400" dirty="0" smtClean="0">
+              <a:t>.</a:t>
+            </a:r>
+            <a:r>
+              <a:rPr lang="en-US" sz="2400" dirty="0" err="1" smtClean="0">
                 <a:solidFill>
                   <a:srgbClr val="000000"/>
                 </a:solidFill>
@@ -20257,28 +20472,219 @@
                 </a:highlight>
                 <a:latin typeface="Consolas"/>
               </a:rPr>
-              <a:t>()             </a:t>
-            </a:r>
-            <a:r>
-              <a:rPr lang="en-US" sz="2800" dirty="0"/>
+              <a:t>GroupBy</a:t>
+            </a:r>
+            <a:r>
+              <a:rPr lang="en-US" sz="2400" dirty="0" smtClean="0">
+                <a:solidFill>
+                  <a:srgbClr val="000000"/>
+                </a:solidFill>
+                <a:highlight>
+                  <a:srgbClr val="FFFFFF"/>
+                </a:highlight>
+                <a:latin typeface="Consolas"/>
+              </a:rPr>
+              <a:t>(word =&gt; word)</a:t>
+            </a:r>
+          </a:p>
+          <a:p>
+            <a:pPr marL="0" indent="0">
+              <a:buNone/>
+            </a:pPr>
+            <a:r>
+              <a:rPr lang="en-US" sz="2400" dirty="0" smtClean="0">
+                <a:solidFill>
+                  <a:srgbClr val="000000"/>
+                </a:solidFill>
+                <a:highlight>
+                  <a:srgbClr val="FFFFFF"/>
+                </a:highlight>
+                <a:latin typeface="Consolas"/>
+              </a:rPr>
+              <a:t>  .</a:t>
+            </a:r>
+            <a:r>
+              <a:rPr lang="en-US" sz="2400" dirty="0" err="1" smtClean="0">
+                <a:solidFill>
+                  <a:srgbClr val="000000"/>
+                </a:solidFill>
+                <a:highlight>
+                  <a:srgbClr val="FFFFFF"/>
+                </a:highlight>
+                <a:latin typeface="Consolas"/>
+              </a:rPr>
+              <a:t>ToDictionary</a:t>
+            </a:r>
+            <a:r>
+              <a:rPr lang="en-US" sz="2400" dirty="0" smtClean="0">
+                <a:solidFill>
+                  <a:srgbClr val="000000"/>
+                </a:solidFill>
+                <a:highlight>
+                  <a:srgbClr val="FFFFFF"/>
+                </a:highlight>
+                <a:latin typeface="Consolas"/>
+              </a:rPr>
+              <a:t>(</a:t>
+            </a:r>
+          </a:p>
+          <a:p>
+            <a:pPr marL="0" indent="0">
+              <a:buNone/>
+            </a:pPr>
+            <a:r>
+              <a:rPr lang="en-US" sz="2400" dirty="0">
+                <a:solidFill>
+                  <a:srgbClr val="000000"/>
+                </a:solidFill>
+                <a:highlight>
+                  <a:srgbClr val="FFFFFF"/>
+                </a:highlight>
+                <a:latin typeface="Consolas"/>
+              </a:rPr>
+              <a:t> </a:t>
+            </a:r>
+            <a:r>
+              <a:rPr lang="en-US" sz="2400" dirty="0" smtClean="0">
+                <a:solidFill>
+                  <a:srgbClr val="000000"/>
+                </a:solidFill>
+                <a:highlight>
+                  <a:srgbClr val="FFFFFF"/>
+                </a:highlight>
+                <a:latin typeface="Consolas"/>
+              </a:rPr>
+              <a:t>     </a:t>
+            </a:r>
+            <a:r>
+              <a:rPr lang="en-US" sz="2400" dirty="0" err="1" smtClean="0">
+                <a:solidFill>
+                  <a:srgbClr val="000000"/>
+                </a:solidFill>
+                <a:highlight>
+                  <a:srgbClr val="FFFFFF"/>
+                </a:highlight>
+                <a:latin typeface="Consolas"/>
+              </a:rPr>
+              <a:t>wc</a:t>
+            </a:r>
+            <a:r>
+              <a:rPr lang="en-US" sz="2400" dirty="0" smtClean="0">
+                <a:solidFill>
+                  <a:srgbClr val="000000"/>
+                </a:solidFill>
+                <a:highlight>
+                  <a:srgbClr val="FFFFFF"/>
+                </a:highlight>
+                <a:latin typeface="Consolas"/>
+              </a:rPr>
+              <a:t> =&gt; </a:t>
+            </a:r>
+            <a:r>
+              <a:rPr lang="en-US" sz="2400" dirty="0" err="1" smtClean="0">
+                <a:solidFill>
+                  <a:srgbClr val="000000"/>
+                </a:solidFill>
+                <a:highlight>
+                  <a:srgbClr val="FFFFFF"/>
+                </a:highlight>
+                <a:latin typeface="Consolas"/>
+              </a:rPr>
+              <a:t>wc.word</a:t>
+            </a:r>
+            <a:r>
+              <a:rPr lang="en-US" sz="2400" dirty="0" smtClean="0">
+                <a:solidFill>
+                  <a:srgbClr val="000000"/>
+                </a:solidFill>
+                <a:highlight>
+                  <a:srgbClr val="FFFFFF"/>
+                </a:highlight>
+                <a:latin typeface="Consolas"/>
+              </a:rPr>
+              <a:t>, </a:t>
+            </a:r>
+          </a:p>
+          <a:p>
+            <a:pPr marL="0" indent="0">
+              <a:buNone/>
+            </a:pPr>
+            <a:r>
+              <a:rPr lang="en-US" sz="2400" dirty="0">
+                <a:solidFill>
+                  <a:srgbClr val="000000"/>
+                </a:solidFill>
+                <a:highlight>
+                  <a:srgbClr val="FFFFFF"/>
+                </a:highlight>
+                <a:latin typeface="Consolas"/>
+              </a:rPr>
+              <a:t> </a:t>
+            </a:r>
+            <a:r>
+              <a:rPr lang="en-US" sz="2400" dirty="0" smtClean="0">
+                <a:solidFill>
+                  <a:srgbClr val="000000"/>
+                </a:solidFill>
+                <a:highlight>
+                  <a:srgbClr val="FFFFFF"/>
+                </a:highlight>
+                <a:latin typeface="Consolas"/>
+              </a:rPr>
+              <a:t>     group =&gt; </a:t>
+            </a:r>
+            <a:r>
+              <a:rPr lang="en-US" sz="2400" dirty="0" err="1" smtClean="0">
+                <a:solidFill>
+                  <a:srgbClr val="000000"/>
+                </a:solidFill>
+                <a:highlight>
+                  <a:srgbClr val="FFFFFF"/>
+                </a:highlight>
+                <a:latin typeface="Consolas"/>
+              </a:rPr>
+              <a:t>group.Count</a:t>
+            </a:r>
+            <a:r>
+              <a:rPr lang="en-US" sz="2400" dirty="0" smtClean="0">
+                <a:solidFill>
+                  <a:srgbClr val="000000"/>
+                </a:solidFill>
+                <a:highlight>
+                  <a:srgbClr val="FFFFFF"/>
+                </a:highlight>
+                <a:latin typeface="Consolas"/>
+              </a:rPr>
+              <a:t>())</a:t>
+            </a:r>
+            <a:endParaRPr lang="ru-RU" sz="2800" dirty="0" smtClean="0"/>
+          </a:p>
+          <a:p>
+            <a:pPr marL="0" indent="0">
+              <a:buNone/>
+            </a:pPr>
+            <a:endParaRPr lang="ru-RU" sz="2400" dirty="0" smtClean="0"/>
+          </a:p>
+          <a:p>
+            <a:pPr marL="0" indent="0">
+              <a:buNone/>
+            </a:pPr>
+            <a:r>
+              <a:rPr lang="en-US" sz="2400" dirty="0" smtClean="0"/>
               <a:t>//</a:t>
             </a:r>
             <a:r>
-              <a:rPr lang="ru-RU" sz="2800" dirty="0"/>
-              <a:t> в </a:t>
-            </a:r>
-            <a:r>
-              <a:rPr lang="ru-RU" sz="2800" dirty="0" smtClean="0"/>
-              <a:t>массив</a:t>
-            </a:r>
-            <a:endParaRPr lang="en-US" sz="2800" dirty="0"/>
+              <a:rPr lang="ru-RU" sz="2400" dirty="0" smtClean="0"/>
+              <a:t>Частотный словарь текста</a:t>
+            </a:r>
+            <a:endParaRPr lang="en-US" sz="2400" dirty="0"/>
           </a:p>
         </p:txBody>
       </p:sp>
     </p:spTree>
     <p:extLst>
       <p:ext uri="{BB962C8B-B14F-4D97-AF65-F5344CB8AC3E}">
-        <p14:creationId xmlns:p14="http://schemas.microsoft.com/office/powerpoint/2010/main" val="539562667"/>
+        <p14:creationId xmlns:p14="http://schemas.microsoft.com/office/powerpoint/2010/main" val="2216578734"/>
       </p:ext>
     </p:extLst>
   </p:cSld>
@@ -20767,7 +21173,7 @@
     </p:spTree>
     <p:extLst>
       <p:ext uri="{BB962C8B-B14F-4D97-AF65-F5344CB8AC3E}">
-        <p14:creationId xmlns:p14="http://schemas.microsoft.com/office/powerpoint/2010/main" val="2216578734"/>
+        <p14:creationId xmlns:p14="http://schemas.microsoft.com/office/powerpoint/2010/main" val="3054792168"/>
       </p:ext>
     </p:extLst>
   </p:cSld>
@@ -20845,495 +21251,6 @@
               <a:buNone/>
             </a:pPr>
             <a:r>
-              <a:rPr lang="en-US" sz="2400" dirty="0" smtClean="0">
-                <a:solidFill>
-                  <a:srgbClr val="000000"/>
-                </a:solidFill>
-                <a:highlight>
-                  <a:srgbClr val="FFFFFF"/>
-                </a:highlight>
-                <a:latin typeface="Consolas"/>
-              </a:rPr>
-              <a:t>frequencies = </a:t>
-            </a:r>
-            <a:r>
-              <a:rPr lang="en-US" sz="2400" dirty="0" err="1" smtClean="0">
-                <a:solidFill>
-                  <a:srgbClr val="2B91AF"/>
-                </a:solidFill>
-                <a:highlight>
-                  <a:srgbClr val="FFFFFF"/>
-                </a:highlight>
-                <a:latin typeface="Consolas"/>
-              </a:rPr>
-              <a:t>File</a:t>
-            </a:r>
-            <a:r>
-              <a:rPr lang="en-US" sz="2400" dirty="0" err="1" smtClean="0">
-                <a:solidFill>
-                  <a:srgbClr val="000000"/>
-                </a:solidFill>
-                <a:highlight>
-                  <a:srgbClr val="FFFFFF"/>
-                </a:highlight>
-                <a:latin typeface="Consolas"/>
-              </a:rPr>
-              <a:t>.ReadAllLines</a:t>
-            </a:r>
-            <a:r>
-              <a:rPr lang="en-US" sz="2400" dirty="0">
-                <a:solidFill>
-                  <a:srgbClr val="000000"/>
-                </a:solidFill>
-                <a:highlight>
-                  <a:srgbClr val="FFFFFF"/>
-                </a:highlight>
-                <a:latin typeface="Consolas"/>
-              </a:rPr>
-              <a:t>(</a:t>
-            </a:r>
-            <a:r>
-              <a:rPr lang="en-US" sz="2400" dirty="0">
-                <a:solidFill>
-                  <a:srgbClr val="A31515"/>
-                </a:solidFill>
-                <a:highlight>
-                  <a:srgbClr val="FFFFFF"/>
-                </a:highlight>
-                <a:latin typeface="Consolas"/>
-              </a:rPr>
-              <a:t>"input.txt"</a:t>
-            </a:r>
-            <a:r>
-              <a:rPr lang="en-US" sz="2400" dirty="0">
-                <a:solidFill>
-                  <a:srgbClr val="000000"/>
-                </a:solidFill>
-                <a:highlight>
-                  <a:srgbClr val="FFFFFF"/>
-                </a:highlight>
-                <a:latin typeface="Consolas"/>
-              </a:rPr>
-              <a:t>)</a:t>
-            </a:r>
-          </a:p>
-          <a:p>
-            <a:pPr marL="0" indent="0">
-              <a:buNone/>
-            </a:pPr>
-            <a:r>
-              <a:rPr lang="en-US" sz="2400" dirty="0">
-                <a:solidFill>
-                  <a:srgbClr val="000000"/>
-                </a:solidFill>
-                <a:highlight>
-                  <a:srgbClr val="FFFFFF"/>
-                </a:highlight>
-                <a:latin typeface="Consolas"/>
-              </a:rPr>
-              <a:t>  .</a:t>
-            </a:r>
-            <a:r>
-              <a:rPr lang="en-US" sz="2400" dirty="0" err="1">
-                <a:solidFill>
-                  <a:srgbClr val="000000"/>
-                </a:solidFill>
-                <a:highlight>
-                  <a:srgbClr val="FFFFFF"/>
-                </a:highlight>
-                <a:latin typeface="Consolas"/>
-              </a:rPr>
-              <a:t>SelectMany</a:t>
-            </a:r>
-            <a:r>
-              <a:rPr lang="en-US" sz="2400" dirty="0">
-                <a:solidFill>
-                  <a:srgbClr val="000000"/>
-                </a:solidFill>
-                <a:highlight>
-                  <a:srgbClr val="FFFFFF"/>
-                </a:highlight>
-                <a:latin typeface="Consolas"/>
-              </a:rPr>
-              <a:t>(line =&gt; </a:t>
-            </a:r>
-            <a:r>
-              <a:rPr lang="en-US" sz="2400" dirty="0" err="1">
-                <a:solidFill>
-                  <a:srgbClr val="000000"/>
-                </a:solidFill>
-                <a:highlight>
-                  <a:srgbClr val="FFFFFF"/>
-                </a:highlight>
-                <a:latin typeface="Consolas"/>
-              </a:rPr>
-              <a:t>Regex.Split</a:t>
-            </a:r>
-            <a:r>
-              <a:rPr lang="en-US" sz="2400" dirty="0">
-                <a:solidFill>
-                  <a:srgbClr val="000000"/>
-                </a:solidFill>
-                <a:highlight>
-                  <a:srgbClr val="FFFFFF"/>
-                </a:highlight>
-                <a:latin typeface="Consolas"/>
-              </a:rPr>
-              <a:t>(line, </a:t>
-            </a:r>
-            <a:r>
-              <a:rPr lang="en-US" sz="2400" dirty="0">
-                <a:solidFill>
-                  <a:srgbClr val="A31515"/>
-                </a:solidFill>
-                <a:highlight>
-                  <a:srgbClr val="FFFFFF"/>
-                </a:highlight>
-                <a:latin typeface="Consolas"/>
-              </a:rPr>
-              <a:t>@"\W"</a:t>
-            </a:r>
-            <a:r>
-              <a:rPr lang="en-US" sz="2400" dirty="0">
-                <a:solidFill>
-                  <a:srgbClr val="000000"/>
-                </a:solidFill>
-                <a:highlight>
-                  <a:srgbClr val="FFFFFF"/>
-                </a:highlight>
-                <a:latin typeface="Consolas"/>
-              </a:rPr>
-              <a:t>))</a:t>
-            </a:r>
-          </a:p>
-          <a:p>
-            <a:pPr marL="0" indent="0">
-              <a:buNone/>
-            </a:pPr>
-            <a:r>
-              <a:rPr lang="en-US" sz="2400" dirty="0">
-                <a:solidFill>
-                  <a:srgbClr val="000000"/>
-                </a:solidFill>
-                <a:highlight>
-                  <a:srgbClr val="FFFFFF"/>
-                </a:highlight>
-                <a:latin typeface="Consolas"/>
-              </a:rPr>
-              <a:t>  </a:t>
-            </a:r>
-            <a:r>
-              <a:rPr lang="en-US" sz="2400" dirty="0" smtClean="0">
-                <a:solidFill>
-                  <a:srgbClr val="000000"/>
-                </a:solidFill>
-                <a:highlight>
-                  <a:srgbClr val="FFFFFF"/>
-                </a:highlight>
-                <a:latin typeface="Consolas"/>
-              </a:rPr>
-              <a:t>.</a:t>
-            </a:r>
-            <a:r>
-              <a:rPr lang="en-US" sz="2400" dirty="0" err="1" smtClean="0">
-                <a:solidFill>
-                  <a:srgbClr val="000000"/>
-                </a:solidFill>
-                <a:highlight>
-                  <a:srgbClr val="FFFFFF"/>
-                </a:highlight>
-                <a:latin typeface="Consolas"/>
-              </a:rPr>
-              <a:t>GroupBy</a:t>
-            </a:r>
-            <a:r>
-              <a:rPr lang="en-US" sz="2400" dirty="0" smtClean="0">
-                <a:solidFill>
-                  <a:srgbClr val="000000"/>
-                </a:solidFill>
-                <a:highlight>
-                  <a:srgbClr val="FFFFFF"/>
-                </a:highlight>
-                <a:latin typeface="Consolas"/>
-              </a:rPr>
-              <a:t>(word =&gt; word)</a:t>
-            </a:r>
-          </a:p>
-          <a:p>
-            <a:pPr marL="0" indent="0">
-              <a:buNone/>
-            </a:pPr>
-            <a:r>
-              <a:rPr lang="en-US" sz="2400" dirty="0" smtClean="0">
-                <a:solidFill>
-                  <a:srgbClr val="000000"/>
-                </a:solidFill>
-                <a:highlight>
-                  <a:srgbClr val="FFFFFF"/>
-                </a:highlight>
-                <a:latin typeface="Consolas"/>
-              </a:rPr>
-              <a:t>  .</a:t>
-            </a:r>
-            <a:r>
-              <a:rPr lang="en-US" sz="2400" dirty="0" err="1" smtClean="0">
-                <a:solidFill>
-                  <a:srgbClr val="000000"/>
-                </a:solidFill>
-                <a:highlight>
-                  <a:srgbClr val="FFFFFF"/>
-                </a:highlight>
-                <a:latin typeface="Consolas"/>
-              </a:rPr>
-              <a:t>ToDictionary</a:t>
-            </a:r>
-            <a:r>
-              <a:rPr lang="en-US" sz="2400" dirty="0" smtClean="0">
-                <a:solidFill>
-                  <a:srgbClr val="000000"/>
-                </a:solidFill>
-                <a:highlight>
-                  <a:srgbClr val="FFFFFF"/>
-                </a:highlight>
-                <a:latin typeface="Consolas"/>
-              </a:rPr>
-              <a:t>(</a:t>
-            </a:r>
-          </a:p>
-          <a:p>
-            <a:pPr marL="0" indent="0">
-              <a:buNone/>
-            </a:pPr>
-            <a:r>
-              <a:rPr lang="en-US" sz="2400" dirty="0">
-                <a:solidFill>
-                  <a:srgbClr val="000000"/>
-                </a:solidFill>
-                <a:highlight>
-                  <a:srgbClr val="FFFFFF"/>
-                </a:highlight>
-                <a:latin typeface="Consolas"/>
-              </a:rPr>
-              <a:t> </a:t>
-            </a:r>
-            <a:r>
-              <a:rPr lang="en-US" sz="2400" dirty="0" smtClean="0">
-                <a:solidFill>
-                  <a:srgbClr val="000000"/>
-                </a:solidFill>
-                <a:highlight>
-                  <a:srgbClr val="FFFFFF"/>
-                </a:highlight>
-                <a:latin typeface="Consolas"/>
-              </a:rPr>
-              <a:t>     </a:t>
-            </a:r>
-            <a:r>
-              <a:rPr lang="en-US" sz="2400" dirty="0" err="1" smtClean="0">
-                <a:solidFill>
-                  <a:srgbClr val="000000"/>
-                </a:solidFill>
-                <a:highlight>
-                  <a:srgbClr val="FFFFFF"/>
-                </a:highlight>
-                <a:latin typeface="Consolas"/>
-              </a:rPr>
-              <a:t>wc</a:t>
-            </a:r>
-            <a:r>
-              <a:rPr lang="en-US" sz="2400" dirty="0" smtClean="0">
-                <a:solidFill>
-                  <a:srgbClr val="000000"/>
-                </a:solidFill>
-                <a:highlight>
-                  <a:srgbClr val="FFFFFF"/>
-                </a:highlight>
-                <a:latin typeface="Consolas"/>
-              </a:rPr>
-              <a:t> =&gt; </a:t>
-            </a:r>
-            <a:r>
-              <a:rPr lang="en-US" sz="2400" dirty="0" err="1" smtClean="0">
-                <a:solidFill>
-                  <a:srgbClr val="000000"/>
-                </a:solidFill>
-                <a:highlight>
-                  <a:srgbClr val="FFFFFF"/>
-                </a:highlight>
-                <a:latin typeface="Consolas"/>
-              </a:rPr>
-              <a:t>wc.word</a:t>
-            </a:r>
-            <a:r>
-              <a:rPr lang="en-US" sz="2400" dirty="0" smtClean="0">
-                <a:solidFill>
-                  <a:srgbClr val="000000"/>
-                </a:solidFill>
-                <a:highlight>
-                  <a:srgbClr val="FFFFFF"/>
-                </a:highlight>
-                <a:latin typeface="Consolas"/>
-              </a:rPr>
-              <a:t>, </a:t>
-            </a:r>
-          </a:p>
-          <a:p>
-            <a:pPr marL="0" indent="0">
-              <a:buNone/>
-            </a:pPr>
-            <a:r>
-              <a:rPr lang="en-US" sz="2400" dirty="0">
-                <a:solidFill>
-                  <a:srgbClr val="000000"/>
-                </a:solidFill>
-                <a:highlight>
-                  <a:srgbClr val="FFFFFF"/>
-                </a:highlight>
-                <a:latin typeface="Consolas"/>
-              </a:rPr>
-              <a:t> </a:t>
-            </a:r>
-            <a:r>
-              <a:rPr lang="en-US" sz="2400" dirty="0" smtClean="0">
-                <a:solidFill>
-                  <a:srgbClr val="000000"/>
-                </a:solidFill>
-                <a:highlight>
-                  <a:srgbClr val="FFFFFF"/>
-                </a:highlight>
-                <a:latin typeface="Consolas"/>
-              </a:rPr>
-              <a:t>     group =&gt; </a:t>
-            </a:r>
-            <a:r>
-              <a:rPr lang="en-US" sz="2400" dirty="0" err="1" smtClean="0">
-                <a:solidFill>
-                  <a:srgbClr val="000000"/>
-                </a:solidFill>
-                <a:highlight>
-                  <a:srgbClr val="FFFFFF"/>
-                </a:highlight>
-                <a:latin typeface="Consolas"/>
-              </a:rPr>
-              <a:t>group.Count</a:t>
-            </a:r>
-            <a:r>
-              <a:rPr lang="en-US" sz="2400" dirty="0" smtClean="0">
-                <a:solidFill>
-                  <a:srgbClr val="000000"/>
-                </a:solidFill>
-                <a:highlight>
-                  <a:srgbClr val="FFFFFF"/>
-                </a:highlight>
-                <a:latin typeface="Consolas"/>
-              </a:rPr>
-              <a:t>())</a:t>
-            </a:r>
-            <a:endParaRPr lang="ru-RU" sz="2800" dirty="0" smtClean="0"/>
-          </a:p>
-          <a:p>
-            <a:pPr marL="0" indent="0">
-              <a:buNone/>
-            </a:pPr>
-            <a:endParaRPr lang="ru-RU" sz="2400" dirty="0" smtClean="0"/>
-          </a:p>
-          <a:p>
-            <a:pPr marL="0" indent="0">
-              <a:buNone/>
-            </a:pPr>
-            <a:r>
-              <a:rPr lang="en-US" sz="2400" dirty="0" smtClean="0"/>
-              <a:t>//</a:t>
-            </a:r>
-            <a:r>
-              <a:rPr lang="ru-RU" sz="2400" dirty="0" smtClean="0"/>
-              <a:t>Частотный словарь текста</a:t>
-            </a:r>
-            <a:endParaRPr lang="en-US" sz="2400" dirty="0"/>
-          </a:p>
-        </p:txBody>
-      </p:sp>
-    </p:spTree>
-    <p:extLst>
-      <p:ext uri="{BB962C8B-B14F-4D97-AF65-F5344CB8AC3E}">
-        <p14:creationId xmlns:p14="http://schemas.microsoft.com/office/powerpoint/2010/main" val="3054792168"/>
-      </p:ext>
-    </p:extLst>
-  </p:cSld>
-  <p:clrMapOvr>
-    <a:masterClrMapping/>
-  </p:clrMapOvr>
-  <p:timing>
-    <p:tnLst>
-      <p:par>
-        <p:cTn id="1" dur="indefinite" restart="never" nodeType="tmRoot"/>
-      </p:par>
-    </p:tnLst>
-  </p:timing>
-</p:sld>
-</file>
-
-<file path=ppt/slides/slide46.xml><?xml version="1.0" encoding="utf-8"?>
-<p:sld xmlns:a="http://schemas.openxmlformats.org/drawingml/2006/main" xmlns:r="http://schemas.openxmlformats.org/officeDocument/2006/relationships" xmlns:p="http://schemas.openxmlformats.org/presentationml/2006/main">
-  <p:cSld>
-    <p:spTree>
-      <p:nvGrpSpPr>
-        <p:cNvPr id="1" name=""/>
-        <p:cNvGrpSpPr/>
-        <p:nvPr/>
-      </p:nvGrpSpPr>
-      <p:grpSpPr>
-        <a:xfrm>
-          <a:off x="0" y="0"/>
-          <a:ext cx="0" cy="0"/>
-          <a:chOff x="0" y="0"/>
-          <a:chExt cx="0" cy="0"/>
-        </a:xfrm>
-      </p:grpSpPr>
-      <p:sp>
-        <p:nvSpPr>
-          <p:cNvPr id="2" name="Заголовок 1"/>
-          <p:cNvSpPr>
-            <a:spLocks noGrp="1"/>
-          </p:cNvSpPr>
-          <p:nvPr>
-            <p:ph type="title"/>
-          </p:nvPr>
-        </p:nvSpPr>
-        <p:spPr/>
-        <p:txBody>
-          <a:bodyPr/>
-          <a:lstStyle/>
-          <a:p>
-            <a:r>
-              <a:rPr lang="en-US" dirty="0" smtClean="0"/>
-              <a:t>LINQ</a:t>
-            </a:r>
-            <a:endParaRPr lang="ru-RU" dirty="0"/>
-          </a:p>
-        </p:txBody>
-      </p:sp>
-      <p:sp>
-        <p:nvSpPr>
-          <p:cNvPr id="3" name="Объект 2"/>
-          <p:cNvSpPr>
-            <a:spLocks noGrp="1"/>
-          </p:cNvSpPr>
-          <p:nvPr>
-            <p:ph idx="1"/>
-          </p:nvPr>
-        </p:nvSpPr>
-        <p:spPr/>
-        <p:txBody>
-          <a:bodyPr>
-            <a:normAutofit/>
-          </a:bodyPr>
-          <a:lstStyle/>
-          <a:p>
-            <a:pPr marL="0" indent="0">
-              <a:buNone/>
-            </a:pPr>
-            <a:r>
               <a:rPr lang="en-US" sz="2000" dirty="0" err="1">
                 <a:solidFill>
                   <a:srgbClr val="0000FF"/>
@@ -22038,7 +21955,7 @@
 </p:sld>
 </file>
 
-<file path=ppt/slides/slide47.xml><?xml version="1.0" encoding="utf-8"?>
+<file path=ppt/slides/slide46.xml><?xml version="1.0" encoding="utf-8"?>
 <p:sld xmlns:a="http://schemas.openxmlformats.org/drawingml/2006/main" xmlns:r="http://schemas.openxmlformats.org/officeDocument/2006/relationships" xmlns:p="http://schemas.openxmlformats.org/presentationml/2006/main">
   <p:cSld>
     <p:spTree>
@@ -22438,7 +22355,7 @@
 </p:sld>
 </file>
 
-<file path=ppt/slides/slide48.xml><?xml version="1.0" encoding="utf-8"?>
+<file path=ppt/slides/slide47.xml><?xml version="1.0" encoding="utf-8"?>
 <p:sld xmlns:a="http://schemas.openxmlformats.org/drawingml/2006/main" xmlns:r="http://schemas.openxmlformats.org/officeDocument/2006/relationships" xmlns:p="http://schemas.openxmlformats.org/presentationml/2006/main">
   <p:cSld>
     <p:spTree>
@@ -22569,7 +22486,7 @@
 </p:sld>
 </file>
 
-<file path=ppt/slides/slide49.xml><?xml version="1.0" encoding="utf-8"?>
+<file path=ppt/slides/slide48.xml><?xml version="1.0" encoding="utf-8"?>
 <p:sld xmlns:a="http://schemas.openxmlformats.org/drawingml/2006/main" xmlns:r="http://schemas.openxmlformats.org/officeDocument/2006/relationships" xmlns:p="http://schemas.openxmlformats.org/presentationml/2006/main">
   <p:cSld>
     <p:spTree>
@@ -22648,98 +22565,7 @@
 </p:sld>
 </file>
 
-<file path=ppt/slides/slide5.xml><?xml version="1.0" encoding="utf-8"?>
-<p:sld xmlns:a="http://schemas.openxmlformats.org/drawingml/2006/main" xmlns:r="http://schemas.openxmlformats.org/officeDocument/2006/relationships" xmlns:p="http://schemas.openxmlformats.org/presentationml/2006/main">
-  <p:cSld>
-    <p:spTree>
-      <p:nvGrpSpPr>
-        <p:cNvPr id="1" name=""/>
-        <p:cNvGrpSpPr/>
-        <p:nvPr/>
-      </p:nvGrpSpPr>
-      <p:grpSpPr>
-        <a:xfrm>
-          <a:off x="0" y="0"/>
-          <a:ext cx="0" cy="0"/>
-          <a:chOff x="0" y="0"/>
-          <a:chExt cx="0" cy="0"/>
-        </a:xfrm>
-      </p:grpSpPr>
-      <p:sp>
-        <p:nvSpPr>
-          <p:cNvPr id="2" name="Заголовок 1"/>
-          <p:cNvSpPr>
-            <a:spLocks noGrp="1"/>
-          </p:cNvSpPr>
-          <p:nvPr>
-            <p:ph type="title"/>
-          </p:nvPr>
-        </p:nvSpPr>
-        <p:spPr/>
-        <p:txBody>
-          <a:bodyPr>
-            <a:noAutofit/>
-          </a:bodyPr>
-          <a:lstStyle/>
-          <a:p>
-            <a:r>
-              <a:rPr lang="ru-RU" dirty="0"/>
-              <a:t>Имена и </a:t>
-            </a:r>
-            <a:r>
-              <a:rPr lang="ru-RU" dirty="0" smtClean="0"/>
-              <a:t>сигнатуры методов</a:t>
-            </a:r>
-            <a:endParaRPr lang="ru-RU" dirty="0"/>
-          </a:p>
-        </p:txBody>
-      </p:sp>
-      <p:sp>
-        <p:nvSpPr>
-          <p:cNvPr id="3" name="Текст 2"/>
-          <p:cNvSpPr>
-            <a:spLocks noGrp="1"/>
-          </p:cNvSpPr>
-          <p:nvPr>
-            <p:ph type="body" idx="1"/>
-          </p:nvPr>
-        </p:nvSpPr>
-        <p:spPr/>
-        <p:txBody>
-          <a:bodyPr>
-            <a:normAutofit/>
-          </a:bodyPr>
-          <a:lstStyle/>
-          <a:p>
-            <a:r>
-              <a:rPr lang="ru-RU" sz="2400" dirty="0" smtClean="0"/>
-              <a:t>С чего начать?</a:t>
-            </a:r>
-            <a:endParaRPr lang="ru-RU" sz="2400" dirty="0"/>
-          </a:p>
-        </p:txBody>
-      </p:sp>
-    </p:spTree>
-    <p:extLst>
-      <p:ext uri="{BB962C8B-B14F-4D97-AF65-F5344CB8AC3E}">
-        <p14:creationId xmlns:p14="http://schemas.microsoft.com/office/powerpoint/2010/main" val="3181086803"/>
-      </p:ext>
-    </p:extLst>
-  </p:cSld>
-  <p:clrMapOvr>
-    <a:masterClrMapping/>
-  </p:clrMapOvr>
-  <p:timing>
-    <p:tnLst>
-      <p:par>
-        <p:cTn id="1" dur="indefinite" restart="never" nodeType="tmRoot"/>
-      </p:par>
-    </p:tnLst>
-  </p:timing>
-</p:sld>
-</file>
-
-<file path=ppt/slides/slide50.xml><?xml version="1.0" encoding="utf-8"?>
+<file path=ppt/slides/slide49.xml><?xml version="1.0" encoding="utf-8"?>
 <p:sld xmlns:a="http://schemas.openxmlformats.org/drawingml/2006/main" xmlns:r="http://schemas.openxmlformats.org/officeDocument/2006/relationships" xmlns:p="http://schemas.openxmlformats.org/presentationml/2006/main">
   <p:cSld>
     <p:spTree>
@@ -23507,7 +23333,98 @@
 </p:sld>
 </file>
 
-<file path=ppt/slides/slide51.xml><?xml version="1.0" encoding="utf-8"?>
+<file path=ppt/slides/slide5.xml><?xml version="1.0" encoding="utf-8"?>
+<p:sld xmlns:a="http://schemas.openxmlformats.org/drawingml/2006/main" xmlns:r="http://schemas.openxmlformats.org/officeDocument/2006/relationships" xmlns:p="http://schemas.openxmlformats.org/presentationml/2006/main">
+  <p:cSld>
+    <p:spTree>
+      <p:nvGrpSpPr>
+        <p:cNvPr id="1" name=""/>
+        <p:cNvGrpSpPr/>
+        <p:nvPr/>
+      </p:nvGrpSpPr>
+      <p:grpSpPr>
+        <a:xfrm>
+          <a:off x="0" y="0"/>
+          <a:ext cx="0" cy="0"/>
+          <a:chOff x="0" y="0"/>
+          <a:chExt cx="0" cy="0"/>
+        </a:xfrm>
+      </p:grpSpPr>
+      <p:sp>
+        <p:nvSpPr>
+          <p:cNvPr id="2" name="Заголовок 1"/>
+          <p:cNvSpPr>
+            <a:spLocks noGrp="1"/>
+          </p:cNvSpPr>
+          <p:nvPr>
+            <p:ph type="title"/>
+          </p:nvPr>
+        </p:nvSpPr>
+        <p:spPr/>
+        <p:txBody>
+          <a:bodyPr>
+            <a:noAutofit/>
+          </a:bodyPr>
+          <a:lstStyle/>
+          <a:p>
+            <a:r>
+              <a:rPr lang="ru-RU" dirty="0"/>
+              <a:t>Имена и </a:t>
+            </a:r>
+            <a:r>
+              <a:rPr lang="ru-RU" dirty="0" smtClean="0"/>
+              <a:t>сигнатуры методов</a:t>
+            </a:r>
+            <a:endParaRPr lang="ru-RU" dirty="0"/>
+          </a:p>
+        </p:txBody>
+      </p:sp>
+      <p:sp>
+        <p:nvSpPr>
+          <p:cNvPr id="3" name="Текст 2"/>
+          <p:cNvSpPr>
+            <a:spLocks noGrp="1"/>
+          </p:cNvSpPr>
+          <p:nvPr>
+            <p:ph type="body" idx="1"/>
+          </p:nvPr>
+        </p:nvSpPr>
+        <p:spPr/>
+        <p:txBody>
+          <a:bodyPr>
+            <a:normAutofit/>
+          </a:bodyPr>
+          <a:lstStyle/>
+          <a:p>
+            <a:r>
+              <a:rPr lang="ru-RU" sz="2400" dirty="0" smtClean="0"/>
+              <a:t>С чего начать?</a:t>
+            </a:r>
+            <a:endParaRPr lang="ru-RU" sz="2400" dirty="0"/>
+          </a:p>
+        </p:txBody>
+      </p:sp>
+    </p:spTree>
+    <p:extLst>
+      <p:ext uri="{BB962C8B-B14F-4D97-AF65-F5344CB8AC3E}">
+        <p14:creationId xmlns:p14="http://schemas.microsoft.com/office/powerpoint/2010/main" val="3181086803"/>
+      </p:ext>
+    </p:extLst>
+  </p:cSld>
+  <p:clrMapOvr>
+    <a:masterClrMapping/>
+  </p:clrMapOvr>
+  <p:timing>
+    <p:tnLst>
+      <p:par>
+        <p:cTn id="1" dur="indefinite" restart="never" nodeType="tmRoot"/>
+      </p:par>
+    </p:tnLst>
+  </p:timing>
+</p:sld>
+</file>
+
+<file path=ppt/slides/slide50.xml><?xml version="1.0" encoding="utf-8"?>
 <p:sld xmlns:a="http://schemas.openxmlformats.org/drawingml/2006/main" xmlns:r="http://schemas.openxmlformats.org/officeDocument/2006/relationships" xmlns:p="http://schemas.openxmlformats.org/presentationml/2006/main">
   <p:cSld>
     <p:spTree>
@@ -23616,14 +23533,6 @@
 <file path=ppt/slides/slide6.xml><?xml version="1.0" encoding="utf-8"?>
 <p:sld xmlns:a="http://schemas.openxmlformats.org/drawingml/2006/main" xmlns:r="http://schemas.openxmlformats.org/officeDocument/2006/relationships" xmlns:p="http://schemas.openxmlformats.org/presentationml/2006/main">
   <p:cSld>
-    <p:bg>
-      <p:bgPr>
-        <a:solidFill>
-          <a:srgbClr val="FFFF00"/>
-        </a:solidFill>
-        <a:effectLst/>
-      </p:bgPr>
-    </p:bg>
     <p:spTree>
       <p:nvGrpSpPr>
         <p:cNvPr id="1" name=""/>
@@ -23638,439 +23547,6 @@
           <a:chExt cx="0" cy="0"/>
         </a:xfrm>
       </p:grpSpPr>
-      <p:sp>
-        <p:nvSpPr>
-          <p:cNvPr id="2" name="Заголовок 1"/>
-          <p:cNvSpPr>
-            <a:spLocks noGrp="1"/>
-          </p:cNvSpPr>
-          <p:nvPr>
-            <p:ph type="title"/>
-          </p:nvPr>
-        </p:nvSpPr>
-        <p:spPr/>
-        <p:txBody>
-          <a:bodyPr/>
-          <a:lstStyle/>
-          <a:p>
-            <a:r>
-              <a:rPr lang="en-US" dirty="0" smtClean="0"/>
-              <a:t>TODO</a:t>
-            </a:r>
-            <a:endParaRPr lang="ru-RU" dirty="0"/>
-          </a:p>
-        </p:txBody>
-      </p:sp>
-      <p:sp>
-        <p:nvSpPr>
-          <p:cNvPr id="3" name="Объект 2"/>
-          <p:cNvSpPr>
-            <a:spLocks noGrp="1"/>
-          </p:cNvSpPr>
-          <p:nvPr>
-            <p:ph idx="1"/>
-          </p:nvPr>
-        </p:nvSpPr>
-        <p:spPr/>
-        <p:txBody>
-          <a:bodyPr/>
-          <a:lstStyle/>
-          <a:p>
-            <a:endParaRPr lang="ru-RU" dirty="0"/>
-          </a:p>
-        </p:txBody>
-      </p:sp>
-    </p:spTree>
-    <p:extLst>
-      <p:ext uri="{BB962C8B-B14F-4D97-AF65-F5344CB8AC3E}">
-        <p14:creationId xmlns:p14="http://schemas.microsoft.com/office/powerpoint/2010/main" val="4193786368"/>
-      </p:ext>
-    </p:extLst>
-  </p:cSld>
-  <p:clrMapOvr>
-    <a:masterClrMapping/>
-  </p:clrMapOvr>
-  <p:timing>
-    <p:tnLst>
-      <p:par>
-        <p:cTn id="1" dur="indefinite" restart="never" nodeType="tmRoot"/>
-      </p:par>
-    </p:tnLst>
-  </p:timing>
-</p:sld>
-</file>
-
-<file path=ppt/slides/slide7.xml><?xml version="1.0" encoding="utf-8"?>
-<p:sld xmlns:a="http://schemas.openxmlformats.org/drawingml/2006/main" xmlns:r="http://schemas.openxmlformats.org/officeDocument/2006/relationships" xmlns:p="http://schemas.openxmlformats.org/presentationml/2006/main">
-  <p:cSld>
-    <p:spTree>
-      <p:nvGrpSpPr>
-        <p:cNvPr id="1" name=""/>
-        <p:cNvGrpSpPr/>
-        <p:nvPr/>
-      </p:nvGrpSpPr>
-      <p:grpSpPr>
-        <a:xfrm>
-          <a:off x="0" y="0"/>
-          <a:ext cx="0" cy="0"/>
-          <a:chOff x="0" y="0"/>
-          <a:chExt cx="0" cy="0"/>
-        </a:xfrm>
-      </p:grpSpPr>
-      <p:sp>
-        <p:nvSpPr>
-          <p:cNvPr id="3" name="TextBox 2"/>
-          <p:cNvSpPr txBox="1"/>
-          <p:nvPr/>
-        </p:nvSpPr>
-        <p:spPr>
-          <a:xfrm>
-            <a:off x="2123728" y="1340768"/>
-            <a:ext cx="6526584" cy="2062103"/>
-          </a:xfrm>
-          <a:prstGeom prst="rect">
-            <a:avLst/>
-          </a:prstGeom>
-          <a:noFill/>
-        </p:spPr>
-        <p:txBody>
-          <a:bodyPr wrap="square" rtlCol="0">
-            <a:spAutoFit/>
-          </a:bodyPr>
-          <a:lstStyle/>
-          <a:p>
-            <a:pPr fontAlgn="t"/>
-            <a:r>
-              <a:rPr lang="en-US" sz="3200" b="1" dirty="0" err="1" smtClean="0">
-                <a:solidFill>
-                  <a:srgbClr val="000066"/>
-                </a:solidFill>
-                <a:latin typeface="Consolas"/>
-              </a:rPr>
-              <a:t>ClassName</a:t>
-            </a:r>
-            <a:endParaRPr lang="en-US" sz="3200" b="1" dirty="0" smtClean="0">
-              <a:solidFill>
-                <a:srgbClr val="000066"/>
-              </a:solidFill>
-              <a:latin typeface="Consolas"/>
-            </a:endParaRPr>
-          </a:p>
-          <a:p>
-            <a:pPr fontAlgn="t"/>
-            <a:r>
-              <a:rPr lang="en-US" sz="3200" b="1" dirty="0" err="1" smtClean="0">
-                <a:solidFill>
-                  <a:srgbClr val="000066"/>
-                </a:solidFill>
-                <a:latin typeface="Consolas"/>
-              </a:rPr>
-              <a:t>PublicMemberName</a:t>
-            </a:r>
-            <a:endParaRPr lang="en-US" sz="3200" b="1" dirty="0" smtClean="0">
-              <a:solidFill>
-                <a:srgbClr val="000066"/>
-              </a:solidFill>
-              <a:latin typeface="Consolas"/>
-            </a:endParaRPr>
-          </a:p>
-          <a:p>
-            <a:pPr fontAlgn="t"/>
-            <a:r>
-              <a:rPr lang="en-US" sz="3200" b="1" dirty="0" err="1" smtClean="0">
-                <a:solidFill>
-                  <a:srgbClr val="000066"/>
-                </a:solidFill>
-                <a:latin typeface="Consolas"/>
-              </a:rPr>
-              <a:t>privateField</a:t>
-            </a:r>
-            <a:endParaRPr lang="ru-RU" sz="3200" b="1" dirty="0" smtClean="0">
-              <a:solidFill>
-                <a:srgbClr val="000066"/>
-              </a:solidFill>
-              <a:latin typeface="Consolas"/>
-            </a:endParaRPr>
-          </a:p>
-          <a:p>
-            <a:pPr fontAlgn="t"/>
-            <a:r>
-              <a:rPr lang="en-US" sz="3200" b="1" dirty="0" err="1" smtClean="0">
-                <a:solidFill>
-                  <a:srgbClr val="000066"/>
-                </a:solidFill>
-                <a:latin typeface="Consolas"/>
-              </a:rPr>
-              <a:t>ISomeInterface</a:t>
-            </a:r>
-            <a:endParaRPr lang="en-US" sz="3200" b="1" dirty="0" smtClean="0">
-              <a:solidFill>
-                <a:srgbClr val="000066"/>
-              </a:solidFill>
-              <a:latin typeface="Consolas"/>
-            </a:endParaRPr>
-          </a:p>
-        </p:txBody>
-      </p:sp>
-      <p:sp>
-        <p:nvSpPr>
-          <p:cNvPr id="5" name="Заголовок 4"/>
-          <p:cNvSpPr>
-            <a:spLocks noGrp="1"/>
-          </p:cNvSpPr>
-          <p:nvPr>
-            <p:ph type="title"/>
-          </p:nvPr>
-        </p:nvSpPr>
-        <p:spPr/>
-        <p:txBody>
-          <a:bodyPr>
-            <a:normAutofit/>
-          </a:bodyPr>
-          <a:lstStyle/>
-          <a:p>
-            <a:r>
-              <a:rPr lang="ru-RU" b="1" dirty="0" smtClean="0">
-                <a:solidFill>
-                  <a:schemeClr val="accent6">
-                    <a:lumMod val="50000"/>
-                  </a:schemeClr>
-                </a:solidFill>
-              </a:rPr>
-              <a:t>Соглашения об</a:t>
-            </a:r>
-            <a:r>
-              <a:rPr lang="en-US" b="1" dirty="0" smtClean="0">
-                <a:solidFill>
-                  <a:schemeClr val="accent6">
-                    <a:lumMod val="50000"/>
-                  </a:schemeClr>
-                </a:solidFill>
-              </a:rPr>
-              <a:t> </a:t>
-            </a:r>
-            <a:r>
-              <a:rPr lang="ru-RU" b="1" dirty="0" smtClean="0">
-                <a:solidFill>
-                  <a:schemeClr val="accent6">
-                    <a:lumMod val="50000"/>
-                  </a:schemeClr>
-                </a:solidFill>
-              </a:rPr>
-              <a:t>именовании</a:t>
-            </a:r>
-            <a:endParaRPr lang="ru-RU" b="1" dirty="0">
-              <a:solidFill>
-                <a:schemeClr val="accent6">
-                  <a:lumMod val="50000"/>
-                </a:schemeClr>
-              </a:solidFill>
-            </a:endParaRPr>
-          </a:p>
-        </p:txBody>
-      </p:sp>
-      <p:sp>
-        <p:nvSpPr>
-          <p:cNvPr id="4" name="TextBox 3"/>
-          <p:cNvSpPr txBox="1"/>
-          <p:nvPr/>
-        </p:nvSpPr>
-        <p:spPr>
-          <a:xfrm>
-            <a:off x="474936" y="3717032"/>
-            <a:ext cx="2296864" cy="2062103"/>
-          </a:xfrm>
-          <a:prstGeom prst="rect">
-            <a:avLst/>
-          </a:prstGeom>
-          <a:noFill/>
-        </p:spPr>
-        <p:txBody>
-          <a:bodyPr wrap="square" rtlCol="0">
-            <a:spAutoFit/>
-          </a:bodyPr>
-          <a:lstStyle/>
-          <a:p>
-            <a:pPr fontAlgn="t"/>
-            <a:r>
-              <a:rPr lang="en-US" sz="3200" b="1" dirty="0" err="1" smtClean="0">
-                <a:solidFill>
-                  <a:srgbClr val="FF0000"/>
-                </a:solidFill>
-                <a:latin typeface="Consolas"/>
-              </a:rPr>
-              <a:t>iIndex</a:t>
-            </a:r>
-            <a:endParaRPr lang="en-US" sz="3200" b="1" dirty="0" smtClean="0">
-              <a:solidFill>
-                <a:srgbClr val="FF0000"/>
-              </a:solidFill>
-              <a:latin typeface="Consolas"/>
-            </a:endParaRPr>
-          </a:p>
-          <a:p>
-            <a:pPr fontAlgn="t"/>
-            <a:r>
-              <a:rPr lang="en-US" sz="3200" b="1" dirty="0" err="1" smtClean="0">
-                <a:solidFill>
-                  <a:srgbClr val="FF0000"/>
-                </a:solidFill>
-                <a:latin typeface="Consolas"/>
-              </a:rPr>
-              <a:t>chArray</a:t>
-            </a:r>
-            <a:endParaRPr lang="en-US" sz="3200" b="1" dirty="0" smtClean="0">
-              <a:solidFill>
-                <a:srgbClr val="FF0000"/>
-              </a:solidFill>
-              <a:latin typeface="Consolas"/>
-            </a:endParaRPr>
-          </a:p>
-          <a:p>
-            <a:pPr fontAlgn="t"/>
-            <a:r>
-              <a:rPr lang="en-US" sz="3200" b="1" dirty="0" err="1" smtClean="0">
-                <a:solidFill>
-                  <a:srgbClr val="FF0000"/>
-                </a:solidFill>
-                <a:latin typeface="Consolas"/>
-              </a:rPr>
-              <a:t>bFlag</a:t>
-            </a:r>
-            <a:endParaRPr lang="en-US" sz="3200" b="1" dirty="0" smtClean="0">
-              <a:solidFill>
-                <a:srgbClr val="FF0000"/>
-              </a:solidFill>
-              <a:latin typeface="Consolas"/>
-            </a:endParaRPr>
-          </a:p>
-          <a:p>
-            <a:pPr fontAlgn="t"/>
-            <a:r>
-              <a:rPr lang="en-US" sz="3200" b="1" dirty="0" smtClean="0">
-                <a:solidFill>
-                  <a:srgbClr val="FF0000"/>
-                </a:solidFill>
-                <a:latin typeface="Consolas"/>
-              </a:rPr>
-              <a:t>_field</a:t>
-            </a:r>
-          </a:p>
-        </p:txBody>
-      </p:sp>
-      <p:sp>
-        <p:nvSpPr>
-          <p:cNvPr id="6" name="TextBox 5"/>
-          <p:cNvSpPr txBox="1"/>
-          <p:nvPr/>
-        </p:nvSpPr>
-        <p:spPr>
-          <a:xfrm>
-            <a:off x="5004048" y="3429000"/>
-            <a:ext cx="3646264" cy="2554545"/>
-          </a:xfrm>
-          <a:prstGeom prst="rect">
-            <a:avLst/>
-          </a:prstGeom>
-          <a:noFill/>
-        </p:spPr>
-        <p:txBody>
-          <a:bodyPr wrap="square" rtlCol="0">
-            <a:spAutoFit/>
-          </a:bodyPr>
-          <a:lstStyle/>
-          <a:p>
-            <a:pPr fontAlgn="t"/>
-            <a:r>
-              <a:rPr lang="en-US" sz="3200" b="1" dirty="0" err="1" smtClean="0">
-                <a:solidFill>
-                  <a:srgbClr val="00B050"/>
-                </a:solidFill>
-                <a:latin typeface="Consolas"/>
-              </a:rPr>
-              <a:t>rawString</a:t>
-            </a:r>
-            <a:endParaRPr lang="en-US" sz="3200" b="1" dirty="0" smtClean="0">
-              <a:solidFill>
-                <a:srgbClr val="00B050"/>
-              </a:solidFill>
-              <a:latin typeface="Consolas"/>
-            </a:endParaRPr>
-          </a:p>
-          <a:p>
-            <a:pPr fontAlgn="t"/>
-            <a:r>
-              <a:rPr lang="en-US" sz="3200" b="1" dirty="0" err="1" smtClean="0">
-                <a:solidFill>
-                  <a:srgbClr val="00B050"/>
-                </a:solidFill>
-                <a:latin typeface="Consolas"/>
-              </a:rPr>
-              <a:t>safeString</a:t>
-            </a:r>
-            <a:endParaRPr lang="en-US" sz="3200" b="1" dirty="0" smtClean="0">
-              <a:solidFill>
-                <a:srgbClr val="00B050"/>
-              </a:solidFill>
-              <a:latin typeface="Consolas"/>
-            </a:endParaRPr>
-          </a:p>
-          <a:p>
-            <a:pPr fontAlgn="t"/>
-            <a:r>
-              <a:rPr lang="en-US" sz="3200" b="1" dirty="0" err="1">
-                <a:solidFill>
-                  <a:srgbClr val="00B050"/>
-                </a:solidFill>
-                <a:latin typeface="Consolas"/>
-              </a:rPr>
-              <a:t>rawHtml</a:t>
-            </a:r>
-            <a:endParaRPr lang="en-US" sz="3200" b="1" dirty="0">
-              <a:solidFill>
-                <a:srgbClr val="00B050"/>
-              </a:solidFill>
-              <a:latin typeface="Consolas"/>
-            </a:endParaRPr>
-          </a:p>
-          <a:p>
-            <a:pPr fontAlgn="t"/>
-            <a:r>
-              <a:rPr lang="en-US" sz="3200" b="1" dirty="0" err="1" smtClean="0">
-                <a:solidFill>
-                  <a:srgbClr val="00B050"/>
-                </a:solidFill>
-                <a:latin typeface="Consolas"/>
-              </a:rPr>
-              <a:t>escapedHtml</a:t>
-            </a:r>
-            <a:endParaRPr lang="en-US" sz="3200" b="1" dirty="0" smtClean="0">
-              <a:solidFill>
-                <a:srgbClr val="00B050"/>
-              </a:solidFill>
-              <a:latin typeface="Consolas"/>
-            </a:endParaRPr>
-          </a:p>
-          <a:p>
-            <a:pPr fontAlgn="t"/>
-            <a:r>
-              <a:rPr lang="en-US" sz="3200" b="1" dirty="0" err="1" smtClean="0">
-                <a:solidFill>
-                  <a:srgbClr val="00B050"/>
-                </a:solidFill>
-                <a:latin typeface="Consolas"/>
-              </a:rPr>
-              <a:t>truncatedTime</a:t>
-            </a:r>
-            <a:endParaRPr lang="en-US" sz="3200" b="1" dirty="0" smtClean="0">
-              <a:solidFill>
-                <a:srgbClr val="00B050"/>
-              </a:solidFill>
-              <a:latin typeface="Consolas"/>
-            </a:endParaRPr>
-          </a:p>
-        </p:txBody>
-      </p:sp>
       <p:sp>
         <p:nvSpPr>
           <p:cNvPr id="2" name="Знак запрета 1"/>
@@ -24115,10 +23591,391 @@
           <a:lstStyle/>
           <a:p>
             <a:pPr algn="ctr"/>
-            <a:endParaRPr lang="ru-RU">
+            <a:endParaRPr lang="ru-RU" dirty="0">
               <a:solidFill>
                 <a:schemeClr val="tx1"/>
               </a:solidFill>
+            </a:endParaRPr>
+          </a:p>
+        </p:txBody>
+      </p:sp>
+      <p:sp>
+        <p:nvSpPr>
+          <p:cNvPr id="3" name="TextBox 2"/>
+          <p:cNvSpPr txBox="1"/>
+          <p:nvPr/>
+        </p:nvSpPr>
+        <p:spPr>
+          <a:xfrm>
+            <a:off x="2123728" y="1340768"/>
+            <a:ext cx="6526584" cy="2062103"/>
+          </a:xfrm>
+          <a:prstGeom prst="rect">
+            <a:avLst/>
+          </a:prstGeom>
+          <a:noFill/>
+        </p:spPr>
+        <p:txBody>
+          <a:bodyPr wrap="square" rtlCol="0">
+            <a:spAutoFit/>
+          </a:bodyPr>
+          <a:lstStyle/>
+          <a:p>
+            <a:pPr fontAlgn="t"/>
+            <a:r>
+              <a:rPr lang="en-US" sz="3200" b="1" dirty="0" err="1" smtClean="0">
+                <a:solidFill>
+                  <a:srgbClr val="000066"/>
+                </a:solidFill>
+                <a:latin typeface="Consolas"/>
+              </a:rPr>
+              <a:t>ClassName</a:t>
+            </a:r>
+            <a:endParaRPr lang="en-US" sz="3200" b="1" dirty="0" smtClean="0">
+              <a:solidFill>
+                <a:srgbClr val="000066"/>
+              </a:solidFill>
+              <a:latin typeface="Consolas"/>
+            </a:endParaRPr>
+          </a:p>
+          <a:p>
+            <a:pPr fontAlgn="t"/>
+            <a:r>
+              <a:rPr lang="en-US" sz="3200" b="1" dirty="0" err="1" smtClean="0">
+                <a:solidFill>
+                  <a:srgbClr val="000066"/>
+                </a:solidFill>
+                <a:latin typeface="Consolas"/>
+              </a:rPr>
+              <a:t>PublicMemberName</a:t>
+            </a:r>
+            <a:endParaRPr lang="en-US" sz="3200" b="1" dirty="0" smtClean="0">
+              <a:solidFill>
+                <a:srgbClr val="000066"/>
+              </a:solidFill>
+              <a:latin typeface="Consolas"/>
+            </a:endParaRPr>
+          </a:p>
+          <a:p>
+            <a:pPr fontAlgn="t"/>
+            <a:r>
+              <a:rPr lang="en-US" sz="3200" b="1" dirty="0" err="1" smtClean="0">
+                <a:solidFill>
+                  <a:srgbClr val="000066"/>
+                </a:solidFill>
+                <a:latin typeface="Consolas"/>
+              </a:rPr>
+              <a:t>privateField</a:t>
+            </a:r>
+            <a:endParaRPr lang="ru-RU" sz="3200" b="1" dirty="0" smtClean="0">
+              <a:solidFill>
+                <a:srgbClr val="000066"/>
+              </a:solidFill>
+              <a:latin typeface="Consolas"/>
+            </a:endParaRPr>
+          </a:p>
+          <a:p>
+            <a:pPr fontAlgn="t"/>
+            <a:r>
+              <a:rPr lang="en-US" sz="3200" b="1" dirty="0" err="1" smtClean="0">
+                <a:solidFill>
+                  <a:srgbClr val="000066"/>
+                </a:solidFill>
+                <a:latin typeface="Consolas"/>
+              </a:rPr>
+              <a:t>ISomeInterface</a:t>
+            </a:r>
+            <a:endParaRPr lang="en-US" sz="3200" b="1" dirty="0" smtClean="0">
+              <a:solidFill>
+                <a:srgbClr val="000066"/>
+              </a:solidFill>
+              <a:latin typeface="Consolas"/>
+            </a:endParaRPr>
+          </a:p>
+        </p:txBody>
+      </p:sp>
+      <p:sp>
+        <p:nvSpPr>
+          <p:cNvPr id="5" name="Заголовок 4"/>
+          <p:cNvSpPr>
+            <a:spLocks noGrp="1"/>
+          </p:cNvSpPr>
+          <p:nvPr>
+            <p:ph type="title"/>
+          </p:nvPr>
+        </p:nvSpPr>
+        <p:spPr/>
+        <p:txBody>
+          <a:bodyPr>
+            <a:normAutofit/>
+          </a:bodyPr>
+          <a:lstStyle/>
+          <a:p>
+            <a:r>
+              <a:rPr lang="ru-RU" b="1" dirty="0" smtClean="0">
+                <a:solidFill>
+                  <a:schemeClr val="accent6">
+                    <a:lumMod val="50000"/>
+                  </a:schemeClr>
+                </a:solidFill>
+              </a:rPr>
+              <a:t>Соглашения об</a:t>
+            </a:r>
+            <a:r>
+              <a:rPr lang="en-US" b="1" dirty="0" smtClean="0">
+                <a:solidFill>
+                  <a:schemeClr val="accent6">
+                    <a:lumMod val="50000"/>
+                  </a:schemeClr>
+                </a:solidFill>
+              </a:rPr>
+              <a:t> </a:t>
+            </a:r>
+            <a:r>
+              <a:rPr lang="ru-RU" b="1" dirty="0" smtClean="0">
+                <a:solidFill>
+                  <a:schemeClr val="accent6">
+                    <a:lumMod val="50000"/>
+                  </a:schemeClr>
+                </a:solidFill>
+              </a:rPr>
+              <a:t>именовании</a:t>
+            </a:r>
+            <a:endParaRPr lang="ru-RU" b="1" dirty="0">
+              <a:solidFill>
+                <a:schemeClr val="accent6">
+                  <a:lumMod val="50000"/>
+                </a:schemeClr>
+              </a:solidFill>
+            </a:endParaRPr>
+          </a:p>
+        </p:txBody>
+      </p:sp>
+      <p:sp>
+        <p:nvSpPr>
+          <p:cNvPr id="4" name="TextBox 3"/>
+          <p:cNvSpPr txBox="1"/>
+          <p:nvPr/>
+        </p:nvSpPr>
+        <p:spPr>
+          <a:xfrm>
+            <a:off x="618952" y="3429000"/>
+            <a:ext cx="2296864" cy="2554545"/>
+          </a:xfrm>
+          <a:prstGeom prst="rect">
+            <a:avLst/>
+          </a:prstGeom>
+          <a:noFill/>
+        </p:spPr>
+        <p:txBody>
+          <a:bodyPr wrap="square" rtlCol="0">
+            <a:spAutoFit/>
+          </a:bodyPr>
+          <a:lstStyle/>
+          <a:p>
+            <a:pPr fontAlgn="t"/>
+            <a:r>
+              <a:rPr lang="en-US" sz="3200" b="1" dirty="0" err="1" smtClean="0">
+                <a:solidFill>
+                  <a:srgbClr val="FF0000"/>
+                </a:solidFill>
+                <a:latin typeface="Consolas"/>
+              </a:rPr>
+              <a:t>iIndex</a:t>
+            </a:r>
+            <a:endParaRPr lang="en-US" sz="3200" b="1" dirty="0" smtClean="0">
+              <a:solidFill>
+                <a:srgbClr val="FF0000"/>
+              </a:solidFill>
+              <a:latin typeface="Consolas"/>
+            </a:endParaRPr>
+          </a:p>
+          <a:p>
+            <a:pPr fontAlgn="t"/>
+            <a:r>
+              <a:rPr lang="en-US" sz="3200" b="1" dirty="0" err="1" smtClean="0">
+                <a:solidFill>
+                  <a:srgbClr val="FF0000"/>
+                </a:solidFill>
+                <a:latin typeface="Consolas"/>
+              </a:rPr>
+              <a:t>chArray</a:t>
+            </a:r>
+            <a:endParaRPr lang="en-US" sz="3200" b="1" dirty="0" smtClean="0">
+              <a:solidFill>
+                <a:srgbClr val="FF0000"/>
+              </a:solidFill>
+              <a:latin typeface="Consolas"/>
+            </a:endParaRPr>
+          </a:p>
+          <a:p>
+            <a:pPr fontAlgn="t"/>
+            <a:r>
+              <a:rPr lang="en-US" sz="3200" b="1" dirty="0" err="1" smtClean="0">
+                <a:solidFill>
+                  <a:srgbClr val="FF0000"/>
+                </a:solidFill>
+                <a:latin typeface="Consolas"/>
+              </a:rPr>
+              <a:t>bFlag</a:t>
+            </a:r>
+            <a:endParaRPr lang="en-US" sz="3200" b="1" dirty="0" smtClean="0">
+              <a:solidFill>
+                <a:srgbClr val="FF0000"/>
+              </a:solidFill>
+              <a:latin typeface="Consolas"/>
+            </a:endParaRPr>
+          </a:p>
+          <a:p>
+            <a:pPr fontAlgn="t"/>
+            <a:r>
+              <a:rPr lang="en-US" sz="3200" b="1" dirty="0" smtClean="0">
+                <a:solidFill>
+                  <a:srgbClr val="FF0000"/>
+                </a:solidFill>
+                <a:latin typeface="Consolas"/>
+              </a:rPr>
+              <a:t>_</a:t>
+            </a:r>
+            <a:r>
+              <a:rPr lang="en-US" sz="3200" b="1" dirty="0" smtClean="0">
+                <a:solidFill>
+                  <a:srgbClr val="FF0000"/>
+                </a:solidFill>
+                <a:latin typeface="Consolas"/>
+              </a:rPr>
+              <a:t>field</a:t>
+            </a:r>
+          </a:p>
+          <a:p>
+            <a:pPr fontAlgn="t"/>
+            <a:r>
+              <a:rPr lang="en-US" sz="3200" b="1" dirty="0" err="1" smtClean="0">
+                <a:solidFill>
+                  <a:srgbClr val="FF0000"/>
+                </a:solidFill>
+                <a:latin typeface="Consolas"/>
+              </a:rPr>
+              <a:t>zapros</a:t>
+            </a:r>
+            <a:endParaRPr lang="en-US" sz="3200" b="1" dirty="0" smtClean="0">
+              <a:solidFill>
+                <a:srgbClr val="FF0000"/>
+              </a:solidFill>
+              <a:latin typeface="Consolas"/>
+            </a:endParaRPr>
+          </a:p>
+        </p:txBody>
+      </p:sp>
+      <p:sp>
+        <p:nvSpPr>
+          <p:cNvPr id="6" name="TextBox 5"/>
+          <p:cNvSpPr txBox="1"/>
+          <p:nvPr/>
+        </p:nvSpPr>
+        <p:spPr>
+          <a:xfrm>
+            <a:off x="5004048" y="3429000"/>
+            <a:ext cx="3646264" cy="2554545"/>
+          </a:xfrm>
+          <a:prstGeom prst="rect">
+            <a:avLst/>
+          </a:prstGeom>
+          <a:noFill/>
+        </p:spPr>
+        <p:txBody>
+          <a:bodyPr wrap="square" rtlCol="0">
+            <a:spAutoFit/>
+          </a:bodyPr>
+          <a:lstStyle/>
+          <a:p>
+            <a:pPr fontAlgn="t"/>
+            <a:r>
+              <a:rPr lang="en-US" sz="3200" b="1" dirty="0" err="1" smtClean="0">
+                <a:solidFill>
+                  <a:srgbClr val="00B050"/>
+                </a:solidFill>
+                <a:latin typeface="Consolas"/>
+              </a:rPr>
+              <a:t>rawString</a:t>
+            </a:r>
+            <a:endParaRPr lang="en-US" sz="3200" b="1" dirty="0" smtClean="0">
+              <a:solidFill>
+                <a:srgbClr val="00B050"/>
+              </a:solidFill>
+              <a:latin typeface="Consolas"/>
+            </a:endParaRPr>
+          </a:p>
+          <a:p>
+            <a:pPr fontAlgn="t"/>
+            <a:r>
+              <a:rPr lang="en-US" sz="3200" b="1" dirty="0" err="1" smtClean="0">
+                <a:solidFill>
+                  <a:srgbClr val="00B050"/>
+                </a:solidFill>
+                <a:latin typeface="Consolas"/>
+              </a:rPr>
+              <a:t>safeString</a:t>
+            </a:r>
+            <a:endParaRPr lang="en-US" sz="3200" b="1" dirty="0" smtClean="0">
+              <a:solidFill>
+                <a:srgbClr val="00B050"/>
+              </a:solidFill>
+              <a:latin typeface="Consolas"/>
+            </a:endParaRPr>
+          </a:p>
+          <a:p>
+            <a:pPr fontAlgn="t"/>
+            <a:r>
+              <a:rPr lang="en-US" sz="3200" b="1" dirty="0" err="1">
+                <a:solidFill>
+                  <a:srgbClr val="00B050"/>
+                </a:solidFill>
+                <a:latin typeface="Consolas"/>
+              </a:rPr>
+              <a:t>rawHtml</a:t>
+            </a:r>
+            <a:endParaRPr lang="en-US" sz="3200" b="1" dirty="0">
+              <a:solidFill>
+                <a:srgbClr val="00B050"/>
+              </a:solidFill>
+              <a:latin typeface="Consolas"/>
+            </a:endParaRPr>
+          </a:p>
+          <a:p>
+            <a:pPr fontAlgn="t"/>
+            <a:r>
+              <a:rPr lang="en-US" sz="3200" b="1" dirty="0" err="1" smtClean="0">
+                <a:solidFill>
+                  <a:srgbClr val="00B050"/>
+                </a:solidFill>
+                <a:latin typeface="Consolas"/>
+              </a:rPr>
+              <a:t>escapedHtml</a:t>
+            </a:r>
+            <a:endParaRPr lang="en-US" sz="3200" b="1" dirty="0" smtClean="0">
+              <a:solidFill>
+                <a:srgbClr val="00B050"/>
+              </a:solidFill>
+              <a:latin typeface="Consolas"/>
+            </a:endParaRPr>
+          </a:p>
+          <a:p>
+            <a:pPr fontAlgn="t"/>
+            <a:r>
+              <a:rPr lang="en-US" sz="3200" b="1" dirty="0" err="1" smtClean="0">
+                <a:solidFill>
+                  <a:srgbClr val="00B050"/>
+                </a:solidFill>
+                <a:latin typeface="Consolas"/>
+              </a:rPr>
+              <a:t>truncatedTime</a:t>
+            </a:r>
+            <a:endParaRPr lang="en-US" sz="3200" b="1" dirty="0" smtClean="0">
+              <a:solidFill>
+                <a:srgbClr val="00B050"/>
+              </a:solidFill>
+              <a:latin typeface="Consolas"/>
             </a:endParaRPr>
           </a:p>
         </p:txBody>
@@ -24559,7 +24416,11 @@
                                           </p:stCondLst>
                                         </p:cTn>
                                         <p:tgtEl>
-                                          <p:spTgt spid="2"/>
+                                          <p:spTgt spid="4">
+                                            <p:txEl>
+                                              <p:pRg st="4" end="4"/>
+                                            </p:txEl>
+                                          </p:spTgt>
                                         </p:tgtEl>
                                         <p:attrNameLst>
                                           <p:attrName>style.visibility</p:attrName>
@@ -24604,11 +24465,7 @@
                                           </p:stCondLst>
                                         </p:cTn>
                                         <p:tgtEl>
-                                          <p:spTgt spid="6">
-                                            <p:txEl>
-                                              <p:pRg st="0" end="0"/>
-                                            </p:txEl>
-                                          </p:spTgt>
+                                          <p:spTgt spid="2"/>
                                         </p:tgtEl>
                                         <p:attrNameLst>
                                           <p:attrName>style.visibility</p:attrName>
@@ -24655,7 +24512,7 @@
                                         <p:tgtEl>
                                           <p:spTgt spid="6">
                                             <p:txEl>
-                                              <p:pRg st="1" end="1"/>
+                                              <p:pRg st="0" end="0"/>
                                             </p:txEl>
                                           </p:spTgt>
                                         </p:tgtEl>
@@ -24704,7 +24561,7 @@
                                         <p:tgtEl>
                                           <p:spTgt spid="6">
                                             <p:txEl>
-                                              <p:pRg st="2" end="2"/>
+                                              <p:pRg st="1" end="1"/>
                                             </p:txEl>
                                           </p:spTgt>
                                         </p:tgtEl>
@@ -24753,7 +24610,7 @@
                                         <p:tgtEl>
                                           <p:spTgt spid="6">
                                             <p:txEl>
-                                              <p:pRg st="3" end="3"/>
+                                              <p:pRg st="2" end="2"/>
                                             </p:txEl>
                                           </p:spTgt>
                                         </p:tgtEl>
@@ -24795,6 +24652,55 @@
                                     <p:set>
                                       <p:cBhvr>
                                         <p:cTn id="58" dur="1" fill="hold">
+                                          <p:stCondLst>
+                                            <p:cond delay="0"/>
+                                          </p:stCondLst>
+                                        </p:cTn>
+                                        <p:tgtEl>
+                                          <p:spTgt spid="6">
+                                            <p:txEl>
+                                              <p:pRg st="3" end="3"/>
+                                            </p:txEl>
+                                          </p:spTgt>
+                                        </p:tgtEl>
+                                        <p:attrNameLst>
+                                          <p:attrName>style.visibility</p:attrName>
+                                        </p:attrNameLst>
+                                      </p:cBhvr>
+                                      <p:to>
+                                        <p:strVal val="visible"/>
+                                      </p:to>
+                                    </p:set>
+                                  </p:childTnLst>
+                                </p:cTn>
+                              </p:par>
+                            </p:childTnLst>
+                          </p:cTn>
+                        </p:par>
+                      </p:childTnLst>
+                    </p:cTn>
+                  </p:par>
+                  <p:par>
+                    <p:cTn id="59" fill="hold">
+                      <p:stCondLst>
+                        <p:cond delay="indefinite"/>
+                      </p:stCondLst>
+                      <p:childTnLst>
+                        <p:par>
+                          <p:cTn id="60" fill="hold">
+                            <p:stCondLst>
+                              <p:cond delay="0"/>
+                            </p:stCondLst>
+                            <p:childTnLst>
+                              <p:par>
+                                <p:cTn id="61" presetID="1" presetClass="entr" presetSubtype="0" fill="hold" grpId="0" nodeType="clickEffect">
+                                  <p:stCondLst>
+                                    <p:cond delay="0"/>
+                                  </p:stCondLst>
+                                  <p:childTnLst>
+                                    <p:set>
+                                      <p:cBhvr>
+                                        <p:cTn id="62" dur="1" fill="hold">
                                           <p:stCondLst>
                                             <p:cond delay="0"/>
                                           </p:stCondLst>
@@ -24845,16 +24751,16 @@
       </p:par>
     </p:tnLst>
     <p:bldLst>
+      <p:bldP spid="2" grpId="0" animBg="1"/>
       <p:bldP spid="3" grpId="0" build="p"/>
       <p:bldP spid="4" grpId="0" uiExpand="1" build="p"/>
       <p:bldP spid="6" grpId="0" build="p"/>
-      <p:bldP spid="2" grpId="0" animBg="1"/>
     </p:bldLst>
   </p:timing>
 </p:sld>
 </file>
 
-<file path=ppt/slides/slide8.xml><?xml version="1.0" encoding="utf-8"?>
+<file path=ppt/slides/slide7.xml><?xml version="1.0" encoding="utf-8"?>
 <p:sld xmlns:a="http://schemas.openxmlformats.org/drawingml/2006/main" xmlns:r="http://schemas.openxmlformats.org/officeDocument/2006/relationships" xmlns:p="http://schemas.openxmlformats.org/presentationml/2006/main">
   <p:cSld>
     <p:spTree>
@@ -25037,7 +24943,7 @@
 </p:sld>
 </file>
 
-<file path=ppt/slides/slide9.xml><?xml version="1.0" encoding="utf-8"?>
+<file path=ppt/slides/slide8.xml><?xml version="1.0" encoding="utf-8"?>
 <p:sld xmlns:a="http://schemas.openxmlformats.org/drawingml/2006/main" xmlns:r="http://schemas.openxmlformats.org/officeDocument/2006/relationships" xmlns:p="http://schemas.openxmlformats.org/presentationml/2006/main">
   <p:cSld>
     <p:spTree>
@@ -25106,6 +25012,88 @@
     <p:extLst>
       <p:ext uri="{BB962C8B-B14F-4D97-AF65-F5344CB8AC3E}">
         <p14:creationId xmlns:p14="http://schemas.microsoft.com/office/powerpoint/2010/main" val="1416568573"/>
+      </p:ext>
+    </p:extLst>
+  </p:cSld>
+  <p:clrMapOvr>
+    <a:masterClrMapping/>
+  </p:clrMapOvr>
+  <p:timing>
+    <p:tnLst>
+      <p:par>
+        <p:cTn id="1" dur="indefinite" restart="never" nodeType="tmRoot"/>
+      </p:par>
+    </p:tnLst>
+  </p:timing>
+</p:sld>
+</file>
+
+<file path=ppt/slides/slide9.xml><?xml version="1.0" encoding="utf-8"?>
+<p:sld xmlns:a="http://schemas.openxmlformats.org/drawingml/2006/main" xmlns:r="http://schemas.openxmlformats.org/officeDocument/2006/relationships" xmlns:p="http://schemas.openxmlformats.org/presentationml/2006/main">
+  <p:cSld>
+    <p:spTree>
+      <p:nvGrpSpPr>
+        <p:cNvPr id="1" name=""/>
+        <p:cNvGrpSpPr/>
+        <p:nvPr/>
+      </p:nvGrpSpPr>
+      <p:grpSpPr>
+        <a:xfrm>
+          <a:off x="0" y="0"/>
+          <a:ext cx="0" cy="0"/>
+          <a:chOff x="0" y="0"/>
+          <a:chExt cx="0" cy="0"/>
+        </a:xfrm>
+      </p:grpSpPr>
+      <p:sp>
+        <p:nvSpPr>
+          <p:cNvPr id="3" name="Объект 2"/>
+          <p:cNvSpPr>
+            <a:spLocks noGrp="1"/>
+          </p:cNvSpPr>
+          <p:nvPr>
+            <p:ph idx="1"/>
+          </p:nvPr>
+        </p:nvSpPr>
+        <p:spPr/>
+        <p:txBody>
+          <a:bodyPr>
+            <a:normAutofit/>
+          </a:bodyPr>
+          <a:lstStyle/>
+          <a:p>
+            <a:pPr marL="0" indent="0">
+              <a:buNone/>
+            </a:pPr>
+            <a:r>
+              <a:rPr lang="ru-RU" b="1" dirty="0" smtClean="0"/>
+              <a:t>Декомпозиция</a:t>
+            </a:r>
+          </a:p>
+          <a:p>
+            <a:pPr marL="400050" lvl="1" indent="0">
+              <a:buNone/>
+            </a:pPr>
+            <a:r>
+              <a:rPr lang="ru-RU" sz="3200" dirty="0" smtClean="0"/>
+              <a:t>— </a:t>
+            </a:r>
+            <a:r>
+              <a:rPr lang="ru-RU" sz="2400" dirty="0"/>
+              <a:t>научный метод, использующий структуру задачи и позволяющий заменить решение одной большой задачи решением серии меньших задач, пусть и взаимосвязанных, но более простых</a:t>
+            </a:r>
+            <a:r>
+              <a:rPr lang="ru-RU" sz="2400" dirty="0" smtClean="0"/>
+              <a:t>.</a:t>
+            </a:r>
+            <a:endParaRPr lang="ru-RU" sz="3200" dirty="0" smtClean="0"/>
+          </a:p>
+        </p:txBody>
+      </p:sp>
+    </p:spTree>
+    <p:extLst>
+      <p:ext uri="{BB962C8B-B14F-4D97-AF65-F5344CB8AC3E}">
+        <p14:creationId xmlns:p14="http://schemas.microsoft.com/office/powerpoint/2010/main" val="2281880419"/>
       </p:ext>
     </p:extLst>
   </p:cSld>

--- a/02-CleanCode&Testing/CleanCode.pptx
+++ b/02-CleanCode&Testing/CleanCode.pptx
@@ -27,33 +27,33 @@
     <p:sldId id="344" r:id="rId15"/>
     <p:sldId id="332" r:id="rId16"/>
     <p:sldId id="333" r:id="rId17"/>
-    <p:sldId id="334" r:id="rId18"/>
+    <p:sldId id="372" r:id="rId18"/>
     <p:sldId id="335" r:id="rId19"/>
-    <p:sldId id="357" r:id="rId20"/>
-    <p:sldId id="336" r:id="rId21"/>
-    <p:sldId id="337" r:id="rId22"/>
-    <p:sldId id="338" r:id="rId23"/>
-    <p:sldId id="342" r:id="rId24"/>
-    <p:sldId id="340" r:id="rId25"/>
-    <p:sldId id="339" r:id="rId26"/>
-    <p:sldId id="341" r:id="rId27"/>
-    <p:sldId id="321" r:id="rId28"/>
-    <p:sldId id="323" r:id="rId29"/>
-    <p:sldId id="345" r:id="rId30"/>
-    <p:sldId id="351" r:id="rId31"/>
-    <p:sldId id="347" r:id="rId32"/>
-    <p:sldId id="348" r:id="rId33"/>
-    <p:sldId id="349" r:id="rId34"/>
-    <p:sldId id="350" r:id="rId35"/>
-    <p:sldId id="352" r:id="rId36"/>
-    <p:sldId id="353" r:id="rId37"/>
-    <p:sldId id="354" r:id="rId38"/>
-    <p:sldId id="358" r:id="rId39"/>
-    <p:sldId id="359" r:id="rId40"/>
-    <p:sldId id="360" r:id="rId41"/>
-    <p:sldId id="361" r:id="rId42"/>
-    <p:sldId id="362" r:id="rId43"/>
-    <p:sldId id="363" r:id="rId44"/>
+    <p:sldId id="334" r:id="rId20"/>
+    <p:sldId id="357" r:id="rId21"/>
+    <p:sldId id="336" r:id="rId22"/>
+    <p:sldId id="337" r:id="rId23"/>
+    <p:sldId id="338" r:id="rId24"/>
+    <p:sldId id="342" r:id="rId25"/>
+    <p:sldId id="340" r:id="rId26"/>
+    <p:sldId id="339" r:id="rId27"/>
+    <p:sldId id="341" r:id="rId28"/>
+    <p:sldId id="321" r:id="rId29"/>
+    <p:sldId id="323" r:id="rId30"/>
+    <p:sldId id="345" r:id="rId31"/>
+    <p:sldId id="351" r:id="rId32"/>
+    <p:sldId id="347" r:id="rId33"/>
+    <p:sldId id="348" r:id="rId34"/>
+    <p:sldId id="349" r:id="rId35"/>
+    <p:sldId id="350" r:id="rId36"/>
+    <p:sldId id="352" r:id="rId37"/>
+    <p:sldId id="353" r:id="rId38"/>
+    <p:sldId id="354" r:id="rId39"/>
+    <p:sldId id="358" r:id="rId40"/>
+    <p:sldId id="359" r:id="rId41"/>
+    <p:sldId id="360" r:id="rId42"/>
+    <p:sldId id="361" r:id="rId43"/>
+    <p:sldId id="362" r:id="rId44"/>
     <p:sldId id="365" r:id="rId45"/>
     <p:sldId id="366" r:id="rId46"/>
     <p:sldId id="369" r:id="rId47"/>
@@ -229,11 +229,11 @@
           <c:showPercent val="0"/>
           <c:showBubbleSize val="0"/>
         </c:dLbls>
-        <c:axId val="50095808"/>
-        <c:axId val="50096384"/>
+        <c:axId val="48023808"/>
+        <c:axId val="34760384"/>
       </c:scatterChart>
       <c:valAx>
-        <c:axId val="50095808"/>
+        <c:axId val="48023808"/>
         <c:scaling>
           <c:orientation val="minMax"/>
         </c:scaling>
@@ -243,12 +243,12 @@
         <c:majorTickMark val="out"/>
         <c:minorTickMark val="none"/>
         <c:tickLblPos val="nextTo"/>
-        <c:crossAx val="50096384"/>
+        <c:crossAx val="34760384"/>
         <c:crosses val="autoZero"/>
         <c:crossBetween val="midCat"/>
       </c:valAx>
       <c:valAx>
-        <c:axId val="50096384"/>
+        <c:axId val="34760384"/>
         <c:scaling>
           <c:orientation val="minMax"/>
         </c:scaling>
@@ -258,7 +258,7 @@
         <c:majorTickMark val="out"/>
         <c:minorTickMark val="none"/>
         <c:tickLblPos val="nextTo"/>
-        <c:crossAx val="50095808"/>
+        <c:crossAx val="48023808"/>
         <c:crosses val="autoZero"/>
         <c:crossBetween val="midCat"/>
       </c:valAx>
@@ -365,7 +365,7 @@
           <a:p>
             <a:fld id="{2C2C51BA-9C8E-4938-991B-0B9DAB69953D}" type="datetimeFigureOut">
               <a:rPr lang="ru-RU" smtClean="0"/>
-              <a:t>14.11.2013</a:t>
+              <a:t>15.11.2013</a:t>
             </a:fld>
             <a:endParaRPr lang="ru-RU"/>
           </a:p>
@@ -530,7 +530,7 @@
           <a:p>
             <a:fld id="{426FB16C-8069-43A4-A09F-21010F2DDFB6}" type="datetimeFigureOut">
               <a:rPr lang="ru-RU" smtClean="0"/>
-              <a:t>14.11.2013</a:t>
+              <a:t>15.11.2013</a:t>
             </a:fld>
             <a:endParaRPr lang="ru-RU"/>
           </a:p>
@@ -1125,7 +1125,7 @@
           <a:p>
             <a:fld id="{414C0F9C-8EEB-4FCC-AFE2-CBC89CE9F378}" type="slidenum">
               <a:rPr lang="ru-RU" smtClean="0"/>
-              <a:t>24</a:t>
+              <a:t>25</a:t>
             </a:fld>
             <a:endParaRPr lang="ru-RU"/>
           </a:p>
@@ -1319,7 +1319,7 @@
           <a:p>
             <a:fld id="{414C0F9C-8EEB-4FCC-AFE2-CBC89CE9F378}" type="slidenum">
               <a:rPr lang="ru-RU" smtClean="0"/>
-              <a:t>28</a:t>
+              <a:t>29</a:t>
             </a:fld>
             <a:endParaRPr lang="ru-RU"/>
           </a:p>
@@ -1413,7 +1413,7 @@
             <a:fld id="{89329285-B0FC-44C9-9749-E258C7AB2264}" type="slidenum">
               <a:rPr lang="ru-RU" smtClean="0"/>
               <a:pPr/>
-              <a:t>34</a:t>
+              <a:t>35</a:t>
             </a:fld>
             <a:endParaRPr lang="ru-RU"/>
           </a:p>
@@ -1516,7 +1516,7 @@
           <a:p>
             <a:fld id="{414C0F9C-8EEB-4FCC-AFE2-CBC89CE9F378}" type="slidenum">
               <a:rPr lang="ru-RU" smtClean="0"/>
-              <a:t>37</a:t>
+              <a:t>38</a:t>
             </a:fld>
             <a:endParaRPr lang="ru-RU"/>
           </a:p>
@@ -1800,7 +1800,7 @@
           <a:p>
             <a:fld id="{8097313E-B044-4ACF-96A1-82807229EA96}" type="datetimeFigureOut">
               <a:rPr lang="ru-RU" smtClean="0"/>
-              <a:t>14.11.2013</a:t>
+              <a:t>15.11.2013</a:t>
             </a:fld>
             <a:endParaRPr lang="ru-RU"/>
           </a:p>
@@ -1970,7 +1970,7 @@
           <a:p>
             <a:fld id="{8097313E-B044-4ACF-96A1-82807229EA96}" type="datetimeFigureOut">
               <a:rPr lang="ru-RU" smtClean="0"/>
-              <a:t>14.11.2013</a:t>
+              <a:t>15.11.2013</a:t>
             </a:fld>
             <a:endParaRPr lang="ru-RU"/>
           </a:p>
@@ -2150,7 +2150,7 @@
           <a:p>
             <a:fld id="{8097313E-B044-4ACF-96A1-82807229EA96}" type="datetimeFigureOut">
               <a:rPr lang="ru-RU" smtClean="0"/>
-              <a:t>14.11.2013</a:t>
+              <a:t>15.11.2013</a:t>
             </a:fld>
             <a:endParaRPr lang="ru-RU"/>
           </a:p>
@@ -2327,7 +2327,7 @@
           <a:p>
             <a:fld id="{8097313E-B044-4ACF-96A1-82807229EA96}" type="datetimeFigureOut">
               <a:rPr lang="ru-RU" smtClean="0"/>
-              <a:t>14.11.2013</a:t>
+              <a:t>15.11.2013</a:t>
             </a:fld>
             <a:endParaRPr lang="ru-RU"/>
           </a:p>
@@ -2580,7 +2580,7 @@
           <a:p>
             <a:fld id="{8097313E-B044-4ACF-96A1-82807229EA96}" type="datetimeFigureOut">
               <a:rPr lang="ru-RU" smtClean="0"/>
-              <a:t>14.11.2013</a:t>
+              <a:t>15.11.2013</a:t>
             </a:fld>
             <a:endParaRPr lang="ru-RU"/>
           </a:p>
@@ -2868,7 +2868,7 @@
           <a:p>
             <a:fld id="{8097313E-B044-4ACF-96A1-82807229EA96}" type="datetimeFigureOut">
               <a:rPr lang="ru-RU" smtClean="0"/>
-              <a:t>14.11.2013</a:t>
+              <a:t>15.11.2013</a:t>
             </a:fld>
             <a:endParaRPr lang="ru-RU"/>
           </a:p>
@@ -3290,7 +3290,7 @@
           <a:p>
             <a:fld id="{8097313E-B044-4ACF-96A1-82807229EA96}" type="datetimeFigureOut">
               <a:rPr lang="ru-RU" smtClean="0"/>
-              <a:t>14.11.2013</a:t>
+              <a:t>15.11.2013</a:t>
             </a:fld>
             <a:endParaRPr lang="ru-RU"/>
           </a:p>
@@ -3423,7 +3423,7 @@
           <a:p>
             <a:fld id="{8097313E-B044-4ACF-96A1-82807229EA96}" type="datetimeFigureOut">
               <a:rPr lang="ru-RU" smtClean="0"/>
-              <a:t>14.11.2013</a:t>
+              <a:t>15.11.2013</a:t>
             </a:fld>
             <a:endParaRPr lang="ru-RU"/>
           </a:p>
@@ -3525,7 +3525,7 @@
           <a:p>
             <a:fld id="{8097313E-B044-4ACF-96A1-82807229EA96}" type="datetimeFigureOut">
               <a:rPr lang="ru-RU" smtClean="0"/>
-              <a:t>14.11.2013</a:t>
+              <a:t>15.11.2013</a:t>
             </a:fld>
             <a:endParaRPr lang="ru-RU"/>
           </a:p>
@@ -3802,7 +3802,7 @@
           <a:p>
             <a:fld id="{8097313E-B044-4ACF-96A1-82807229EA96}" type="datetimeFigureOut">
               <a:rPr lang="ru-RU" smtClean="0"/>
-              <a:t>14.11.2013</a:t>
+              <a:t>15.11.2013</a:t>
             </a:fld>
             <a:endParaRPr lang="ru-RU"/>
           </a:p>
@@ -4055,7 +4055,7 @@
           <a:p>
             <a:fld id="{8097313E-B044-4ACF-96A1-82807229EA96}" type="datetimeFigureOut">
               <a:rPr lang="ru-RU" smtClean="0"/>
-              <a:t>14.11.2013</a:t>
+              <a:t>15.11.2013</a:t>
             </a:fld>
             <a:endParaRPr lang="ru-RU"/>
           </a:p>
@@ -4268,7 +4268,7 @@
           <a:p>
             <a:fld id="{8097313E-B044-4ACF-96A1-82807229EA96}" type="datetimeFigureOut">
               <a:rPr lang="ru-RU" smtClean="0"/>
-              <a:t>14.11.2013</a:t>
+              <a:t>15.11.2013</a:t>
             </a:fld>
             <a:endParaRPr lang="ru-RU"/>
           </a:p>
@@ -5120,36 +5120,43 @@
             <a:pPr marL="0" indent="0">
               <a:buNone/>
             </a:pPr>
-            <a:r>
-              <a:rPr lang="en-US" sz="2800" dirty="0" err="1" smtClean="0">
-                <a:solidFill>
-                  <a:srgbClr val="0000FF"/>
-                </a:solidFill>
-                <a:latin typeface="Consolas" panose="020B0609020204030204" pitchFamily="49" charset="0"/>
-                <a:cs typeface="Consolas" panose="020B0609020204030204" pitchFamily="49" charset="0"/>
-              </a:rPr>
-              <a:t>var</a:t>
-            </a:r>
+            <a:endParaRPr lang="en-US" sz="2800" dirty="0" smtClean="0">
+              <a:solidFill>
+                <a:srgbClr val="0000FF"/>
+              </a:solidFill>
+              <a:latin typeface="Consolas" panose="020B0609020204030204" pitchFamily="49" charset="0"/>
+              <a:cs typeface="Consolas" panose="020B0609020204030204" pitchFamily="49" charset="0"/>
+            </a:endParaRPr>
+          </a:p>
+          <a:p>
+            <a:pPr marL="0" indent="0">
+              <a:buNone/>
+            </a:pPr>
             <a:r>
               <a:rPr lang="en-US" sz="2800" dirty="0" smtClean="0">
                 <a:latin typeface="Consolas" panose="020B0609020204030204" pitchFamily="49" charset="0"/>
                 <a:cs typeface="Consolas" panose="020B0609020204030204" pitchFamily="49" charset="0"/>
               </a:rPr>
-              <a:t> left  = </a:t>
-            </a:r>
-            <a:r>
-              <a:rPr lang="en-US" sz="2800" dirty="0" err="1" smtClean="0">
+              <a:t>Reverse(array, 0, array.Length-k-1);</a:t>
+            </a:r>
+          </a:p>
+          <a:p>
+            <a:pPr marL="0" indent="0">
+              <a:buNone/>
+            </a:pPr>
+            <a:r>
+              <a:rPr lang="en-US" sz="2800" dirty="0">
                 <a:latin typeface="Consolas" panose="020B0609020204030204" pitchFamily="49" charset="0"/>
                 <a:cs typeface="Consolas" panose="020B0609020204030204" pitchFamily="49" charset="0"/>
               </a:rPr>
-              <a:t>array.Take</a:t>
+              <a:t>Reverse(array, </a:t>
             </a:r>
             <a:r>
               <a:rPr lang="en-US" sz="2800" dirty="0" smtClean="0">
                 <a:latin typeface="Consolas" panose="020B0609020204030204" pitchFamily="49" charset="0"/>
                 <a:cs typeface="Consolas" panose="020B0609020204030204" pitchFamily="49" charset="0"/>
               </a:rPr>
-              <a:t>(k).Reverse();</a:t>
+              <a:t>k, array.Length-1);</a:t>
             </a:r>
           </a:p>
           <a:p>
@@ -5157,73 +5164,38 @@
               <a:buNone/>
             </a:pPr>
             <a:r>
-              <a:rPr lang="en-US" sz="2800" dirty="0" err="1">
-                <a:solidFill>
-                  <a:srgbClr val="0000FF"/>
-                </a:solidFill>
+              <a:rPr lang="en-US" sz="2800" dirty="0">
                 <a:latin typeface="Consolas" panose="020B0609020204030204" pitchFamily="49" charset="0"/>
                 <a:cs typeface="Consolas" panose="020B0609020204030204" pitchFamily="49" charset="0"/>
               </a:rPr>
-              <a:t>var</a:t>
+              <a:t>Reverse(array, 0, </a:t>
             </a:r>
             <a:r>
               <a:rPr lang="en-US" sz="2800" dirty="0" smtClean="0">
                 <a:latin typeface="Consolas" panose="020B0609020204030204" pitchFamily="49" charset="0"/>
                 <a:cs typeface="Consolas" panose="020B0609020204030204" pitchFamily="49" charset="0"/>
               </a:rPr>
-              <a:t> right = </a:t>
-            </a:r>
-            <a:r>
-              <a:rPr lang="en-US" sz="2800" dirty="0" err="1" smtClean="0">
-                <a:latin typeface="Consolas" panose="020B0609020204030204" pitchFamily="49" charset="0"/>
-                <a:cs typeface="Consolas" panose="020B0609020204030204" pitchFamily="49" charset="0"/>
-              </a:rPr>
-              <a:t>array.Skip</a:t>
-            </a:r>
-            <a:r>
-              <a:rPr lang="en-US" sz="2800" dirty="0" smtClean="0">
-                <a:latin typeface="Consolas" panose="020B0609020204030204" pitchFamily="49" charset="0"/>
-                <a:cs typeface="Consolas" panose="020B0609020204030204" pitchFamily="49" charset="0"/>
-              </a:rPr>
-              <a:t>(k).Reverse();</a:t>
-            </a:r>
+              <a:t>array.Length-1);</a:t>
+            </a:r>
+            <a:endParaRPr lang="en-US" sz="2800" dirty="0">
+              <a:latin typeface="Consolas" panose="020B0609020204030204" pitchFamily="49" charset="0"/>
+              <a:cs typeface="Consolas" panose="020B0609020204030204" pitchFamily="49" charset="0"/>
+            </a:endParaRPr>
           </a:p>
           <a:p>
             <a:pPr marL="0" indent="0">
               <a:buNone/>
             </a:pPr>
-            <a:r>
-              <a:rPr lang="en-US" sz="2800" dirty="0">
-                <a:solidFill>
-                  <a:srgbClr val="0000FF"/>
-                </a:solidFill>
-                <a:latin typeface="Consolas" panose="020B0609020204030204" pitchFamily="49" charset="0"/>
-                <a:cs typeface="Consolas" panose="020B0609020204030204" pitchFamily="49" charset="0"/>
-              </a:rPr>
-              <a:t>return</a:t>
-            </a:r>
-            <a:r>
-              <a:rPr lang="en-US" sz="2800" dirty="0" smtClean="0">
-                <a:latin typeface="Consolas" panose="020B0609020204030204" pitchFamily="49" charset="0"/>
-                <a:cs typeface="Consolas" panose="020B0609020204030204" pitchFamily="49" charset="0"/>
-              </a:rPr>
-              <a:t> </a:t>
-            </a:r>
-            <a:r>
-              <a:rPr lang="en-US" sz="2800" dirty="0" err="1" smtClean="0">
-                <a:latin typeface="Consolas" panose="020B0609020204030204" pitchFamily="49" charset="0"/>
-                <a:cs typeface="Consolas" panose="020B0609020204030204" pitchFamily="49" charset="0"/>
-              </a:rPr>
-              <a:t>left.Concat</a:t>
-            </a:r>
-            <a:r>
-              <a:rPr lang="en-US" sz="2800" dirty="0" smtClean="0">
-                <a:latin typeface="Consolas" panose="020B0609020204030204" pitchFamily="49" charset="0"/>
-                <a:cs typeface="Consolas" panose="020B0609020204030204" pitchFamily="49" charset="0"/>
-              </a:rPr>
-              <a:t>(right).Reverse();</a:t>
-            </a:r>
-            <a:endParaRPr lang="ru-RU" sz="2800" dirty="0">
+            <a:endParaRPr lang="en-US" sz="2800" dirty="0">
+              <a:latin typeface="Consolas" panose="020B0609020204030204" pitchFamily="49" charset="0"/>
+              <a:cs typeface="Consolas" panose="020B0609020204030204" pitchFamily="49" charset="0"/>
+            </a:endParaRPr>
+          </a:p>
+          <a:p>
+            <a:pPr marL="0" indent="0">
+              <a:buNone/>
+            </a:pPr>
+            <a:endParaRPr lang="en-US" sz="2800" dirty="0" smtClean="0">
               <a:latin typeface="Consolas" panose="020B0609020204030204" pitchFamily="49" charset="0"/>
               <a:cs typeface="Consolas" panose="020B0609020204030204" pitchFamily="49" charset="0"/>
             </a:endParaRPr>
@@ -6286,7 +6258,7 @@
     </p:spTree>
     <p:extLst>
       <p:ext uri="{BB962C8B-B14F-4D97-AF65-F5344CB8AC3E}">
-        <p14:creationId xmlns:p14="http://schemas.microsoft.com/office/powerpoint/2010/main" val="3385134984"/>
+        <p14:creationId xmlns:p14="http://schemas.microsoft.com/office/powerpoint/2010/main" val="2908969402"/>
       </p:ext>
     </p:extLst>
   </p:cSld>
@@ -6878,21 +6850,42 @@
                 <a:latin typeface="Consolas" panose="020B0609020204030204" pitchFamily="49" charset="0"/>
                 <a:cs typeface="Consolas" panose="020B0609020204030204" pitchFamily="49" charset="0"/>
               </a:rPr>
-              <a:t> token = </a:t>
-            </a:r>
-            <a:r>
-              <a:rPr lang="en-US" sz="2200" b="1" dirty="0" err="1">
+              <a:t> </a:t>
+            </a:r>
+            <a:r>
+              <a:rPr lang="en-US" sz="2200" dirty="0" smtClean="0">
                 <a:latin typeface="Consolas" panose="020B0609020204030204" pitchFamily="49" charset="0"/>
                 <a:cs typeface="Consolas" panose="020B0609020204030204" pitchFamily="49" charset="0"/>
               </a:rPr>
-              <a:t>ReadToken</a:t>
+              <a:t>field </a:t>
             </a:r>
             <a:r>
               <a:rPr lang="en-US" sz="2200" dirty="0">
                 <a:latin typeface="Consolas" panose="020B0609020204030204" pitchFamily="49" charset="0"/>
                 <a:cs typeface="Consolas" panose="020B0609020204030204" pitchFamily="49" charset="0"/>
               </a:rPr>
-              <a:t>(line, </a:t>
+              <a:t>= </a:t>
+            </a:r>
+            <a:r>
+              <a:rPr lang="en-US" sz="2200" b="1" dirty="0" err="1" smtClean="0">
+                <a:latin typeface="Consolas" panose="020B0609020204030204" pitchFamily="49" charset="0"/>
+                <a:cs typeface="Consolas" panose="020B0609020204030204" pitchFamily="49" charset="0"/>
+              </a:rPr>
+              <a:t>ReadField</a:t>
+            </a:r>
+            <a:r>
+              <a:rPr lang="en-US" sz="2200" dirty="0" smtClean="0">
+                <a:latin typeface="Consolas" panose="020B0609020204030204" pitchFamily="49" charset="0"/>
+                <a:cs typeface="Consolas" panose="020B0609020204030204" pitchFamily="49" charset="0"/>
+              </a:rPr>
+              <a:t>(line</a:t>
+            </a:r>
+            <a:r>
+              <a:rPr lang="en-US" sz="2200" dirty="0">
+                <a:latin typeface="Consolas" panose="020B0609020204030204" pitchFamily="49" charset="0"/>
+                <a:cs typeface="Consolas" panose="020B0609020204030204" pitchFamily="49" charset="0"/>
+              </a:rPr>
+              <a:t>, </a:t>
             </a:r>
             <a:r>
               <a:rPr lang="en-US" sz="2200" dirty="0" err="1">
@@ -6932,8 +6925,12 @@
                 <a:latin typeface="Consolas" panose="020B0609020204030204" pitchFamily="49" charset="0"/>
                 <a:cs typeface="Consolas" panose="020B0609020204030204" pitchFamily="49" charset="0"/>
               </a:rPr>
-              <a:t>(token);</a:t>
-            </a:r>
+              <a:t>(field);</a:t>
+            </a:r>
+            <a:endParaRPr lang="en-US" sz="2200" dirty="0">
+              <a:latin typeface="Consolas" panose="020B0609020204030204" pitchFamily="49" charset="0"/>
+              <a:cs typeface="Consolas" panose="020B0609020204030204" pitchFamily="49" charset="0"/>
+            </a:endParaRPr>
           </a:p>
           <a:p>
             <a:pPr marL="0" indent="0">
@@ -6965,7 +6962,7 @@
                 <a:latin typeface="Consolas" panose="020B0609020204030204" pitchFamily="49" charset="0"/>
                 <a:cs typeface="Consolas" panose="020B0609020204030204" pitchFamily="49" charset="0"/>
               </a:rPr>
-              <a:t>token.Length</a:t>
+              <a:t>field.Length</a:t>
             </a:r>
             <a:r>
               <a:rPr lang="en-US" sz="2200" dirty="0">
@@ -7081,6 +7078,301 @@
 </file>
 
 <file path=ppt/slides/slide19.xml><?xml version="1.0" encoding="utf-8"?>
+<p:sld xmlns:a="http://schemas.openxmlformats.org/drawingml/2006/main" xmlns:r="http://schemas.openxmlformats.org/officeDocument/2006/relationships" xmlns:p="http://schemas.openxmlformats.org/presentationml/2006/main">
+  <p:cSld>
+    <p:spTree>
+      <p:nvGrpSpPr>
+        <p:cNvPr id="1" name=""/>
+        <p:cNvGrpSpPr/>
+        <p:nvPr/>
+      </p:nvGrpSpPr>
+      <p:grpSpPr>
+        <a:xfrm>
+          <a:off x="0" y="0"/>
+          <a:ext cx="0" cy="0"/>
+          <a:chOff x="0" y="0"/>
+          <a:chExt cx="0" cy="0"/>
+        </a:xfrm>
+      </p:grpSpPr>
+      <p:sp>
+        <p:nvSpPr>
+          <p:cNvPr id="2" name="Заголовок 1"/>
+          <p:cNvSpPr>
+            <a:spLocks noGrp="1"/>
+          </p:cNvSpPr>
+          <p:nvPr>
+            <p:ph type="title"/>
+          </p:nvPr>
+        </p:nvSpPr>
+        <p:spPr/>
+        <p:txBody>
+          <a:bodyPr>
+            <a:normAutofit fontScale="90000"/>
+          </a:bodyPr>
+          <a:lstStyle/>
+          <a:p>
+            <a:r>
+              <a:rPr lang="ru-RU" dirty="0" smtClean="0"/>
+              <a:t>Разбить на поля </a:t>
+            </a:r>
+            <a:r>
+              <a:rPr lang="en-US" dirty="0" smtClean="0"/>
+              <a:t>CSV: </a:t>
+            </a:r>
+            <a:r>
+              <a:rPr lang="ru-RU" dirty="0" smtClean="0"/>
+              <a:t>Абстракции</a:t>
+            </a:r>
+            <a:endParaRPr lang="ru-RU" dirty="0"/>
+          </a:p>
+        </p:txBody>
+      </p:sp>
+      <p:sp>
+        <p:nvSpPr>
+          <p:cNvPr id="3" name="Объект 2"/>
+          <p:cNvSpPr>
+            <a:spLocks noGrp="1"/>
+          </p:cNvSpPr>
+          <p:nvPr>
+            <p:ph idx="1"/>
+          </p:nvPr>
+        </p:nvSpPr>
+        <p:spPr/>
+        <p:txBody>
+          <a:bodyPr/>
+          <a:lstStyle/>
+          <a:p>
+            <a:pPr marL="0" indent="0">
+              <a:buNone/>
+            </a:pPr>
+            <a:r>
+              <a:rPr lang="en-US" dirty="0" smtClean="0">
+                <a:solidFill>
+                  <a:srgbClr val="0000FF"/>
+                </a:solidFill>
+              </a:rPr>
+              <a:t>string</a:t>
+            </a:r>
+            <a:r>
+              <a:rPr lang="en-US" dirty="0"/>
+              <a:t> </a:t>
+            </a:r>
+            <a:r>
+              <a:rPr lang="en-US" dirty="0" err="1"/>
+              <a:t>ReadField</a:t>
+            </a:r>
+            <a:r>
+              <a:rPr lang="en-US" dirty="0"/>
+              <a:t>(</a:t>
+            </a:r>
+            <a:r>
+              <a:rPr lang="en-US" dirty="0">
+                <a:solidFill>
+                  <a:srgbClr val="0000FF"/>
+                </a:solidFill>
+              </a:rPr>
+              <a:t>string</a:t>
+            </a:r>
+            <a:r>
+              <a:rPr lang="en-US" dirty="0"/>
+              <a:t> line, </a:t>
+            </a:r>
+            <a:r>
+              <a:rPr lang="en-US" dirty="0" err="1">
+                <a:solidFill>
+                  <a:srgbClr val="0000FF"/>
+                </a:solidFill>
+              </a:rPr>
+              <a:t>int</a:t>
+            </a:r>
+            <a:r>
+              <a:rPr lang="en-US" dirty="0"/>
+              <a:t> </a:t>
+            </a:r>
+            <a:r>
+              <a:rPr lang="en-US" dirty="0" err="1"/>
+              <a:t>startPos</a:t>
+            </a:r>
+            <a:r>
+              <a:rPr lang="en-US" dirty="0"/>
+              <a:t>) </a:t>
+            </a:r>
+          </a:p>
+        </p:txBody>
+      </p:sp>
+    </p:spTree>
+    <p:extLst>
+      <p:ext uri="{BB962C8B-B14F-4D97-AF65-F5344CB8AC3E}">
+        <p14:creationId xmlns:p14="http://schemas.microsoft.com/office/powerpoint/2010/main" val="3385134984"/>
+      </p:ext>
+    </p:extLst>
+  </p:cSld>
+  <p:clrMapOvr>
+    <a:masterClrMapping/>
+  </p:clrMapOvr>
+  <p:timing>
+    <p:tnLst>
+      <p:par>
+        <p:cTn id="1" dur="indefinite" restart="never" nodeType="tmRoot">
+          <p:childTnLst>
+            <p:seq concurrent="1" nextAc="seek">
+              <p:cTn id="2" dur="indefinite" nodeType="mainSeq">
+                <p:childTnLst>
+                  <p:par>
+                    <p:cTn id="3" fill="hold">
+                      <p:stCondLst>
+                        <p:cond delay="indefinite"/>
+                      </p:stCondLst>
+                      <p:childTnLst>
+                        <p:par>
+                          <p:cTn id="4" fill="hold">
+                            <p:stCondLst>
+                              <p:cond delay="0"/>
+                            </p:stCondLst>
+                            <p:childTnLst>
+                              <p:par>
+                                <p:cTn id="5" presetID="1" presetClass="entr" presetSubtype="0" fill="hold" grpId="0" nodeType="clickEffect">
+                                  <p:stCondLst>
+                                    <p:cond delay="0"/>
+                                  </p:stCondLst>
+                                  <p:childTnLst>
+                                    <p:set>
+                                      <p:cBhvr>
+                                        <p:cTn id="6" dur="1" fill="hold">
+                                          <p:stCondLst>
+                                            <p:cond delay="0"/>
+                                          </p:stCondLst>
+                                        </p:cTn>
+                                        <p:tgtEl>
+                                          <p:spTgt spid="3">
+                                            <p:txEl>
+                                              <p:pRg st="0" end="0"/>
+                                            </p:txEl>
+                                          </p:spTgt>
+                                        </p:tgtEl>
+                                        <p:attrNameLst>
+                                          <p:attrName>style.visibility</p:attrName>
+                                        </p:attrNameLst>
+                                      </p:cBhvr>
+                                      <p:to>
+                                        <p:strVal val="visible"/>
+                                      </p:to>
+                                    </p:set>
+                                  </p:childTnLst>
+                                </p:cTn>
+                              </p:par>
+                            </p:childTnLst>
+                          </p:cTn>
+                        </p:par>
+                      </p:childTnLst>
+                    </p:cTn>
+                  </p:par>
+                </p:childTnLst>
+              </p:cTn>
+              <p:prevCondLst>
+                <p:cond evt="onPrev" delay="0">
+                  <p:tgtEl>
+                    <p:sldTgt/>
+                  </p:tgtEl>
+                </p:cond>
+              </p:prevCondLst>
+              <p:nextCondLst>
+                <p:cond evt="onNext" delay="0">
+                  <p:tgtEl>
+                    <p:sldTgt/>
+                  </p:tgtEl>
+                </p:cond>
+              </p:nextCondLst>
+            </p:seq>
+          </p:childTnLst>
+        </p:cTn>
+      </p:par>
+    </p:tnLst>
+    <p:bldLst>
+      <p:bldP spid="3" grpId="0" build="p"/>
+    </p:bldLst>
+  </p:timing>
+</p:sld>
+</file>
+
+<file path=ppt/slides/slide2.xml><?xml version="1.0" encoding="utf-8"?>
+<p:sld xmlns:a="http://schemas.openxmlformats.org/drawingml/2006/main" xmlns:r="http://schemas.openxmlformats.org/officeDocument/2006/relationships" xmlns:p="http://schemas.openxmlformats.org/presentationml/2006/main">
+  <p:cSld>
+    <p:spTree>
+      <p:nvGrpSpPr>
+        <p:cNvPr id="1" name=""/>
+        <p:cNvGrpSpPr/>
+        <p:nvPr/>
+      </p:nvGrpSpPr>
+      <p:grpSpPr>
+        <a:xfrm>
+          <a:off x="0" y="0"/>
+          <a:ext cx="0" cy="0"/>
+          <a:chOff x="0" y="0"/>
+          <a:chExt cx="0" cy="0"/>
+        </a:xfrm>
+      </p:grpSpPr>
+      <p:sp>
+        <p:nvSpPr>
+          <p:cNvPr id="2" name="Заголовок 1"/>
+          <p:cNvSpPr>
+            <a:spLocks noGrp="1"/>
+          </p:cNvSpPr>
+          <p:nvPr>
+            <p:ph type="title"/>
+          </p:nvPr>
+        </p:nvSpPr>
+        <p:spPr>
+          <a:xfrm>
+            <a:off x="457200" y="2502024"/>
+            <a:ext cx="8229600" cy="1143000"/>
+          </a:xfrm>
+        </p:spPr>
+        <p:txBody>
+          <a:bodyPr/>
+          <a:lstStyle/>
+          <a:p>
+            <a:r>
+              <a:rPr lang="ru-RU" b="1" dirty="0" smtClean="0">
+                <a:solidFill>
+                  <a:schemeClr val="accent6">
+                    <a:lumMod val="50000"/>
+                  </a:schemeClr>
+                </a:solidFill>
+              </a:rPr>
+              <a:t>Собственно, зачем?</a:t>
+            </a:r>
+            <a:endParaRPr lang="ru-RU" b="1" dirty="0">
+              <a:solidFill>
+                <a:schemeClr val="accent6">
+                  <a:lumMod val="50000"/>
+                </a:schemeClr>
+              </a:solidFill>
+            </a:endParaRPr>
+          </a:p>
+        </p:txBody>
+      </p:sp>
+    </p:spTree>
+    <p:extLst>
+      <p:ext uri="{BB962C8B-B14F-4D97-AF65-F5344CB8AC3E}">
+        <p14:creationId xmlns:p14="http://schemas.microsoft.com/office/powerpoint/2010/main" val="2937989642"/>
+      </p:ext>
+    </p:extLst>
+  </p:cSld>
+  <p:clrMapOvr>
+    <a:masterClrMapping/>
+  </p:clrMapOvr>
+  <p:timing>
+    <p:tnLst>
+      <p:par>
+        <p:cTn id="1" dur="indefinite" restart="never" nodeType="tmRoot"/>
+      </p:par>
+    </p:tnLst>
+  </p:timing>
+</p:sld>
+</file>
+
+<file path=ppt/slides/slide20.xml><?xml version="1.0" encoding="utf-8"?>
 <p:sld xmlns:a="http://schemas.openxmlformats.org/drawingml/2006/main" xmlns:r="http://schemas.openxmlformats.org/officeDocument/2006/relationships" xmlns:p="http://schemas.openxmlformats.org/presentationml/2006/main">
   <p:cSld>
     <p:spTree>
@@ -7171,84 +7463,7 @@
 </p:sld>
 </file>
 
-<file path=ppt/slides/slide2.xml><?xml version="1.0" encoding="utf-8"?>
-<p:sld xmlns:a="http://schemas.openxmlformats.org/drawingml/2006/main" xmlns:r="http://schemas.openxmlformats.org/officeDocument/2006/relationships" xmlns:p="http://schemas.openxmlformats.org/presentationml/2006/main">
-  <p:cSld>
-    <p:spTree>
-      <p:nvGrpSpPr>
-        <p:cNvPr id="1" name=""/>
-        <p:cNvGrpSpPr/>
-        <p:nvPr/>
-      </p:nvGrpSpPr>
-      <p:grpSpPr>
-        <a:xfrm>
-          <a:off x="0" y="0"/>
-          <a:ext cx="0" cy="0"/>
-          <a:chOff x="0" y="0"/>
-          <a:chExt cx="0" cy="0"/>
-        </a:xfrm>
-      </p:grpSpPr>
-      <p:sp>
-        <p:nvSpPr>
-          <p:cNvPr id="2" name="Заголовок 1"/>
-          <p:cNvSpPr>
-            <a:spLocks noGrp="1"/>
-          </p:cNvSpPr>
-          <p:nvPr>
-            <p:ph type="title"/>
-          </p:nvPr>
-        </p:nvSpPr>
-        <p:spPr>
-          <a:xfrm>
-            <a:off x="457200" y="2502024"/>
-            <a:ext cx="8229600" cy="1143000"/>
-          </a:xfrm>
-        </p:spPr>
-        <p:txBody>
-          <a:bodyPr/>
-          <a:lstStyle/>
-          <a:p>
-            <a:r>
-              <a:rPr lang="ru-RU" b="1" dirty="0" smtClean="0">
-                <a:solidFill>
-                  <a:schemeClr val="accent6">
-                    <a:lumMod val="50000"/>
-                  </a:schemeClr>
-                </a:solidFill>
-              </a:rPr>
-              <a:t>Собственно, зачем?</a:t>
-            </a:r>
-            <a:endParaRPr lang="ru-RU" b="1" dirty="0">
-              <a:solidFill>
-                <a:schemeClr val="accent6">
-                  <a:lumMod val="50000"/>
-                </a:schemeClr>
-              </a:solidFill>
-            </a:endParaRPr>
-          </a:p>
-        </p:txBody>
-      </p:sp>
-    </p:spTree>
-    <p:extLst>
-      <p:ext uri="{BB962C8B-B14F-4D97-AF65-F5344CB8AC3E}">
-        <p14:creationId xmlns:p14="http://schemas.microsoft.com/office/powerpoint/2010/main" val="2937989642"/>
-      </p:ext>
-    </p:extLst>
-  </p:cSld>
-  <p:clrMapOvr>
-    <a:masterClrMapping/>
-  </p:clrMapOvr>
-  <p:timing>
-    <p:tnLst>
-      <p:par>
-        <p:cTn id="1" dur="indefinite" restart="never" nodeType="tmRoot"/>
-      </p:par>
-    </p:tnLst>
-  </p:timing>
-</p:sld>
-</file>
-
-<file path=ppt/slides/slide20.xml><?xml version="1.0" encoding="utf-8"?>
+<file path=ppt/slides/slide21.xml><?xml version="1.0" encoding="utf-8"?>
 <p:sld xmlns:a="http://schemas.openxmlformats.org/drawingml/2006/main" xmlns:r="http://schemas.openxmlformats.org/officeDocument/2006/relationships" xmlns:p="http://schemas.openxmlformats.org/presentationml/2006/main">
   <p:cSld>
     <p:spTree>
@@ -7507,547 +7722,6 @@
     <p:extLst>
       <p:ext uri="{BB962C8B-B14F-4D97-AF65-F5344CB8AC3E}">
         <p14:creationId xmlns:p14="http://schemas.microsoft.com/office/powerpoint/2010/main" val="2611482510"/>
-      </p:ext>
-    </p:extLst>
-  </p:cSld>
-  <p:clrMapOvr>
-    <a:masterClrMapping/>
-  </p:clrMapOvr>
-  <p:timing>
-    <p:tnLst>
-      <p:par>
-        <p:cTn id="1" dur="indefinite" restart="never" nodeType="tmRoot"/>
-      </p:par>
-    </p:tnLst>
-  </p:timing>
-</p:sld>
-</file>
-
-<file path=ppt/slides/slide21.xml><?xml version="1.0" encoding="utf-8"?>
-<p:sld xmlns:a="http://schemas.openxmlformats.org/drawingml/2006/main" xmlns:r="http://schemas.openxmlformats.org/officeDocument/2006/relationships" xmlns:p="http://schemas.openxmlformats.org/presentationml/2006/main">
-  <p:cSld>
-    <p:spTree>
-      <p:nvGrpSpPr>
-        <p:cNvPr id="1" name=""/>
-        <p:cNvGrpSpPr/>
-        <p:nvPr/>
-      </p:nvGrpSpPr>
-      <p:grpSpPr>
-        <a:xfrm>
-          <a:off x="0" y="0"/>
-          <a:ext cx="0" cy="0"/>
-          <a:chOff x="0" y="0"/>
-          <a:chExt cx="0" cy="0"/>
-        </a:xfrm>
-      </p:grpSpPr>
-      <p:sp>
-        <p:nvSpPr>
-          <p:cNvPr id="3" name="Объект 2"/>
-          <p:cNvSpPr>
-            <a:spLocks noGrp="1"/>
-          </p:cNvSpPr>
-          <p:nvPr>
-            <p:ph idx="1"/>
-          </p:nvPr>
-        </p:nvSpPr>
-        <p:spPr/>
-        <p:txBody>
-          <a:bodyPr>
-            <a:normAutofit/>
-          </a:bodyPr>
-          <a:lstStyle/>
-          <a:p>
-            <a:pPr marL="0" indent="0">
-              <a:buNone/>
-            </a:pPr>
-            <a:r>
-              <a:rPr lang="en-US" sz="2400" dirty="0">
-                <a:solidFill>
-                  <a:srgbClr val="0000FF"/>
-                </a:solidFill>
-                <a:highlight>
-                  <a:srgbClr val="FFFFFF"/>
-                </a:highlight>
-                <a:latin typeface="Consolas"/>
-              </a:rPr>
-              <a:t>string</a:t>
-            </a:r>
-            <a:r>
-              <a:rPr lang="en-US" sz="2400" dirty="0">
-                <a:solidFill>
-                  <a:srgbClr val="000000"/>
-                </a:solidFill>
-                <a:highlight>
-                  <a:srgbClr val="FFFFFF"/>
-                </a:highlight>
-                <a:latin typeface="Consolas"/>
-              </a:rPr>
-              <a:t> </a:t>
-            </a:r>
-            <a:r>
-              <a:rPr lang="en-US" sz="2400" dirty="0" err="1">
-                <a:solidFill>
-                  <a:srgbClr val="000000"/>
-                </a:solidFill>
-                <a:highlight>
-                  <a:srgbClr val="FFFFFF"/>
-                </a:highlight>
-                <a:latin typeface="Consolas"/>
-              </a:rPr>
-              <a:t>ReadField</a:t>
-            </a:r>
-            <a:r>
-              <a:rPr lang="en-US" sz="2400" dirty="0">
-                <a:solidFill>
-                  <a:srgbClr val="000000"/>
-                </a:solidFill>
-                <a:highlight>
-                  <a:srgbClr val="FFFFFF"/>
-                </a:highlight>
-                <a:latin typeface="Consolas"/>
-              </a:rPr>
-              <a:t>(</a:t>
-            </a:r>
-            <a:r>
-              <a:rPr lang="en-US" sz="2400" dirty="0">
-                <a:solidFill>
-                  <a:srgbClr val="0000FF"/>
-                </a:solidFill>
-                <a:highlight>
-                  <a:srgbClr val="FFFFFF"/>
-                </a:highlight>
-                <a:latin typeface="Consolas"/>
-              </a:rPr>
-              <a:t>string</a:t>
-            </a:r>
-            <a:r>
-              <a:rPr lang="en-US" sz="2400" dirty="0">
-                <a:solidFill>
-                  <a:srgbClr val="000000"/>
-                </a:solidFill>
-                <a:highlight>
-                  <a:srgbClr val="FFFFFF"/>
-                </a:highlight>
-                <a:latin typeface="Consolas"/>
-              </a:rPr>
-              <a:t> line, </a:t>
-            </a:r>
-            <a:r>
-              <a:rPr lang="en-US" sz="2400" dirty="0" err="1">
-                <a:solidFill>
-                  <a:srgbClr val="0000FF"/>
-                </a:solidFill>
-                <a:highlight>
-                  <a:srgbClr val="FFFFFF"/>
-                </a:highlight>
-                <a:latin typeface="Consolas"/>
-              </a:rPr>
-              <a:t>int</a:t>
-            </a:r>
-            <a:r>
-              <a:rPr lang="en-US" sz="2400" dirty="0">
-                <a:solidFill>
-                  <a:srgbClr val="000000"/>
-                </a:solidFill>
-                <a:highlight>
-                  <a:srgbClr val="FFFFFF"/>
-                </a:highlight>
-                <a:latin typeface="Consolas"/>
-              </a:rPr>
-              <a:t> </a:t>
-            </a:r>
-            <a:r>
-              <a:rPr lang="en-US" sz="2400" dirty="0" err="1">
-                <a:solidFill>
-                  <a:srgbClr val="000000"/>
-                </a:solidFill>
-                <a:highlight>
-                  <a:srgbClr val="FFFFFF"/>
-                </a:highlight>
-                <a:latin typeface="Consolas"/>
-              </a:rPr>
-              <a:t>startPos</a:t>
-            </a:r>
-            <a:r>
-              <a:rPr lang="en-US" sz="2400" dirty="0">
-                <a:solidFill>
-                  <a:srgbClr val="000000"/>
-                </a:solidFill>
-                <a:highlight>
-                  <a:srgbClr val="FFFFFF"/>
-                </a:highlight>
-                <a:latin typeface="Consolas"/>
-              </a:rPr>
-              <a:t>)</a:t>
-            </a:r>
-          </a:p>
-          <a:p>
-            <a:pPr marL="0" indent="0">
-              <a:buNone/>
-            </a:pPr>
-            <a:r>
-              <a:rPr lang="ru-RU" sz="2000" dirty="0">
-                <a:solidFill>
-                  <a:srgbClr val="000000"/>
-                </a:solidFill>
-                <a:highlight>
-                  <a:srgbClr val="FFFFFF"/>
-                </a:highlight>
-                <a:latin typeface="Consolas"/>
-              </a:rPr>
-              <a:t>{</a:t>
-            </a:r>
-          </a:p>
-          <a:p>
-            <a:pPr marL="0" indent="0">
-              <a:buNone/>
-            </a:pPr>
-            <a:r>
-              <a:rPr lang="en-US" sz="2000" dirty="0" smtClean="0">
-                <a:solidFill>
-                  <a:srgbClr val="0000FF"/>
-                </a:solidFill>
-                <a:highlight>
-                  <a:srgbClr val="FFFFFF"/>
-                </a:highlight>
-                <a:latin typeface="Consolas"/>
-              </a:rPr>
-              <a:t>	if</a:t>
-            </a:r>
-            <a:r>
-              <a:rPr lang="en-US" sz="2000" dirty="0" smtClean="0">
-                <a:solidFill>
-                  <a:srgbClr val="000000"/>
-                </a:solidFill>
-                <a:highlight>
-                  <a:srgbClr val="FFFFFF"/>
-                </a:highlight>
-                <a:latin typeface="Consolas"/>
-              </a:rPr>
-              <a:t> </a:t>
-            </a:r>
-            <a:r>
-              <a:rPr lang="en-US" sz="2000" dirty="0">
-                <a:solidFill>
-                  <a:srgbClr val="000000"/>
-                </a:solidFill>
-                <a:highlight>
-                  <a:srgbClr val="FFFFFF"/>
-                </a:highlight>
-                <a:latin typeface="Consolas"/>
-              </a:rPr>
-              <a:t>(</a:t>
-            </a:r>
-            <a:r>
-              <a:rPr lang="en-US" sz="2000" dirty="0" err="1">
-                <a:solidFill>
-                  <a:srgbClr val="000000"/>
-                </a:solidFill>
-                <a:highlight>
-                  <a:srgbClr val="FFFFFF"/>
-                </a:highlight>
-                <a:latin typeface="Consolas"/>
-              </a:rPr>
-              <a:t>IsQuoteChar</a:t>
-            </a:r>
-            <a:r>
-              <a:rPr lang="en-US" sz="2000" dirty="0">
-                <a:solidFill>
-                  <a:srgbClr val="000000"/>
-                </a:solidFill>
-                <a:highlight>
-                  <a:srgbClr val="FFFFFF"/>
-                </a:highlight>
-                <a:latin typeface="Consolas"/>
-              </a:rPr>
-              <a:t>(line[</a:t>
-            </a:r>
-            <a:r>
-              <a:rPr lang="en-US" sz="2000" dirty="0" err="1">
-                <a:solidFill>
-                  <a:srgbClr val="000000"/>
-                </a:solidFill>
-                <a:highlight>
-                  <a:srgbClr val="FFFFFF"/>
-                </a:highlight>
-                <a:latin typeface="Consolas"/>
-              </a:rPr>
-              <a:t>startPos</a:t>
-            </a:r>
-            <a:r>
-              <a:rPr lang="en-US" sz="2000" dirty="0">
-                <a:solidFill>
-                  <a:srgbClr val="000000"/>
-                </a:solidFill>
-                <a:highlight>
-                  <a:srgbClr val="FFFFFF"/>
-                </a:highlight>
-                <a:latin typeface="Consolas"/>
-              </a:rPr>
-              <a:t>])) </a:t>
-            </a:r>
-          </a:p>
-          <a:p>
-            <a:pPr marL="0" indent="0">
-              <a:buNone/>
-            </a:pPr>
-            <a:r>
-              <a:rPr lang="en-US" sz="2000" dirty="0" smtClean="0">
-                <a:solidFill>
-                  <a:srgbClr val="0000FF"/>
-                </a:solidFill>
-                <a:highlight>
-                  <a:srgbClr val="FFFFFF"/>
-                </a:highlight>
-                <a:latin typeface="Consolas"/>
-              </a:rPr>
-              <a:t>		return</a:t>
-            </a:r>
-            <a:r>
-              <a:rPr lang="en-US" sz="2000" dirty="0" smtClean="0">
-                <a:solidFill>
-                  <a:srgbClr val="000000"/>
-                </a:solidFill>
-                <a:highlight>
-                  <a:srgbClr val="FFFFFF"/>
-                </a:highlight>
-                <a:latin typeface="Consolas"/>
-              </a:rPr>
-              <a:t> </a:t>
-            </a:r>
-            <a:r>
-              <a:rPr lang="en-US" sz="2000" dirty="0" err="1" smtClean="0">
-                <a:solidFill>
-                  <a:srgbClr val="000000"/>
-                </a:solidFill>
-                <a:highlight>
-                  <a:srgbClr val="FFFFFF"/>
-                </a:highlight>
-                <a:latin typeface="Consolas"/>
-              </a:rPr>
-              <a:t>ReadQuotedField</a:t>
-            </a:r>
-            <a:r>
-              <a:rPr lang="en-US" sz="2000" dirty="0" smtClean="0">
-                <a:solidFill>
-                  <a:srgbClr val="000000"/>
-                </a:solidFill>
-                <a:highlight>
-                  <a:srgbClr val="FFFFFF"/>
-                </a:highlight>
-                <a:latin typeface="Consolas"/>
-              </a:rPr>
-              <a:t>(line</a:t>
-            </a:r>
-            <a:r>
-              <a:rPr lang="en-US" sz="2000" dirty="0">
-                <a:solidFill>
-                  <a:srgbClr val="000000"/>
-                </a:solidFill>
-                <a:highlight>
-                  <a:srgbClr val="FFFFFF"/>
-                </a:highlight>
-                <a:latin typeface="Consolas"/>
-              </a:rPr>
-              <a:t>, </a:t>
-            </a:r>
-            <a:r>
-              <a:rPr lang="en-US" sz="2000" dirty="0" err="1">
-                <a:solidFill>
-                  <a:srgbClr val="000000"/>
-                </a:solidFill>
-                <a:highlight>
-                  <a:srgbClr val="FFFFFF"/>
-                </a:highlight>
-                <a:latin typeface="Consolas"/>
-              </a:rPr>
-              <a:t>startPos</a:t>
-            </a:r>
-            <a:r>
-              <a:rPr lang="en-US" sz="2000" dirty="0">
-                <a:solidFill>
-                  <a:srgbClr val="000000"/>
-                </a:solidFill>
-                <a:highlight>
-                  <a:srgbClr val="FFFFFF"/>
-                </a:highlight>
-                <a:latin typeface="Consolas"/>
-              </a:rPr>
-              <a:t>);</a:t>
-            </a:r>
-          </a:p>
-          <a:p>
-            <a:pPr marL="0" indent="0">
-              <a:buNone/>
-            </a:pPr>
-            <a:r>
-              <a:rPr lang="en-US" sz="2000" dirty="0" smtClean="0">
-                <a:solidFill>
-                  <a:srgbClr val="0000FF"/>
-                </a:solidFill>
-                <a:highlight>
-                  <a:srgbClr val="FFFFFF"/>
-                </a:highlight>
-                <a:latin typeface="Consolas"/>
-              </a:rPr>
-              <a:t>	else</a:t>
-            </a:r>
-            <a:endParaRPr lang="en-US" sz="2000" dirty="0">
-              <a:solidFill>
-                <a:srgbClr val="000000"/>
-              </a:solidFill>
-              <a:highlight>
-                <a:srgbClr val="FFFFFF"/>
-              </a:highlight>
-              <a:latin typeface="Consolas"/>
-            </a:endParaRPr>
-          </a:p>
-          <a:p>
-            <a:pPr marL="0" indent="0">
-              <a:buNone/>
-            </a:pPr>
-            <a:r>
-              <a:rPr lang="en-US" sz="2000" dirty="0" smtClean="0">
-                <a:solidFill>
-                  <a:srgbClr val="0000FF"/>
-                </a:solidFill>
-                <a:highlight>
-                  <a:srgbClr val="FFFFFF"/>
-                </a:highlight>
-                <a:latin typeface="Consolas"/>
-              </a:rPr>
-              <a:t>		return</a:t>
-            </a:r>
-            <a:r>
-              <a:rPr lang="en-US" sz="2000" dirty="0" smtClean="0">
-                <a:solidFill>
-                  <a:srgbClr val="000000"/>
-                </a:solidFill>
-                <a:highlight>
-                  <a:srgbClr val="FFFFFF"/>
-                </a:highlight>
-                <a:latin typeface="Consolas"/>
-              </a:rPr>
-              <a:t> </a:t>
-            </a:r>
-            <a:r>
-              <a:rPr lang="en-US" sz="2000" dirty="0" err="1" smtClean="0">
-                <a:solidFill>
-                  <a:srgbClr val="000000"/>
-                </a:solidFill>
-                <a:highlight>
-                  <a:srgbClr val="FFFFFF"/>
-                </a:highlight>
-                <a:latin typeface="Consolas"/>
-              </a:rPr>
-              <a:t>ReadSimpleField</a:t>
-            </a:r>
-            <a:r>
-              <a:rPr lang="en-US" sz="2000" dirty="0" smtClean="0">
-                <a:solidFill>
-                  <a:srgbClr val="000000"/>
-                </a:solidFill>
-                <a:highlight>
-                  <a:srgbClr val="FFFFFF"/>
-                </a:highlight>
-                <a:latin typeface="Consolas"/>
-              </a:rPr>
-              <a:t>(line</a:t>
-            </a:r>
-            <a:r>
-              <a:rPr lang="en-US" sz="2000" dirty="0">
-                <a:solidFill>
-                  <a:srgbClr val="000000"/>
-                </a:solidFill>
-                <a:highlight>
-                  <a:srgbClr val="FFFFFF"/>
-                </a:highlight>
-                <a:latin typeface="Consolas"/>
-              </a:rPr>
-              <a:t>, </a:t>
-            </a:r>
-            <a:r>
-              <a:rPr lang="en-US" sz="2000" dirty="0" err="1">
-                <a:solidFill>
-                  <a:srgbClr val="000000"/>
-                </a:solidFill>
-                <a:highlight>
-                  <a:srgbClr val="FFFFFF"/>
-                </a:highlight>
-                <a:latin typeface="Consolas"/>
-              </a:rPr>
-              <a:t>startPos</a:t>
-            </a:r>
-            <a:r>
-              <a:rPr lang="en-US" sz="2000" dirty="0">
-                <a:solidFill>
-                  <a:srgbClr val="000000"/>
-                </a:solidFill>
-                <a:highlight>
-                  <a:srgbClr val="FFFFFF"/>
-                </a:highlight>
-                <a:latin typeface="Consolas"/>
-              </a:rPr>
-              <a:t>);</a:t>
-            </a:r>
-          </a:p>
-          <a:p>
-            <a:pPr marL="0" indent="0">
-              <a:buNone/>
-            </a:pPr>
-            <a:r>
-              <a:rPr lang="ru-RU" sz="2000" dirty="0">
-                <a:solidFill>
-                  <a:srgbClr val="000000"/>
-                </a:solidFill>
-                <a:highlight>
-                  <a:srgbClr val="FFFFFF"/>
-                </a:highlight>
-                <a:latin typeface="Consolas"/>
-              </a:rPr>
-              <a:t>}</a:t>
-            </a:r>
-            <a:endParaRPr lang="ru-RU" sz="2000" dirty="0">
-              <a:solidFill>
-                <a:srgbClr val="0000FF"/>
-              </a:solidFill>
-              <a:latin typeface="Consolas" panose="020B0609020204030204" pitchFamily="49" charset="0"/>
-              <a:cs typeface="Consolas" panose="020B0609020204030204" pitchFamily="49" charset="0"/>
-            </a:endParaRPr>
-          </a:p>
-        </p:txBody>
-      </p:sp>
-      <p:sp>
-        <p:nvSpPr>
-          <p:cNvPr id="4" name="Заголовок 1"/>
-          <p:cNvSpPr>
-            <a:spLocks noGrp="1"/>
-          </p:cNvSpPr>
-          <p:nvPr>
-            <p:ph type="title"/>
-          </p:nvPr>
-        </p:nvSpPr>
-        <p:spPr/>
-        <p:txBody>
-          <a:bodyPr/>
-          <a:lstStyle/>
-          <a:p>
-            <a:r>
-              <a:rPr lang="ru-RU" dirty="0" smtClean="0"/>
-              <a:t>Разбить на поля </a:t>
-            </a:r>
-            <a:r>
-              <a:rPr lang="en-US" dirty="0" smtClean="0"/>
-              <a:t>CSV</a:t>
-            </a:r>
-            <a:endParaRPr lang="ru-RU" dirty="0"/>
-          </a:p>
-        </p:txBody>
-      </p:sp>
-    </p:spTree>
-    <p:extLst>
-      <p:ext uri="{BB962C8B-B14F-4D97-AF65-F5344CB8AC3E}">
-        <p14:creationId xmlns:p14="http://schemas.microsoft.com/office/powerpoint/2010/main" val="2687093610"/>
       </p:ext>
     </p:extLst>
   </p:cSld>
@@ -8083,7 +7757,484 @@
       </p:grpSpPr>
       <p:sp>
         <p:nvSpPr>
-          <p:cNvPr id="2" name="Заголовок 1"/>
+          <p:cNvPr id="3" name="Объект 2"/>
+          <p:cNvSpPr>
+            <a:spLocks noGrp="1"/>
+          </p:cNvSpPr>
+          <p:nvPr>
+            <p:ph idx="1"/>
+          </p:nvPr>
+        </p:nvSpPr>
+        <p:spPr/>
+        <p:txBody>
+          <a:bodyPr>
+            <a:normAutofit/>
+          </a:bodyPr>
+          <a:lstStyle/>
+          <a:p>
+            <a:pPr marL="0" indent="0">
+              <a:buNone/>
+            </a:pPr>
+            <a:r>
+              <a:rPr lang="en-US" sz="2400" dirty="0">
+                <a:solidFill>
+                  <a:srgbClr val="0000FF"/>
+                </a:solidFill>
+                <a:highlight>
+                  <a:srgbClr val="FFFFFF"/>
+                </a:highlight>
+                <a:latin typeface="Consolas"/>
+              </a:rPr>
+              <a:t>string</a:t>
+            </a:r>
+            <a:r>
+              <a:rPr lang="en-US" sz="2400" dirty="0">
+                <a:solidFill>
+                  <a:srgbClr val="000000"/>
+                </a:solidFill>
+                <a:highlight>
+                  <a:srgbClr val="FFFFFF"/>
+                </a:highlight>
+                <a:latin typeface="Consolas"/>
+              </a:rPr>
+              <a:t> </a:t>
+            </a:r>
+            <a:r>
+              <a:rPr lang="en-US" sz="2400" dirty="0" err="1">
+                <a:solidFill>
+                  <a:srgbClr val="000000"/>
+                </a:solidFill>
+                <a:highlight>
+                  <a:srgbClr val="FFFFFF"/>
+                </a:highlight>
+                <a:latin typeface="Consolas"/>
+              </a:rPr>
+              <a:t>ReadField</a:t>
+            </a:r>
+            <a:r>
+              <a:rPr lang="en-US" sz="2400" dirty="0">
+                <a:solidFill>
+                  <a:srgbClr val="000000"/>
+                </a:solidFill>
+                <a:highlight>
+                  <a:srgbClr val="FFFFFF"/>
+                </a:highlight>
+                <a:latin typeface="Consolas"/>
+              </a:rPr>
+              <a:t>(</a:t>
+            </a:r>
+            <a:r>
+              <a:rPr lang="en-US" sz="2400" dirty="0">
+                <a:solidFill>
+                  <a:srgbClr val="0000FF"/>
+                </a:solidFill>
+                <a:highlight>
+                  <a:srgbClr val="FFFFFF"/>
+                </a:highlight>
+                <a:latin typeface="Consolas"/>
+              </a:rPr>
+              <a:t>string</a:t>
+            </a:r>
+            <a:r>
+              <a:rPr lang="en-US" sz="2400" dirty="0">
+                <a:solidFill>
+                  <a:srgbClr val="000000"/>
+                </a:solidFill>
+                <a:highlight>
+                  <a:srgbClr val="FFFFFF"/>
+                </a:highlight>
+                <a:latin typeface="Consolas"/>
+              </a:rPr>
+              <a:t> line, </a:t>
+            </a:r>
+            <a:r>
+              <a:rPr lang="en-US" sz="2400" dirty="0" err="1">
+                <a:solidFill>
+                  <a:srgbClr val="0000FF"/>
+                </a:solidFill>
+                <a:highlight>
+                  <a:srgbClr val="FFFFFF"/>
+                </a:highlight>
+                <a:latin typeface="Consolas"/>
+              </a:rPr>
+              <a:t>int</a:t>
+            </a:r>
+            <a:r>
+              <a:rPr lang="en-US" sz="2400" dirty="0">
+                <a:solidFill>
+                  <a:srgbClr val="000000"/>
+                </a:solidFill>
+                <a:highlight>
+                  <a:srgbClr val="FFFFFF"/>
+                </a:highlight>
+                <a:latin typeface="Consolas"/>
+              </a:rPr>
+              <a:t> </a:t>
+            </a:r>
+            <a:r>
+              <a:rPr lang="en-US" sz="2400" dirty="0" err="1">
+                <a:solidFill>
+                  <a:srgbClr val="000000"/>
+                </a:solidFill>
+                <a:highlight>
+                  <a:srgbClr val="FFFFFF"/>
+                </a:highlight>
+                <a:latin typeface="Consolas"/>
+              </a:rPr>
+              <a:t>startPos</a:t>
+            </a:r>
+            <a:r>
+              <a:rPr lang="en-US" sz="2400" dirty="0">
+                <a:solidFill>
+                  <a:srgbClr val="000000"/>
+                </a:solidFill>
+                <a:highlight>
+                  <a:srgbClr val="FFFFFF"/>
+                </a:highlight>
+                <a:latin typeface="Consolas"/>
+              </a:rPr>
+              <a:t>)</a:t>
+            </a:r>
+          </a:p>
+          <a:p>
+            <a:pPr marL="0" indent="0">
+              <a:buNone/>
+            </a:pPr>
+            <a:r>
+              <a:rPr lang="ru-RU" sz="2000" dirty="0">
+                <a:solidFill>
+                  <a:srgbClr val="000000"/>
+                </a:solidFill>
+                <a:highlight>
+                  <a:srgbClr val="FFFFFF"/>
+                </a:highlight>
+                <a:latin typeface="Consolas"/>
+              </a:rPr>
+              <a:t>{</a:t>
+            </a:r>
+          </a:p>
+          <a:p>
+            <a:pPr marL="0" indent="0">
+              <a:buNone/>
+            </a:pPr>
+            <a:r>
+              <a:rPr lang="en-US" sz="2000" dirty="0" smtClean="0">
+                <a:solidFill>
+                  <a:srgbClr val="0000FF"/>
+                </a:solidFill>
+                <a:highlight>
+                  <a:srgbClr val="FFFFFF"/>
+                </a:highlight>
+                <a:latin typeface="Consolas"/>
+              </a:rPr>
+              <a:t>	if</a:t>
+            </a:r>
+            <a:r>
+              <a:rPr lang="en-US" sz="2000" dirty="0" smtClean="0">
+                <a:solidFill>
+                  <a:srgbClr val="000000"/>
+                </a:solidFill>
+                <a:highlight>
+                  <a:srgbClr val="FFFFFF"/>
+                </a:highlight>
+                <a:latin typeface="Consolas"/>
+              </a:rPr>
+              <a:t> </a:t>
+            </a:r>
+            <a:r>
+              <a:rPr lang="en-US" sz="2000" dirty="0">
+                <a:solidFill>
+                  <a:srgbClr val="000000"/>
+                </a:solidFill>
+                <a:highlight>
+                  <a:srgbClr val="FFFFFF"/>
+                </a:highlight>
+                <a:latin typeface="Consolas"/>
+              </a:rPr>
+              <a:t>(</a:t>
+            </a:r>
+            <a:r>
+              <a:rPr lang="en-US" sz="2000" dirty="0" err="1">
+                <a:solidFill>
+                  <a:srgbClr val="000000"/>
+                </a:solidFill>
+                <a:highlight>
+                  <a:srgbClr val="FFFFFF"/>
+                </a:highlight>
+                <a:latin typeface="Consolas"/>
+              </a:rPr>
+              <a:t>IsQuoteChar</a:t>
+            </a:r>
+            <a:r>
+              <a:rPr lang="en-US" sz="2000" dirty="0">
+                <a:solidFill>
+                  <a:srgbClr val="000000"/>
+                </a:solidFill>
+                <a:highlight>
+                  <a:srgbClr val="FFFFFF"/>
+                </a:highlight>
+                <a:latin typeface="Consolas"/>
+              </a:rPr>
+              <a:t>(line[</a:t>
+            </a:r>
+            <a:r>
+              <a:rPr lang="en-US" sz="2000" dirty="0" err="1">
+                <a:solidFill>
+                  <a:srgbClr val="000000"/>
+                </a:solidFill>
+                <a:highlight>
+                  <a:srgbClr val="FFFFFF"/>
+                </a:highlight>
+                <a:latin typeface="Consolas"/>
+              </a:rPr>
+              <a:t>startPos</a:t>
+            </a:r>
+            <a:r>
+              <a:rPr lang="en-US" sz="2000" dirty="0">
+                <a:solidFill>
+                  <a:srgbClr val="000000"/>
+                </a:solidFill>
+                <a:highlight>
+                  <a:srgbClr val="FFFFFF"/>
+                </a:highlight>
+                <a:latin typeface="Consolas"/>
+              </a:rPr>
+              <a:t>])) </a:t>
+            </a:r>
+          </a:p>
+          <a:p>
+            <a:pPr marL="0" indent="0">
+              <a:buNone/>
+            </a:pPr>
+            <a:r>
+              <a:rPr lang="en-US" sz="2000" dirty="0" smtClean="0">
+                <a:solidFill>
+                  <a:srgbClr val="0000FF"/>
+                </a:solidFill>
+                <a:highlight>
+                  <a:srgbClr val="FFFFFF"/>
+                </a:highlight>
+                <a:latin typeface="Consolas"/>
+              </a:rPr>
+              <a:t>		return</a:t>
+            </a:r>
+            <a:r>
+              <a:rPr lang="en-US" sz="2000" dirty="0" smtClean="0">
+                <a:solidFill>
+                  <a:srgbClr val="000000"/>
+                </a:solidFill>
+                <a:highlight>
+                  <a:srgbClr val="FFFFFF"/>
+                </a:highlight>
+                <a:latin typeface="Consolas"/>
+              </a:rPr>
+              <a:t> </a:t>
+            </a:r>
+            <a:r>
+              <a:rPr lang="en-US" sz="2000" dirty="0" err="1" smtClean="0">
+                <a:solidFill>
+                  <a:srgbClr val="000000"/>
+                </a:solidFill>
+                <a:highlight>
+                  <a:srgbClr val="FFFFFF"/>
+                </a:highlight>
+                <a:latin typeface="Consolas"/>
+              </a:rPr>
+              <a:t>ReadQuotedField</a:t>
+            </a:r>
+            <a:r>
+              <a:rPr lang="en-US" sz="2000" dirty="0" smtClean="0">
+                <a:solidFill>
+                  <a:srgbClr val="000000"/>
+                </a:solidFill>
+                <a:highlight>
+                  <a:srgbClr val="FFFFFF"/>
+                </a:highlight>
+                <a:latin typeface="Consolas"/>
+              </a:rPr>
+              <a:t>(line</a:t>
+            </a:r>
+            <a:r>
+              <a:rPr lang="en-US" sz="2000" dirty="0">
+                <a:solidFill>
+                  <a:srgbClr val="000000"/>
+                </a:solidFill>
+                <a:highlight>
+                  <a:srgbClr val="FFFFFF"/>
+                </a:highlight>
+                <a:latin typeface="Consolas"/>
+              </a:rPr>
+              <a:t>, </a:t>
+            </a:r>
+            <a:r>
+              <a:rPr lang="en-US" sz="2000" dirty="0" err="1">
+                <a:solidFill>
+                  <a:srgbClr val="000000"/>
+                </a:solidFill>
+                <a:highlight>
+                  <a:srgbClr val="FFFFFF"/>
+                </a:highlight>
+                <a:latin typeface="Consolas"/>
+              </a:rPr>
+              <a:t>startPos</a:t>
+            </a:r>
+            <a:r>
+              <a:rPr lang="en-US" sz="2000" dirty="0">
+                <a:solidFill>
+                  <a:srgbClr val="000000"/>
+                </a:solidFill>
+                <a:highlight>
+                  <a:srgbClr val="FFFFFF"/>
+                </a:highlight>
+                <a:latin typeface="Consolas"/>
+              </a:rPr>
+              <a:t>);</a:t>
+            </a:r>
+          </a:p>
+          <a:p>
+            <a:pPr marL="0" indent="0">
+              <a:buNone/>
+            </a:pPr>
+            <a:r>
+              <a:rPr lang="en-US" sz="2000" dirty="0" smtClean="0">
+                <a:solidFill>
+                  <a:srgbClr val="0000FF"/>
+                </a:solidFill>
+                <a:highlight>
+                  <a:srgbClr val="FFFFFF"/>
+                </a:highlight>
+                <a:latin typeface="Consolas"/>
+              </a:rPr>
+              <a:t>	else</a:t>
+            </a:r>
+            <a:endParaRPr lang="en-US" sz="2000" dirty="0">
+              <a:solidFill>
+                <a:srgbClr val="000000"/>
+              </a:solidFill>
+              <a:highlight>
+                <a:srgbClr val="FFFFFF"/>
+              </a:highlight>
+              <a:latin typeface="Consolas"/>
+            </a:endParaRPr>
+          </a:p>
+          <a:p>
+            <a:pPr marL="0" indent="0">
+              <a:buNone/>
+            </a:pPr>
+            <a:r>
+              <a:rPr lang="en-US" sz="2000" dirty="0" smtClean="0">
+                <a:solidFill>
+                  <a:srgbClr val="0000FF"/>
+                </a:solidFill>
+                <a:highlight>
+                  <a:srgbClr val="FFFFFF"/>
+                </a:highlight>
+                <a:latin typeface="Consolas"/>
+              </a:rPr>
+              <a:t>		return</a:t>
+            </a:r>
+            <a:r>
+              <a:rPr lang="en-US" sz="2000" dirty="0" smtClean="0">
+                <a:solidFill>
+                  <a:srgbClr val="000000"/>
+                </a:solidFill>
+                <a:highlight>
+                  <a:srgbClr val="FFFFFF"/>
+                </a:highlight>
+                <a:latin typeface="Consolas"/>
+              </a:rPr>
+              <a:t> </a:t>
+            </a:r>
+            <a:r>
+              <a:rPr lang="en-US" sz="2000" dirty="0" err="1" smtClean="0">
+                <a:solidFill>
+                  <a:srgbClr val="000000"/>
+                </a:solidFill>
+                <a:highlight>
+                  <a:srgbClr val="FFFFFF"/>
+                </a:highlight>
+                <a:latin typeface="Consolas"/>
+              </a:rPr>
+              <a:t>ReadSimpleField</a:t>
+            </a:r>
+            <a:r>
+              <a:rPr lang="en-US" sz="2000" dirty="0" smtClean="0">
+                <a:solidFill>
+                  <a:srgbClr val="000000"/>
+                </a:solidFill>
+                <a:highlight>
+                  <a:srgbClr val="FFFFFF"/>
+                </a:highlight>
+                <a:latin typeface="Consolas"/>
+              </a:rPr>
+              <a:t>(line</a:t>
+            </a:r>
+            <a:r>
+              <a:rPr lang="en-US" sz="2000" dirty="0">
+                <a:solidFill>
+                  <a:srgbClr val="000000"/>
+                </a:solidFill>
+                <a:highlight>
+                  <a:srgbClr val="FFFFFF"/>
+                </a:highlight>
+                <a:latin typeface="Consolas"/>
+              </a:rPr>
+              <a:t>, </a:t>
+            </a:r>
+            <a:r>
+              <a:rPr lang="en-US" sz="2000" dirty="0" err="1">
+                <a:solidFill>
+                  <a:srgbClr val="000000"/>
+                </a:solidFill>
+                <a:highlight>
+                  <a:srgbClr val="FFFFFF"/>
+                </a:highlight>
+                <a:latin typeface="Consolas"/>
+              </a:rPr>
+              <a:t>startPos</a:t>
+            </a:r>
+            <a:r>
+              <a:rPr lang="en-US" sz="2000" dirty="0">
+                <a:solidFill>
+                  <a:srgbClr val="000000"/>
+                </a:solidFill>
+                <a:highlight>
+                  <a:srgbClr val="FFFFFF"/>
+                </a:highlight>
+                <a:latin typeface="Consolas"/>
+              </a:rPr>
+              <a:t>);</a:t>
+            </a:r>
+          </a:p>
+          <a:p>
+            <a:pPr marL="0" indent="0">
+              <a:buNone/>
+            </a:pPr>
+            <a:r>
+              <a:rPr lang="ru-RU" sz="2000" dirty="0">
+                <a:solidFill>
+                  <a:srgbClr val="000000"/>
+                </a:solidFill>
+                <a:highlight>
+                  <a:srgbClr val="FFFFFF"/>
+                </a:highlight>
+                <a:latin typeface="Consolas"/>
+              </a:rPr>
+              <a:t>}</a:t>
+            </a:r>
+            <a:endParaRPr lang="ru-RU" sz="2000" dirty="0">
+              <a:solidFill>
+                <a:srgbClr val="0000FF"/>
+              </a:solidFill>
+              <a:latin typeface="Consolas" panose="020B0609020204030204" pitchFamily="49" charset="0"/>
+              <a:cs typeface="Consolas" panose="020B0609020204030204" pitchFamily="49" charset="0"/>
+            </a:endParaRPr>
+          </a:p>
+        </p:txBody>
+      </p:sp>
+      <p:sp>
+        <p:nvSpPr>
+          <p:cNvPr id="4" name="Заголовок 1"/>
           <p:cNvSpPr>
             <a:spLocks noGrp="1"/>
           </p:cNvSpPr>
@@ -8091,30 +8242,18 @@
             <p:ph type="title"/>
           </p:nvPr>
         </p:nvSpPr>
-        <p:spPr>
-          <a:xfrm>
-            <a:off x="457200" y="2564904"/>
-            <a:ext cx="8229600" cy="1143000"/>
-          </a:xfrm>
-        </p:spPr>
+        <p:spPr/>
         <p:txBody>
-          <a:bodyPr>
-            <a:normAutofit fontScale="90000"/>
-          </a:bodyPr>
+          <a:bodyPr/>
           <a:lstStyle/>
           <a:p>
-            <a:pPr algn="l"/>
             <a:r>
               <a:rPr lang="ru-RU" dirty="0" smtClean="0"/>
-              <a:t>Удачные абстракции</a:t>
-            </a:r>
-            <a:r>
-              <a:rPr lang="ru-RU" dirty="0"/>
-              <a:t> </a:t>
-            </a:r>
-            <a:r>
-              <a:rPr lang="ru-RU" dirty="0" smtClean="0"/>
-              <a:t>правят миром</a:t>
+              <a:t>Разбить на поля </a:t>
+            </a:r>
+            <a:r>
+              <a:rPr lang="en-US" dirty="0" smtClean="0"/>
+              <a:t>CSV</a:t>
             </a:r>
             <a:endParaRPr lang="ru-RU" dirty="0"/>
           </a:p>
@@ -8123,7 +8262,7 @@
     </p:spTree>
     <p:extLst>
       <p:ext uri="{BB962C8B-B14F-4D97-AF65-F5344CB8AC3E}">
-        <p14:creationId xmlns:p14="http://schemas.microsoft.com/office/powerpoint/2010/main" val="2148279310"/>
+        <p14:creationId xmlns:p14="http://schemas.microsoft.com/office/powerpoint/2010/main" val="2687093610"/>
       </p:ext>
     </p:extLst>
   </p:cSld>
@@ -8167,6 +8306,82 @@
             <p:ph type="title"/>
           </p:nvPr>
         </p:nvSpPr>
+        <p:spPr>
+          <a:xfrm>
+            <a:off x="457200" y="2564904"/>
+            <a:ext cx="8229600" cy="1143000"/>
+          </a:xfrm>
+        </p:spPr>
+        <p:txBody>
+          <a:bodyPr>
+            <a:normAutofit fontScale="90000"/>
+          </a:bodyPr>
+          <a:lstStyle/>
+          <a:p>
+            <a:pPr algn="l"/>
+            <a:r>
+              <a:rPr lang="ru-RU" dirty="0" smtClean="0"/>
+              <a:t>Удачные абстракции</a:t>
+            </a:r>
+            <a:r>
+              <a:rPr lang="ru-RU" dirty="0"/>
+              <a:t> </a:t>
+            </a:r>
+            <a:r>
+              <a:rPr lang="ru-RU" dirty="0" smtClean="0"/>
+              <a:t>правят миром</a:t>
+            </a:r>
+            <a:endParaRPr lang="ru-RU" dirty="0"/>
+          </a:p>
+        </p:txBody>
+      </p:sp>
+    </p:spTree>
+    <p:extLst>
+      <p:ext uri="{BB962C8B-B14F-4D97-AF65-F5344CB8AC3E}">
+        <p14:creationId xmlns:p14="http://schemas.microsoft.com/office/powerpoint/2010/main" val="2148279310"/>
+      </p:ext>
+    </p:extLst>
+  </p:cSld>
+  <p:clrMapOvr>
+    <a:masterClrMapping/>
+  </p:clrMapOvr>
+  <p:timing>
+    <p:tnLst>
+      <p:par>
+        <p:cTn id="1" dur="indefinite" restart="never" nodeType="tmRoot"/>
+      </p:par>
+    </p:tnLst>
+  </p:timing>
+</p:sld>
+</file>
+
+<file path=ppt/slides/slide24.xml><?xml version="1.0" encoding="utf-8"?>
+<p:sld xmlns:a="http://schemas.openxmlformats.org/drawingml/2006/main" xmlns:r="http://schemas.openxmlformats.org/officeDocument/2006/relationships" xmlns:p="http://schemas.openxmlformats.org/presentationml/2006/main">
+  <p:cSld>
+    <p:spTree>
+      <p:nvGrpSpPr>
+        <p:cNvPr id="1" name=""/>
+        <p:cNvGrpSpPr/>
+        <p:nvPr/>
+      </p:nvGrpSpPr>
+      <p:grpSpPr>
+        <a:xfrm>
+          <a:off x="0" y="0"/>
+          <a:ext cx="0" cy="0"/>
+          <a:chOff x="0" y="0"/>
+          <a:chExt cx="0" cy="0"/>
+        </a:xfrm>
+      </p:grpSpPr>
+      <p:sp>
+        <p:nvSpPr>
+          <p:cNvPr id="2" name="Заголовок 1"/>
+          <p:cNvSpPr>
+            <a:spLocks noGrp="1"/>
+          </p:cNvSpPr>
+          <p:nvPr>
+            <p:ph type="title"/>
+          </p:nvPr>
+        </p:nvSpPr>
         <p:spPr/>
         <p:txBody>
           <a:bodyPr>
@@ -8281,7 +8496,15 @@
             </a:r>
             <a:r>
               <a:rPr lang="en-US" sz="3600" dirty="0" smtClean="0"/>
-              <a:t>F2</a:t>
+              <a:t>F2 </a:t>
+            </a:r>
+            <a:r>
+              <a:rPr lang="ru-RU" sz="3600" dirty="0" smtClean="0"/>
+              <a:t>или </a:t>
+            </a:r>
+            <a:r>
+              <a:rPr lang="en-US" sz="3600" dirty="0" err="1" smtClean="0"/>
+              <a:t>Ctrl+R+R</a:t>
             </a:r>
             <a:endParaRPr lang="en-US" sz="3600" dirty="0"/>
           </a:p>
@@ -8472,7 +8695,154 @@
 </p:sld>
 </file>
 
-<file path=ppt/slides/slide24.xml><?xml version="1.0" encoding="utf-8"?>
+<file path=ppt/slides/slide25.xml><?xml version="1.0" encoding="utf-8"?>
+<p:sld xmlns:a="http://schemas.openxmlformats.org/drawingml/2006/main" xmlns:r="http://schemas.openxmlformats.org/officeDocument/2006/relationships" xmlns:p="http://schemas.openxmlformats.org/presentationml/2006/main" show="0">
+  <p:cSld>
+    <p:spTree>
+      <p:nvGrpSpPr>
+        <p:cNvPr id="1" name=""/>
+        <p:cNvGrpSpPr/>
+        <p:nvPr/>
+      </p:nvGrpSpPr>
+      <p:grpSpPr>
+        <a:xfrm>
+          <a:off x="0" y="0"/>
+          <a:ext cx="0" cy="0"/>
+          <a:chOff x="0" y="0"/>
+          <a:chExt cx="0" cy="0"/>
+        </a:xfrm>
+      </p:grpSpPr>
+      <p:sp>
+        <p:nvSpPr>
+          <p:cNvPr id="2" name="Заголовок 1"/>
+          <p:cNvSpPr>
+            <a:spLocks noGrp="1"/>
+          </p:cNvSpPr>
+          <p:nvPr>
+            <p:ph type="title"/>
+          </p:nvPr>
+        </p:nvSpPr>
+        <p:spPr/>
+        <p:txBody>
+          <a:bodyPr>
+            <a:normAutofit fontScale="90000"/>
+          </a:bodyPr>
+          <a:lstStyle/>
+          <a:p>
+            <a:r>
+              <a:rPr lang="ru-RU" dirty="0" smtClean="0"/>
+              <a:t>Задача </a:t>
+            </a:r>
+            <a:br>
+              <a:rPr lang="ru-RU" dirty="0" smtClean="0"/>
+            </a:br>
+            <a:r>
+              <a:rPr lang="ru-RU" dirty="0" smtClean="0"/>
+              <a:t>«Частотный словарь 2-грамм»</a:t>
+            </a:r>
+            <a:endParaRPr lang="ru-RU" dirty="0"/>
+          </a:p>
+        </p:txBody>
+      </p:sp>
+      <p:sp>
+        <p:nvSpPr>
+          <p:cNvPr id="3" name="Объект 2"/>
+          <p:cNvSpPr>
+            <a:spLocks noGrp="1"/>
+          </p:cNvSpPr>
+          <p:nvPr>
+            <p:ph idx="1"/>
+          </p:nvPr>
+        </p:nvSpPr>
+        <p:spPr>
+          <a:xfrm>
+            <a:off x="457200" y="1556792"/>
+            <a:ext cx="8229600" cy="4525963"/>
+          </a:xfrm>
+        </p:spPr>
+        <p:txBody>
+          <a:bodyPr/>
+          <a:lstStyle/>
+          <a:p>
+            <a:pPr marL="0" indent="0">
+              <a:buNone/>
+            </a:pPr>
+            <a:r>
+              <a:rPr lang="ru-RU" b="1" dirty="0" smtClean="0"/>
+              <a:t>На вход:</a:t>
+            </a:r>
+            <a:r>
+              <a:rPr lang="ru-RU" dirty="0" smtClean="0"/>
+              <a:t> файл с текстом</a:t>
+            </a:r>
+          </a:p>
+          <a:p>
+            <a:pPr marL="0" indent="0">
+              <a:buNone/>
+            </a:pPr>
+            <a:r>
+              <a:rPr lang="ru-RU" b="1" dirty="0" smtClean="0"/>
+              <a:t>На выход:</a:t>
+            </a:r>
+            <a:r>
+              <a:rPr lang="ru-RU" dirty="0" smtClean="0"/>
+              <a:t> 100 самых распространенных </a:t>
+            </a:r>
+            <a:br>
+              <a:rPr lang="ru-RU" dirty="0" smtClean="0"/>
+            </a:br>
+            <a:r>
+              <a:rPr lang="ru-RU" dirty="0" smtClean="0"/>
+              <a:t>2-грамм, с указанием частоты</a:t>
+            </a:r>
+          </a:p>
+          <a:p>
+            <a:pPr marL="0" indent="0">
+              <a:buNone/>
+            </a:pPr>
+            <a:endParaRPr lang="ru-RU" dirty="0"/>
+          </a:p>
+          <a:p>
+            <a:pPr marL="0" indent="0">
+              <a:buNone/>
+            </a:pPr>
+            <a:r>
+              <a:rPr lang="ru-RU" sz="4400" dirty="0" smtClean="0"/>
+              <a:t>Как проводить декомпозицию?</a:t>
+            </a:r>
+            <a:endParaRPr lang="ru-RU" sz="4400" dirty="0"/>
+          </a:p>
+        </p:txBody>
+      </p:sp>
+    </p:spTree>
+    <p:extLst>
+      <p:ext uri="{BB962C8B-B14F-4D97-AF65-F5344CB8AC3E}">
+        <p14:creationId xmlns:p14="http://schemas.microsoft.com/office/powerpoint/2010/main" val="4151558387"/>
+      </p:ext>
+    </p:extLst>
+  </p:cSld>
+  <p:clrMapOvr>
+    <a:masterClrMapping/>
+  </p:clrMapOvr>
+  <mc:AlternateContent xmlns:mc="http://schemas.openxmlformats.org/markup-compatibility/2006">
+    <mc:Choice xmlns:p14="http://schemas.microsoft.com/office/powerpoint/2010/main" Requires="p14">
+      <p:transition spd="slow" p14:dur="2000"/>
+    </mc:Choice>
+    <mc:Fallback>
+      <p:transition spd="slow"/>
+    </mc:Fallback>
+  </mc:AlternateContent>
+  <p:timing>
+    <p:tnLst>
+      <p:par>
+        <p:cTn id="1" dur="indefinite" restart="never" nodeType="tmRoot"/>
+      </p:par>
+    </p:tnLst>
+  </p:timing>
+</p:sld>
+</file>
+
+<file path=ppt/slides/slide26.xml><?xml version="1.0" encoding="utf-8"?>
 <p:sld xmlns:a="http://schemas.openxmlformats.org/drawingml/2006/main" xmlns:r="http://schemas.openxmlformats.org/officeDocument/2006/relationships" xmlns:p="http://schemas.openxmlformats.org/presentationml/2006/main">
   <p:cSld>
     <p:spTree>
@@ -8508,145 +8878,6 @@
           <a:p>
             <a:r>
               <a:rPr lang="ru-RU" dirty="0" smtClean="0"/>
-              <a:t>Задача </a:t>
-            </a:r>
-            <a:br>
-              <a:rPr lang="ru-RU" dirty="0" smtClean="0"/>
-            </a:br>
-            <a:r>
-              <a:rPr lang="ru-RU" dirty="0" smtClean="0"/>
-              <a:t>«Частотный словарь 2-грамм»</a:t>
-            </a:r>
-            <a:endParaRPr lang="ru-RU" dirty="0"/>
-          </a:p>
-        </p:txBody>
-      </p:sp>
-      <p:sp>
-        <p:nvSpPr>
-          <p:cNvPr id="3" name="Объект 2"/>
-          <p:cNvSpPr>
-            <a:spLocks noGrp="1"/>
-          </p:cNvSpPr>
-          <p:nvPr>
-            <p:ph idx="1"/>
-          </p:nvPr>
-        </p:nvSpPr>
-        <p:spPr>
-          <a:xfrm>
-            <a:off x="457200" y="1556792"/>
-            <a:ext cx="8229600" cy="4525963"/>
-          </a:xfrm>
-        </p:spPr>
-        <p:txBody>
-          <a:bodyPr/>
-          <a:lstStyle/>
-          <a:p>
-            <a:pPr marL="0" indent="0">
-              <a:buNone/>
-            </a:pPr>
-            <a:r>
-              <a:rPr lang="ru-RU" b="1" dirty="0" smtClean="0"/>
-              <a:t>На вход:</a:t>
-            </a:r>
-            <a:r>
-              <a:rPr lang="ru-RU" dirty="0" smtClean="0"/>
-              <a:t> файл с текстом</a:t>
-            </a:r>
-          </a:p>
-          <a:p>
-            <a:pPr marL="0" indent="0">
-              <a:buNone/>
-            </a:pPr>
-            <a:r>
-              <a:rPr lang="ru-RU" b="1" dirty="0" smtClean="0"/>
-              <a:t>На выход:</a:t>
-            </a:r>
-            <a:r>
-              <a:rPr lang="ru-RU" dirty="0" smtClean="0"/>
-              <a:t> 100 самых распространенных </a:t>
-            </a:r>
-            <a:br>
-              <a:rPr lang="ru-RU" dirty="0" smtClean="0"/>
-            </a:br>
-            <a:r>
-              <a:rPr lang="ru-RU" dirty="0" smtClean="0"/>
-              <a:t>2-грамм, с указанием частоты</a:t>
-            </a:r>
-          </a:p>
-          <a:p>
-            <a:pPr marL="0" indent="0">
-              <a:buNone/>
-            </a:pPr>
-            <a:endParaRPr lang="ru-RU" dirty="0"/>
-          </a:p>
-          <a:p>
-            <a:pPr marL="0" indent="0">
-              <a:buNone/>
-            </a:pPr>
-            <a:r>
-              <a:rPr lang="ru-RU" sz="4400" dirty="0" smtClean="0"/>
-              <a:t>Как проводить декомпозицию?</a:t>
-            </a:r>
-            <a:endParaRPr lang="ru-RU" sz="4400" dirty="0"/>
-          </a:p>
-        </p:txBody>
-      </p:sp>
-    </p:spTree>
-    <p:extLst>
-      <p:ext uri="{BB962C8B-B14F-4D97-AF65-F5344CB8AC3E}">
-        <p14:creationId xmlns:p14="http://schemas.microsoft.com/office/powerpoint/2010/main" val="4151558387"/>
-      </p:ext>
-    </p:extLst>
-  </p:cSld>
-  <p:clrMapOvr>
-    <a:masterClrMapping/>
-  </p:clrMapOvr>
-  <p:timing>
-    <p:tnLst>
-      <p:par>
-        <p:cTn id="1" dur="indefinite" restart="never" nodeType="tmRoot"/>
-      </p:par>
-    </p:tnLst>
-  </p:timing>
-</p:sld>
-</file>
-
-<file path=ppt/slides/slide25.xml><?xml version="1.0" encoding="utf-8"?>
-<p:sld xmlns:a="http://schemas.openxmlformats.org/drawingml/2006/main" xmlns:r="http://schemas.openxmlformats.org/officeDocument/2006/relationships" xmlns:p="http://schemas.openxmlformats.org/presentationml/2006/main">
-  <p:cSld>
-    <p:spTree>
-      <p:nvGrpSpPr>
-        <p:cNvPr id="1" name=""/>
-        <p:cNvGrpSpPr/>
-        <p:nvPr/>
-      </p:nvGrpSpPr>
-      <p:grpSpPr>
-        <a:xfrm>
-          <a:off x="0" y="0"/>
-          <a:ext cx="0" cy="0"/>
-          <a:chOff x="0" y="0"/>
-          <a:chExt cx="0" cy="0"/>
-        </a:xfrm>
-      </p:grpSpPr>
-      <p:sp>
-        <p:nvSpPr>
-          <p:cNvPr id="2" name="Заголовок 1"/>
-          <p:cNvSpPr>
-            <a:spLocks noGrp="1"/>
-          </p:cNvSpPr>
-          <p:nvPr>
-            <p:ph type="title"/>
-          </p:nvPr>
-        </p:nvSpPr>
-        <p:spPr/>
-        <p:txBody>
-          <a:bodyPr>
-            <a:normAutofit fontScale="90000"/>
-          </a:bodyPr>
-          <a:lstStyle/>
-          <a:p>
-            <a:r>
-              <a:rPr lang="ru-RU" dirty="0" smtClean="0"/>
               <a:t>Декомпозиция — простые мысли</a:t>
             </a:r>
             <a:endParaRPr lang="ru-RU" dirty="0"/>
@@ -8710,7 +8941,7 @@
 </p:sld>
 </file>
 
-<file path=ppt/slides/slide26.xml><?xml version="1.0" encoding="utf-8"?>
+<file path=ppt/slides/slide27.xml><?xml version="1.0" encoding="utf-8"?>
 <p:sld xmlns:a="http://schemas.openxmlformats.org/drawingml/2006/main" xmlns:r="http://schemas.openxmlformats.org/officeDocument/2006/relationships" xmlns:p="http://schemas.openxmlformats.org/presentationml/2006/main">
   <p:cSld>
     <p:spTree>
@@ -9088,8 +9319,8 @@
 </p:sld>
 </file>
 
-<file path=ppt/slides/slide27.xml><?xml version="1.0" encoding="utf-8"?>
-<p:sld xmlns:a="http://schemas.openxmlformats.org/drawingml/2006/main" xmlns:r="http://schemas.openxmlformats.org/officeDocument/2006/relationships" xmlns:p="http://schemas.openxmlformats.org/presentationml/2006/main">
+<file path=ppt/slides/slide28.xml><?xml version="1.0" encoding="utf-8"?>
+<p:sld xmlns:a="http://schemas.openxmlformats.org/drawingml/2006/main" xmlns:r="http://schemas.openxmlformats.org/officeDocument/2006/relationships" xmlns:p="http://schemas.openxmlformats.org/presentationml/2006/main" show="0">
   <p:cSld>
     <p:spTree>
       <p:nvGrpSpPr>
@@ -9185,6 +9416,14 @@
   <p:clrMapOvr>
     <a:masterClrMapping/>
   </p:clrMapOvr>
+  <mc:AlternateContent xmlns:mc="http://schemas.openxmlformats.org/markup-compatibility/2006">
+    <mc:Choice xmlns:p14="http://schemas.microsoft.com/office/powerpoint/2010/main" Requires="p14">
+      <p:transition spd="slow" p14:dur="2000"/>
+    </mc:Choice>
+    <mc:Fallback>
+      <p:transition spd="slow"/>
+    </mc:Fallback>
+  </mc:AlternateContent>
   <p:timing>
     <p:tnLst>
       <p:par>
@@ -9417,7 +9656,7 @@
 </p:sld>
 </file>
 
-<file path=ppt/slides/slide28.xml><?xml version="1.0" encoding="utf-8"?>
+<file path=ppt/slides/slide29.xml><?xml version="1.0" encoding="utf-8"?>
 <p:sld xmlns:a="http://schemas.openxmlformats.org/drawingml/2006/main" xmlns:r="http://schemas.openxmlformats.org/officeDocument/2006/relationships" xmlns:p="http://schemas.openxmlformats.org/presentationml/2006/main">
   <p:cSld>
     <p:spTree>
@@ -9463,93 +9702,6 @@
     <p:extLst>
       <p:ext uri="{BB962C8B-B14F-4D97-AF65-F5344CB8AC3E}">
         <p14:creationId xmlns:p14="http://schemas.microsoft.com/office/powerpoint/2010/main" val="1063392009"/>
-      </p:ext>
-    </p:extLst>
-  </p:cSld>
-  <p:clrMapOvr>
-    <a:masterClrMapping/>
-  </p:clrMapOvr>
-  <p:timing>
-    <p:tnLst>
-      <p:par>
-        <p:cTn id="1" dur="indefinite" restart="never" nodeType="tmRoot"/>
-      </p:par>
-    </p:tnLst>
-  </p:timing>
-</p:sld>
-</file>
-
-<file path=ppt/slides/slide29.xml><?xml version="1.0" encoding="utf-8"?>
-<p:sld xmlns:a="http://schemas.openxmlformats.org/drawingml/2006/main" xmlns:r="http://schemas.openxmlformats.org/officeDocument/2006/relationships" xmlns:p="http://schemas.openxmlformats.org/presentationml/2006/main">
-  <p:cSld>
-    <p:spTree>
-      <p:nvGrpSpPr>
-        <p:cNvPr id="1" name=""/>
-        <p:cNvGrpSpPr/>
-        <p:nvPr/>
-      </p:nvGrpSpPr>
-      <p:grpSpPr>
-        <a:xfrm>
-          <a:off x="0" y="0"/>
-          <a:ext cx="0" cy="0"/>
-          <a:chOff x="0" y="0"/>
-          <a:chExt cx="0" cy="0"/>
-        </a:xfrm>
-      </p:grpSpPr>
-      <p:sp>
-        <p:nvSpPr>
-          <p:cNvPr id="2" name="Заголовок 1"/>
-          <p:cNvSpPr>
-            <a:spLocks noGrp="1"/>
-          </p:cNvSpPr>
-          <p:nvPr>
-            <p:ph type="title"/>
-          </p:nvPr>
-        </p:nvSpPr>
-        <p:spPr/>
-        <p:txBody>
-          <a:bodyPr>
-            <a:normAutofit/>
-          </a:bodyPr>
-          <a:lstStyle/>
-          <a:p>
-            <a:r>
-              <a:rPr lang="ru-RU" dirty="0" smtClean="0"/>
-              <a:t>Явное управление зависимостями</a:t>
-            </a:r>
-            <a:endParaRPr lang="ru-RU" dirty="0"/>
-          </a:p>
-        </p:txBody>
-      </p:sp>
-      <p:sp>
-        <p:nvSpPr>
-          <p:cNvPr id="4" name="Текст 3"/>
-          <p:cNvSpPr>
-            <a:spLocks noGrp="1"/>
-          </p:cNvSpPr>
-          <p:nvPr>
-            <p:ph type="body" idx="1"/>
-          </p:nvPr>
-        </p:nvSpPr>
-        <p:spPr/>
-        <p:txBody>
-          <a:bodyPr>
-            <a:normAutofit/>
-          </a:bodyPr>
-          <a:lstStyle/>
-          <a:p>
-            <a:r>
-              <a:rPr lang="ru-RU" sz="2800" dirty="0" smtClean="0"/>
-              <a:t>Приводим зависимости в порядок</a:t>
-            </a:r>
-            <a:endParaRPr lang="ru-RU" sz="2800" dirty="0"/>
-          </a:p>
-        </p:txBody>
-      </p:sp>
-    </p:spTree>
-    <p:extLst>
-      <p:ext uri="{BB962C8B-B14F-4D97-AF65-F5344CB8AC3E}">
-        <p14:creationId xmlns:p14="http://schemas.microsoft.com/office/powerpoint/2010/main" val="2939810032"/>
       </p:ext>
     </p:extLst>
   </p:cSld>
@@ -9713,6 +9865,93 @@
 </file>
 
 <file path=ppt/slides/slide30.xml><?xml version="1.0" encoding="utf-8"?>
+<p:sld xmlns:a="http://schemas.openxmlformats.org/drawingml/2006/main" xmlns:r="http://schemas.openxmlformats.org/officeDocument/2006/relationships" xmlns:p="http://schemas.openxmlformats.org/presentationml/2006/main">
+  <p:cSld>
+    <p:spTree>
+      <p:nvGrpSpPr>
+        <p:cNvPr id="1" name=""/>
+        <p:cNvGrpSpPr/>
+        <p:nvPr/>
+      </p:nvGrpSpPr>
+      <p:grpSpPr>
+        <a:xfrm>
+          <a:off x="0" y="0"/>
+          <a:ext cx="0" cy="0"/>
+          <a:chOff x="0" y="0"/>
+          <a:chExt cx="0" cy="0"/>
+        </a:xfrm>
+      </p:grpSpPr>
+      <p:sp>
+        <p:nvSpPr>
+          <p:cNvPr id="2" name="Заголовок 1"/>
+          <p:cNvSpPr>
+            <a:spLocks noGrp="1"/>
+          </p:cNvSpPr>
+          <p:nvPr>
+            <p:ph type="title"/>
+          </p:nvPr>
+        </p:nvSpPr>
+        <p:spPr/>
+        <p:txBody>
+          <a:bodyPr>
+            <a:normAutofit/>
+          </a:bodyPr>
+          <a:lstStyle/>
+          <a:p>
+            <a:r>
+              <a:rPr lang="ru-RU" dirty="0" smtClean="0"/>
+              <a:t>Явное управление зависимостями</a:t>
+            </a:r>
+            <a:endParaRPr lang="ru-RU" dirty="0"/>
+          </a:p>
+        </p:txBody>
+      </p:sp>
+      <p:sp>
+        <p:nvSpPr>
+          <p:cNvPr id="4" name="Текст 3"/>
+          <p:cNvSpPr>
+            <a:spLocks noGrp="1"/>
+          </p:cNvSpPr>
+          <p:nvPr>
+            <p:ph type="body" idx="1"/>
+          </p:nvPr>
+        </p:nvSpPr>
+        <p:spPr/>
+        <p:txBody>
+          <a:bodyPr>
+            <a:normAutofit/>
+          </a:bodyPr>
+          <a:lstStyle/>
+          <a:p>
+            <a:r>
+              <a:rPr lang="ru-RU" sz="2800" dirty="0" smtClean="0"/>
+              <a:t>Приводим зависимости в порядок</a:t>
+            </a:r>
+            <a:endParaRPr lang="ru-RU" sz="2800" dirty="0"/>
+          </a:p>
+        </p:txBody>
+      </p:sp>
+    </p:spTree>
+    <p:extLst>
+      <p:ext uri="{BB962C8B-B14F-4D97-AF65-F5344CB8AC3E}">
+        <p14:creationId xmlns:p14="http://schemas.microsoft.com/office/powerpoint/2010/main" val="2939810032"/>
+      </p:ext>
+    </p:extLst>
+  </p:cSld>
+  <p:clrMapOvr>
+    <a:masterClrMapping/>
+  </p:clrMapOvr>
+  <p:timing>
+    <p:tnLst>
+      <p:par>
+        <p:cTn id="1" dur="indefinite" restart="never" nodeType="tmRoot"/>
+      </p:par>
+    </p:tnLst>
+  </p:timing>
+</p:sld>
+</file>
+
+<file path=ppt/slides/slide31.xml><?xml version="1.0" encoding="utf-8"?>
 <p:sld xmlns:a="http://schemas.openxmlformats.org/drawingml/2006/main" xmlns:r="http://schemas.openxmlformats.org/officeDocument/2006/relationships" xmlns:p="http://schemas.openxmlformats.org/presentationml/2006/main">
   <p:cSld>
     <p:spTree>
@@ -10288,7 +10527,7 @@
 </p:sld>
 </file>
 
-<file path=ppt/slides/slide31.xml><?xml version="1.0" encoding="utf-8"?>
+<file path=ppt/slides/slide32.xml><?xml version="1.0" encoding="utf-8"?>
 <p:sld xmlns:a="http://schemas.openxmlformats.org/drawingml/2006/main" xmlns:r="http://schemas.openxmlformats.org/officeDocument/2006/relationships" xmlns:p="http://schemas.openxmlformats.org/presentationml/2006/main">
   <p:cSld>
     <p:spTree>
@@ -10381,7 +10620,7 @@
 </p:sld>
 </file>
 
-<file path=ppt/slides/slide32.xml><?xml version="1.0" encoding="utf-8"?>
+<file path=ppt/slides/slide33.xml><?xml version="1.0" encoding="utf-8"?>
 <p:sld xmlns:a="http://schemas.openxmlformats.org/drawingml/2006/main" xmlns:r="http://schemas.openxmlformats.org/officeDocument/2006/relationships" xmlns:p="http://schemas.openxmlformats.org/presentationml/2006/main">
   <p:cSld>
     <p:spTree>
@@ -10960,7 +11199,7 @@
 </p:sld>
 </file>
 
-<file path=ppt/slides/slide33.xml><?xml version="1.0" encoding="utf-8"?>
+<file path=ppt/slides/slide34.xml><?xml version="1.0" encoding="utf-8"?>
 <p:sld xmlns:a="http://schemas.openxmlformats.org/drawingml/2006/main" xmlns:r="http://schemas.openxmlformats.org/officeDocument/2006/relationships" xmlns:p="http://schemas.openxmlformats.org/presentationml/2006/main">
   <p:cSld>
     <p:spTree>
@@ -13406,7 +13645,7 @@
 </p:sld>
 </file>
 
-<file path=ppt/slides/slide34.xml><?xml version="1.0" encoding="utf-8"?>
+<file path=ppt/slides/slide35.xml><?xml version="1.0" encoding="utf-8"?>
 <p:sld xmlns:a="http://schemas.openxmlformats.org/drawingml/2006/main" xmlns:r="http://schemas.openxmlformats.org/officeDocument/2006/relationships" xmlns:p="http://schemas.openxmlformats.org/presentationml/2006/main">
   <p:cSld>
     <p:spTree>
@@ -16115,7 +16354,7 @@
 </p:sld>
 </file>
 
-<file path=ppt/slides/slide35.xml><?xml version="1.0" encoding="utf-8"?>
+<file path=ppt/slides/slide36.xml><?xml version="1.0" encoding="utf-8"?>
 <p:sld xmlns:a="http://schemas.openxmlformats.org/drawingml/2006/main" xmlns:r="http://schemas.openxmlformats.org/officeDocument/2006/relationships" xmlns:p="http://schemas.openxmlformats.org/presentationml/2006/main">
   <p:cSld>
     <p:spTree>
@@ -16913,7 +17152,7 @@
 </p:sld>
 </file>
 
-<file path=ppt/slides/slide36.xml><?xml version="1.0" encoding="utf-8"?>
+<file path=ppt/slides/slide37.xml><?xml version="1.0" encoding="utf-8"?>
 <p:sld xmlns:a="http://schemas.openxmlformats.org/drawingml/2006/main" xmlns:r="http://schemas.openxmlformats.org/officeDocument/2006/relationships" xmlns:p="http://schemas.openxmlformats.org/presentationml/2006/main">
   <p:cSld>
     <p:spTree>
@@ -17562,7 +17801,7 @@
 </p:sld>
 </file>
 
-<file path=ppt/slides/slide37.xml><?xml version="1.0" encoding="utf-8"?>
+<file path=ppt/slides/slide38.xml><?xml version="1.0" encoding="utf-8"?>
 <p:sld xmlns:a="http://schemas.openxmlformats.org/drawingml/2006/main" xmlns:r="http://schemas.openxmlformats.org/officeDocument/2006/relationships" xmlns:p="http://schemas.openxmlformats.org/presentationml/2006/main">
   <p:cSld>
     <p:spTree>
@@ -18654,7 +18893,7 @@
 </p:sld>
 </file>
 
-<file path=ppt/slides/slide38.xml><?xml version="1.0" encoding="utf-8"?>
+<file path=ppt/slides/slide39.xml><?xml version="1.0" encoding="utf-8"?>
 <p:sld xmlns:a="http://schemas.openxmlformats.org/drawingml/2006/main" xmlns:r="http://schemas.openxmlformats.org/officeDocument/2006/relationships" xmlns:p="http://schemas.openxmlformats.org/presentationml/2006/main">
   <p:cSld>
     <p:spTree>
@@ -18739,7 +18978,83 @@
 </p:sld>
 </file>
 
-<file path=ppt/slides/slide39.xml><?xml version="1.0" encoding="utf-8"?>
+<file path=ppt/slides/slide4.xml><?xml version="1.0" encoding="utf-8"?>
+<p:sld xmlns:a="http://schemas.openxmlformats.org/drawingml/2006/main" xmlns:r="http://schemas.openxmlformats.org/officeDocument/2006/relationships" xmlns:p="http://schemas.openxmlformats.org/presentationml/2006/main">
+  <p:cSld>
+    <p:spTree>
+      <p:nvGrpSpPr>
+        <p:cNvPr id="1" name=""/>
+        <p:cNvGrpSpPr/>
+        <p:nvPr/>
+      </p:nvGrpSpPr>
+      <p:grpSpPr>
+        <a:xfrm>
+          <a:off x="0" y="0"/>
+          <a:ext cx="0" cy="0"/>
+          <a:chOff x="0" y="0"/>
+          <a:chExt cx="0" cy="0"/>
+        </a:xfrm>
+      </p:grpSpPr>
+      <p:pic>
+        <p:nvPicPr>
+          <p:cNvPr id="4" name="Picture 2" descr="http://cre8ivethought.com/images/PP/big/Slide30.JPG"/>
+          <p:cNvPicPr>
+            <a:picLocks noChangeAspect="1" noChangeArrowheads="1"/>
+          </p:cNvPicPr>
+          <p:nvPr/>
+        </p:nvPicPr>
+        <p:blipFill rotWithShape="1">
+          <a:blip r:embed="rId2">
+            <a:extLst>
+              <a:ext uri="{28A0092B-C50C-407E-A947-70E740481C1C}">
+                <a14:useLocalDpi xmlns:a14="http://schemas.microsoft.com/office/drawing/2010/main" val="0"/>
+              </a:ext>
+            </a:extLst>
+          </a:blip>
+          <a:srcRect r="12122"/>
+          <a:stretch/>
+        </p:blipFill>
+        <p:spPr bwMode="auto">
+          <a:xfrm>
+            <a:off x="-4128" y="-1"/>
+            <a:ext cx="8039175" cy="6861097"/>
+          </a:xfrm>
+          <a:prstGeom prst="rect">
+            <a:avLst/>
+          </a:prstGeom>
+          <a:noFill/>
+          <a:extLst>
+            <a:ext uri="{909E8E84-426E-40DD-AFC4-6F175D3DCCD1}">
+              <a14:hiddenFill xmlns:a14="http://schemas.microsoft.com/office/drawing/2010/main">
+                <a:solidFill>
+                  <a:srgbClr val="FFFFFF"/>
+                </a:solidFill>
+              </a14:hiddenFill>
+            </a:ext>
+          </a:extLst>
+        </p:spPr>
+      </p:pic>
+    </p:spTree>
+    <p:extLst>
+      <p:ext uri="{BB962C8B-B14F-4D97-AF65-F5344CB8AC3E}">
+        <p14:creationId xmlns:p14="http://schemas.microsoft.com/office/powerpoint/2010/main" val="2644155274"/>
+      </p:ext>
+    </p:extLst>
+  </p:cSld>
+  <p:clrMapOvr>
+    <a:masterClrMapping/>
+  </p:clrMapOvr>
+  <p:timing>
+    <p:tnLst>
+      <p:par>
+        <p:cTn id="1" dur="indefinite" restart="never" nodeType="tmRoot"/>
+      </p:par>
+    </p:tnLst>
+  </p:timing>
+</p:sld>
+</file>
+
+<file path=ppt/slides/slide40.xml><?xml version="1.0" encoding="utf-8"?>
 <p:sld xmlns:a="http://schemas.openxmlformats.org/drawingml/2006/main" xmlns:r="http://schemas.openxmlformats.org/officeDocument/2006/relationships" xmlns:p="http://schemas.openxmlformats.org/presentationml/2006/main">
   <p:cSld>
     <p:spTree>
@@ -19191,268 +19506,6 @@
 </p:sld>
 </file>
 
-<file path=ppt/slides/slide4.xml><?xml version="1.0" encoding="utf-8"?>
-<p:sld xmlns:a="http://schemas.openxmlformats.org/drawingml/2006/main" xmlns:r="http://schemas.openxmlformats.org/officeDocument/2006/relationships" xmlns:p="http://schemas.openxmlformats.org/presentationml/2006/main">
-  <p:cSld>
-    <p:spTree>
-      <p:nvGrpSpPr>
-        <p:cNvPr id="1" name=""/>
-        <p:cNvGrpSpPr/>
-        <p:nvPr/>
-      </p:nvGrpSpPr>
-      <p:grpSpPr>
-        <a:xfrm>
-          <a:off x="0" y="0"/>
-          <a:ext cx="0" cy="0"/>
-          <a:chOff x="0" y="0"/>
-          <a:chExt cx="0" cy="0"/>
-        </a:xfrm>
-      </p:grpSpPr>
-      <p:pic>
-        <p:nvPicPr>
-          <p:cNvPr id="4" name="Picture 2" descr="http://cre8ivethought.com/images/PP/big/Slide30.JPG"/>
-          <p:cNvPicPr>
-            <a:picLocks noChangeAspect="1" noChangeArrowheads="1"/>
-          </p:cNvPicPr>
-          <p:nvPr/>
-        </p:nvPicPr>
-        <p:blipFill rotWithShape="1">
-          <a:blip r:embed="rId2">
-            <a:extLst>
-              <a:ext uri="{28A0092B-C50C-407E-A947-70E740481C1C}">
-                <a14:useLocalDpi xmlns:a14="http://schemas.microsoft.com/office/drawing/2010/main" val="0"/>
-              </a:ext>
-            </a:extLst>
-          </a:blip>
-          <a:srcRect r="12122"/>
-          <a:stretch/>
-        </p:blipFill>
-        <p:spPr bwMode="auto">
-          <a:xfrm>
-            <a:off x="-4128" y="-1"/>
-            <a:ext cx="8039175" cy="6861097"/>
-          </a:xfrm>
-          <a:prstGeom prst="rect">
-            <a:avLst/>
-          </a:prstGeom>
-          <a:noFill/>
-          <a:extLst>
-            <a:ext uri="{909E8E84-426E-40DD-AFC4-6F175D3DCCD1}">
-              <a14:hiddenFill xmlns:a14="http://schemas.microsoft.com/office/drawing/2010/main">
-                <a:solidFill>
-                  <a:srgbClr val="FFFFFF"/>
-                </a:solidFill>
-              </a14:hiddenFill>
-            </a:ext>
-          </a:extLst>
-        </p:spPr>
-      </p:pic>
-    </p:spTree>
-    <p:extLst>
-      <p:ext uri="{BB962C8B-B14F-4D97-AF65-F5344CB8AC3E}">
-        <p14:creationId xmlns:p14="http://schemas.microsoft.com/office/powerpoint/2010/main" val="2644155274"/>
-      </p:ext>
-    </p:extLst>
-  </p:cSld>
-  <p:clrMapOvr>
-    <a:masterClrMapping/>
-  </p:clrMapOvr>
-  <p:timing>
-    <p:tnLst>
-      <p:par>
-        <p:cTn id="1" dur="indefinite" restart="never" nodeType="tmRoot"/>
-      </p:par>
-    </p:tnLst>
-  </p:timing>
-</p:sld>
-</file>
-
-<file path=ppt/slides/slide40.xml><?xml version="1.0" encoding="utf-8"?>
-<p:sld xmlns:a="http://schemas.openxmlformats.org/drawingml/2006/main" xmlns:r="http://schemas.openxmlformats.org/officeDocument/2006/relationships" xmlns:p="http://schemas.openxmlformats.org/presentationml/2006/main">
-  <p:cSld>
-    <p:spTree>
-      <p:nvGrpSpPr>
-        <p:cNvPr id="1" name=""/>
-        <p:cNvGrpSpPr/>
-        <p:nvPr/>
-      </p:nvGrpSpPr>
-      <p:grpSpPr>
-        <a:xfrm>
-          <a:off x="0" y="0"/>
-          <a:ext cx="0" cy="0"/>
-          <a:chOff x="0" y="0"/>
-          <a:chExt cx="0" cy="0"/>
-        </a:xfrm>
-      </p:grpSpPr>
-      <p:sp>
-        <p:nvSpPr>
-          <p:cNvPr id="2" name="Заголовок 1"/>
-          <p:cNvSpPr>
-            <a:spLocks noGrp="1"/>
-          </p:cNvSpPr>
-          <p:nvPr>
-            <p:ph type="title"/>
-          </p:nvPr>
-        </p:nvSpPr>
-        <p:spPr/>
-        <p:txBody>
-          <a:bodyPr/>
-          <a:lstStyle/>
-          <a:p>
-            <a:r>
-              <a:rPr lang="en-US" dirty="0" smtClean="0"/>
-              <a:t>LINQ</a:t>
-            </a:r>
-            <a:endParaRPr lang="ru-RU" dirty="0"/>
-          </a:p>
-        </p:txBody>
-      </p:sp>
-      <p:sp>
-        <p:nvSpPr>
-          <p:cNvPr id="3" name="Объект 2"/>
-          <p:cNvSpPr>
-            <a:spLocks noGrp="1"/>
-          </p:cNvSpPr>
-          <p:nvPr>
-            <p:ph idx="1"/>
-          </p:nvPr>
-        </p:nvSpPr>
-        <p:spPr/>
-        <p:txBody>
-          <a:bodyPr>
-            <a:normAutofit/>
-          </a:bodyPr>
-          <a:lstStyle/>
-          <a:p>
-            <a:pPr marL="0" indent="0">
-              <a:buNone/>
-            </a:pPr>
-            <a:r>
-              <a:rPr lang="en-US" sz="2400" dirty="0" err="1" smtClean="0">
-                <a:latin typeface="Consolas" panose="020B0609020204030204" pitchFamily="49" charset="0"/>
-                <a:cs typeface="Consolas" panose="020B0609020204030204" pitchFamily="49" charset="0"/>
-              </a:rPr>
-              <a:t>IEnumerable</a:t>
-            </a:r>
-            <a:r>
-              <a:rPr lang="en-US" sz="2400" dirty="0" smtClean="0">
-                <a:latin typeface="Consolas" panose="020B0609020204030204" pitchFamily="49" charset="0"/>
-                <a:cs typeface="Consolas" panose="020B0609020204030204" pitchFamily="49" charset="0"/>
-              </a:rPr>
-              <a:t>&lt;T&gt;</a:t>
-            </a:r>
-            <a:r>
-              <a:rPr lang="en-US" sz="2400" dirty="0"/>
-              <a:t> — </a:t>
-            </a:r>
-            <a:r>
-              <a:rPr lang="ru-RU" sz="2400" dirty="0"/>
-              <a:t>то, что можно перечислить</a:t>
-            </a:r>
-            <a:r>
-              <a:rPr lang="ru-RU" sz="2400" dirty="0" smtClean="0"/>
-              <a:t>.</a:t>
-            </a:r>
-          </a:p>
-          <a:p>
-            <a:pPr marL="0" indent="0">
-              <a:buNone/>
-            </a:pPr>
-            <a:r>
-              <a:rPr lang="ru-RU" sz="2400" dirty="0">
-                <a:latin typeface="Consolas" panose="020B0609020204030204" pitchFamily="49" charset="0"/>
-                <a:cs typeface="Consolas" panose="020B0609020204030204" pitchFamily="49" charset="0"/>
-              </a:rPr>
-              <a:t>	</a:t>
-            </a:r>
-            <a:r>
-              <a:rPr lang="en-US" sz="2400" dirty="0" smtClean="0">
-                <a:latin typeface="Consolas" panose="020B0609020204030204" pitchFamily="49" charset="0"/>
-                <a:cs typeface="Consolas" panose="020B0609020204030204" pitchFamily="49" charset="0"/>
-              </a:rPr>
-              <a:t>T[], List&lt;T&gt;, </a:t>
-            </a:r>
-            <a:r>
-              <a:rPr lang="en-US" sz="2400" dirty="0" err="1" smtClean="0">
-                <a:latin typeface="Consolas" panose="020B0609020204030204" pitchFamily="49" charset="0"/>
-                <a:cs typeface="Consolas" panose="020B0609020204030204" pitchFamily="49" charset="0"/>
-              </a:rPr>
-              <a:t>HashSet</a:t>
-            </a:r>
-            <a:r>
-              <a:rPr lang="en-US" sz="2400" dirty="0" smtClean="0">
-                <a:latin typeface="Consolas" panose="020B0609020204030204" pitchFamily="49" charset="0"/>
-                <a:cs typeface="Consolas" panose="020B0609020204030204" pitchFamily="49" charset="0"/>
-              </a:rPr>
-              <a:t>&lt;T&gt;, …</a:t>
-            </a:r>
-          </a:p>
-          <a:p>
-            <a:pPr marL="0" indent="0">
-              <a:buNone/>
-            </a:pPr>
-            <a:endParaRPr lang="ru-RU" sz="2400" dirty="0">
-              <a:latin typeface="Consolas" panose="020B0609020204030204" pitchFamily="49" charset="0"/>
-              <a:cs typeface="Consolas" panose="020B0609020204030204" pitchFamily="49" charset="0"/>
-            </a:endParaRPr>
-          </a:p>
-          <a:p>
-            <a:pPr marL="0" indent="0">
-              <a:buNone/>
-            </a:pPr>
-            <a:r>
-              <a:rPr lang="ru-RU" sz="2400" dirty="0"/>
-              <a:t>Для </a:t>
-            </a:r>
-            <a:r>
-              <a:rPr lang="en-US" sz="2400" dirty="0" err="1">
-                <a:latin typeface="Consolas" panose="020B0609020204030204" pitchFamily="49" charset="0"/>
-                <a:cs typeface="Consolas" panose="020B0609020204030204" pitchFamily="49" charset="0"/>
-              </a:rPr>
-              <a:t>IEnumerable</a:t>
-            </a:r>
-            <a:r>
-              <a:rPr lang="en-US" sz="2400" dirty="0">
-                <a:latin typeface="Consolas" panose="020B0609020204030204" pitchFamily="49" charset="0"/>
-                <a:cs typeface="Consolas" panose="020B0609020204030204" pitchFamily="49" charset="0"/>
-              </a:rPr>
-              <a:t>&lt;T&gt;</a:t>
-            </a:r>
-            <a:r>
-              <a:rPr lang="en-US" sz="2400" dirty="0"/>
-              <a:t> </a:t>
-            </a:r>
-            <a:r>
-              <a:rPr lang="ru-RU" sz="2400" dirty="0" smtClean="0"/>
-              <a:t>есть несколько полезных </a:t>
-            </a:r>
-            <a:r>
-              <a:rPr lang="ru-RU" sz="2400" dirty="0"/>
-              <a:t>методов.</a:t>
-            </a:r>
-          </a:p>
-        </p:txBody>
-      </p:sp>
-    </p:spTree>
-    <p:extLst>
-      <p:ext uri="{BB962C8B-B14F-4D97-AF65-F5344CB8AC3E}">
-        <p14:creationId xmlns:p14="http://schemas.microsoft.com/office/powerpoint/2010/main" val="3650333525"/>
-      </p:ext>
-    </p:extLst>
-  </p:cSld>
-  <p:clrMapOvr>
-    <a:masterClrMapping/>
-  </p:clrMapOvr>
-  <p:timing>
-    <p:tnLst>
-      <p:par>
-        <p:cTn id="1" dur="indefinite" restart="never" nodeType="tmRoot"/>
-      </p:par>
-    </p:tnLst>
-  </p:timing>
-</p:sld>
-</file>
-
 <file path=ppt/slides/slide41.xml><?xml version="1.0" encoding="utf-8"?>
 <p:sld xmlns:a="http://schemas.openxmlformats.org/drawingml/2006/main" xmlns:r="http://schemas.openxmlformats.org/officeDocument/2006/relationships" xmlns:p="http://schemas.openxmlformats.org/presentationml/2006/main">
   <p:cSld>
@@ -19515,75 +19568,29 @@
             </a:pPr>
             <a:r>
               <a:rPr lang="en-US" sz="2400" dirty="0" err="1" smtClean="0">
-                <a:solidFill>
-                  <a:srgbClr val="000000"/>
-                </a:solidFill>
-                <a:highlight>
-                  <a:srgbClr val="FFFFFF"/>
-                </a:highlight>
-                <a:latin typeface="Consolas"/>
-              </a:rPr>
-              <a:t>list.Where</a:t>
+                <a:latin typeface="Consolas" panose="020B0609020204030204" pitchFamily="49" charset="0"/>
+                <a:cs typeface="Consolas" panose="020B0609020204030204" pitchFamily="49" charset="0"/>
+              </a:rPr>
+              <a:t>IEnumerable</a:t>
             </a:r>
             <a:r>
               <a:rPr lang="en-US" sz="2400" dirty="0" smtClean="0">
-                <a:solidFill>
-                  <a:srgbClr val="000000"/>
-                </a:solidFill>
-                <a:highlight>
-                  <a:srgbClr val="FFFFFF"/>
-                </a:highlight>
-                <a:latin typeface="Consolas"/>
-              </a:rPr>
-              <a:t>(x </a:t>
-            </a:r>
-            <a:r>
-              <a:rPr lang="en-US" sz="2400" dirty="0">
-                <a:solidFill>
-                  <a:srgbClr val="000000"/>
-                </a:solidFill>
-                <a:highlight>
-                  <a:srgbClr val="FFFFFF"/>
-                </a:highlight>
-                <a:latin typeface="Consolas"/>
-              </a:rPr>
-              <a:t>=&gt; x%2 == 0</a:t>
-            </a:r>
-            <a:r>
-              <a:rPr lang="en-US" sz="2400" dirty="0" smtClean="0">
-                <a:solidFill>
-                  <a:srgbClr val="000000"/>
-                </a:solidFill>
-                <a:highlight>
-                  <a:srgbClr val="FFFFFF"/>
-                </a:highlight>
-                <a:latin typeface="Consolas"/>
-              </a:rPr>
-              <a:t>)</a:t>
-            </a:r>
-            <a:r>
-              <a:rPr lang="ru-RU" sz="2400" dirty="0" smtClean="0">
-                <a:solidFill>
-                  <a:srgbClr val="000000"/>
-                </a:solidFill>
-                <a:highlight>
-                  <a:srgbClr val="FFFFFF"/>
-                </a:highlight>
-                <a:latin typeface="Consolas"/>
-              </a:rPr>
-              <a:t>	</a:t>
-            </a:r>
-            <a:r>
-              <a:rPr lang="en-US" sz="2800" dirty="0" smtClean="0"/>
-              <a:t>// </a:t>
-            </a:r>
-            <a:r>
-              <a:rPr lang="ru-RU" sz="2800" dirty="0"/>
-              <a:t>выбрать все </a:t>
-            </a:r>
-            <a:r>
-              <a:rPr lang="ru-RU" sz="2800" dirty="0" smtClean="0"/>
-              <a:t>четные</a:t>
+                <a:latin typeface="Consolas" panose="020B0609020204030204" pitchFamily="49" charset="0"/>
+                <a:cs typeface="Consolas" panose="020B0609020204030204" pitchFamily="49" charset="0"/>
+              </a:rPr>
+              <a:t>&lt;T&gt;</a:t>
+            </a:r>
+            <a:r>
+              <a:rPr lang="en-US" sz="2400" dirty="0"/>
+              <a:t> — </a:t>
+            </a:r>
+            <a:r>
+              <a:rPr lang="ru-RU" sz="2400" dirty="0"/>
+              <a:t>то, что можно перечислить</a:t>
+            </a:r>
+            <a:r>
+              <a:rPr lang="ru-RU" sz="2400" dirty="0" smtClean="0"/>
+              <a:t>.</a:t>
             </a:r>
           </a:p>
           <a:p>
@@ -19591,71 +19598,41 @@
               <a:buNone/>
             </a:pPr>
             <a:r>
-              <a:rPr lang="en-US" sz="2400" dirty="0" err="1">
-                <a:solidFill>
-                  <a:srgbClr val="000000"/>
-                </a:solidFill>
-                <a:highlight>
-                  <a:srgbClr val="FFFFFF"/>
-                </a:highlight>
-                <a:latin typeface="Consolas"/>
-              </a:rPr>
-              <a:t>list.Select</a:t>
-            </a:r>
-            <a:r>
-              <a:rPr lang="en-US" sz="2400" dirty="0">
-                <a:solidFill>
-                  <a:srgbClr val="000000"/>
-                </a:solidFill>
-                <a:highlight>
-                  <a:srgbClr val="FFFFFF"/>
-                </a:highlight>
-                <a:latin typeface="Consolas"/>
-              </a:rPr>
-              <a:t>(x =&gt; </a:t>
+              <a:rPr lang="ru-RU" sz="2400" dirty="0">
+                <a:latin typeface="Consolas" panose="020B0609020204030204" pitchFamily="49" charset="0"/>
+                <a:cs typeface="Consolas" panose="020B0609020204030204" pitchFamily="49" charset="0"/>
+              </a:rPr>
+              <a:t>	</a:t>
             </a:r>
             <a:r>
               <a:rPr lang="en-US" sz="2400" dirty="0" smtClean="0">
-                <a:solidFill>
-                  <a:srgbClr val="000000"/>
-                </a:solidFill>
-                <a:highlight>
-                  <a:srgbClr val="FFFFFF"/>
-                </a:highlight>
-                <a:latin typeface="Consolas"/>
-              </a:rPr>
-              <a:t>x+1)</a:t>
-            </a:r>
-            <a:r>
-              <a:rPr lang="en-US" sz="2800" dirty="0" smtClean="0"/>
-              <a:t> </a:t>
-            </a:r>
-            <a:r>
-              <a:rPr lang="ru-RU" sz="2800" dirty="0" smtClean="0"/>
-              <a:t> 	</a:t>
-            </a:r>
-            <a:r>
-              <a:rPr lang="en-US" sz="2800" dirty="0" smtClean="0"/>
-              <a:t>//</a:t>
-            </a:r>
-            <a:r>
-              <a:rPr lang="ru-RU" sz="2800" dirty="0" smtClean="0"/>
-              <a:t> +1 ко всем</a:t>
-            </a:r>
-            <a:endParaRPr lang="en-US" sz="2800" dirty="0" smtClean="0"/>
+                <a:latin typeface="Consolas" panose="020B0609020204030204" pitchFamily="49" charset="0"/>
+                <a:cs typeface="Consolas" panose="020B0609020204030204" pitchFamily="49" charset="0"/>
+              </a:rPr>
+              <a:t>T[], List&lt;T&gt;, </a:t>
+            </a:r>
+            <a:r>
+              <a:rPr lang="en-US" sz="2400" dirty="0" err="1" smtClean="0">
+                <a:latin typeface="Consolas" panose="020B0609020204030204" pitchFamily="49" charset="0"/>
+                <a:cs typeface="Consolas" panose="020B0609020204030204" pitchFamily="49" charset="0"/>
+              </a:rPr>
+              <a:t>HashSet</a:t>
+            </a:r>
+            <a:r>
+              <a:rPr lang="en-US" sz="2400" dirty="0" smtClean="0">
+                <a:latin typeface="Consolas" panose="020B0609020204030204" pitchFamily="49" charset="0"/>
+                <a:cs typeface="Consolas" panose="020B0609020204030204" pitchFamily="49" charset="0"/>
+              </a:rPr>
+              <a:t>&lt;T&gt;, …</a:t>
+            </a:r>
           </a:p>
           <a:p>
             <a:pPr marL="0" indent="0">
               <a:buNone/>
             </a:pPr>
-            <a:endParaRPr lang="en-US" sz="2400" dirty="0" smtClean="0">
-              <a:solidFill>
-                <a:srgbClr val="2B91AF"/>
-              </a:solidFill>
-              <a:highlight>
-                <a:srgbClr val="FFFFFF"/>
-              </a:highlight>
-              <a:latin typeface="Consolas"/>
+            <a:endParaRPr lang="ru-RU" sz="2400" dirty="0">
+              <a:latin typeface="Consolas" panose="020B0609020204030204" pitchFamily="49" charset="0"/>
+              <a:cs typeface="Consolas" panose="020B0609020204030204" pitchFamily="49" charset="0"/>
             </a:endParaRPr>
           </a:p>
           <a:p>
@@ -19663,272 +19640,42 @@
               <a:buNone/>
             </a:pPr>
             <a:r>
-              <a:rPr lang="en-US" sz="2400" dirty="0" smtClean="0">
-                <a:solidFill>
-                  <a:srgbClr val="2B91AF"/>
-                </a:solidFill>
-                <a:highlight>
-                  <a:srgbClr val="FFFFFF"/>
-                </a:highlight>
-                <a:latin typeface="Consolas"/>
-              </a:rPr>
-              <a:t>File</a:t>
-            </a:r>
-          </a:p>
-          <a:p>
-            <a:pPr marL="0" indent="0">
-              <a:buNone/>
-            </a:pPr>
+              <a:rPr lang="ru-RU" sz="2400" dirty="0"/>
+              <a:t>Для </a:t>
+            </a:r>
+            <a:r>
+              <a:rPr lang="en-US" sz="2400" dirty="0" err="1">
+                <a:latin typeface="Consolas" panose="020B0609020204030204" pitchFamily="49" charset="0"/>
+                <a:cs typeface="Consolas" panose="020B0609020204030204" pitchFamily="49" charset="0"/>
+              </a:rPr>
+              <a:t>IEnumerable</a:t>
+            </a:r>
             <a:r>
               <a:rPr lang="en-US" sz="2400" dirty="0">
-                <a:solidFill>
-                  <a:srgbClr val="2B91AF"/>
-                </a:solidFill>
-                <a:highlight>
-                  <a:srgbClr val="FFFFFF"/>
-                </a:highlight>
-                <a:latin typeface="Consolas"/>
-              </a:rPr>
+                <a:latin typeface="Consolas" panose="020B0609020204030204" pitchFamily="49" charset="0"/>
+                <a:cs typeface="Consolas" panose="020B0609020204030204" pitchFamily="49" charset="0"/>
+              </a:rPr>
+              <a:t>&lt;T&gt;</a:t>
+            </a:r>
+            <a:r>
+              <a:rPr lang="en-US" sz="2400" dirty="0"/>
               <a:t> </a:t>
             </a:r>
             <a:r>
-              <a:rPr lang="en-US" sz="2400" dirty="0" smtClean="0">
-                <a:solidFill>
-                  <a:srgbClr val="2B91AF"/>
-                </a:solidFill>
-                <a:highlight>
-                  <a:srgbClr val="FFFFFF"/>
-                </a:highlight>
-                <a:latin typeface="Consolas"/>
-              </a:rPr>
-              <a:t> </a:t>
-            </a:r>
-            <a:r>
-              <a:rPr lang="en-US" sz="2400" dirty="0" smtClean="0">
-                <a:solidFill>
-                  <a:srgbClr val="000000"/>
-                </a:solidFill>
-                <a:highlight>
-                  <a:srgbClr val="FFFFFF"/>
-                </a:highlight>
-                <a:latin typeface="Consolas"/>
-              </a:rPr>
-              <a:t>.</a:t>
-            </a:r>
-            <a:r>
-              <a:rPr lang="en-US" sz="2400" dirty="0" err="1" smtClean="0">
-                <a:solidFill>
-                  <a:srgbClr val="000000"/>
-                </a:solidFill>
-                <a:highlight>
-                  <a:srgbClr val="FFFFFF"/>
-                </a:highlight>
-                <a:latin typeface="Consolas"/>
-              </a:rPr>
-              <a:t>ReadAllLines</a:t>
-            </a:r>
-            <a:r>
-              <a:rPr lang="en-US" sz="2400" dirty="0">
-                <a:solidFill>
-                  <a:srgbClr val="000000"/>
-                </a:solidFill>
-                <a:highlight>
-                  <a:srgbClr val="FFFFFF"/>
-                </a:highlight>
-                <a:latin typeface="Consolas"/>
-              </a:rPr>
-              <a:t>(</a:t>
-            </a:r>
-            <a:r>
-              <a:rPr lang="en-US" sz="2400" dirty="0">
-                <a:solidFill>
-                  <a:srgbClr val="A31515"/>
-                </a:solidFill>
-                <a:highlight>
-                  <a:srgbClr val="FFFFFF"/>
-                </a:highlight>
-                <a:latin typeface="Consolas"/>
-              </a:rPr>
-              <a:t>"input.txt"</a:t>
-            </a:r>
-            <a:r>
-              <a:rPr lang="en-US" sz="2400" dirty="0">
-                <a:solidFill>
-                  <a:srgbClr val="000000"/>
-                </a:solidFill>
-                <a:highlight>
-                  <a:srgbClr val="FFFFFF"/>
-                </a:highlight>
-                <a:latin typeface="Consolas"/>
-              </a:rPr>
-              <a:t>)</a:t>
-            </a:r>
-          </a:p>
-          <a:p>
-            <a:pPr marL="0" indent="0">
-              <a:buNone/>
-            </a:pPr>
-            <a:r>
-              <a:rPr lang="en-US" sz="2400" dirty="0" smtClean="0">
-                <a:solidFill>
-                  <a:srgbClr val="000000"/>
-                </a:solidFill>
-                <a:highlight>
-                  <a:srgbClr val="FFFFFF"/>
-                </a:highlight>
-                <a:latin typeface="Consolas"/>
-              </a:rPr>
-              <a:t>  </a:t>
-            </a:r>
-            <a:r>
-              <a:rPr lang="en-US" sz="2400" dirty="0">
-                <a:solidFill>
-                  <a:srgbClr val="000000"/>
-                </a:solidFill>
-                <a:highlight>
-                  <a:srgbClr val="FFFFFF"/>
-                </a:highlight>
-                <a:latin typeface="Consolas"/>
-              </a:rPr>
-              <a:t>.</a:t>
-            </a:r>
-            <a:r>
-              <a:rPr lang="en-US" sz="2400" dirty="0" err="1">
-                <a:solidFill>
-                  <a:srgbClr val="000000"/>
-                </a:solidFill>
-                <a:highlight>
-                  <a:srgbClr val="FFFFFF"/>
-                </a:highlight>
-                <a:latin typeface="Consolas"/>
-              </a:rPr>
-              <a:t>SelectMany</a:t>
-            </a:r>
-            <a:r>
-              <a:rPr lang="en-US" sz="2400" dirty="0">
-                <a:solidFill>
-                  <a:srgbClr val="000000"/>
-                </a:solidFill>
-                <a:highlight>
-                  <a:srgbClr val="FFFFFF"/>
-                </a:highlight>
-                <a:latin typeface="Consolas"/>
-              </a:rPr>
-              <a:t>(line =&gt; </a:t>
-            </a:r>
-            <a:r>
-              <a:rPr lang="en-US" sz="2400" dirty="0" err="1">
-                <a:solidFill>
-                  <a:srgbClr val="000000"/>
-                </a:solidFill>
-                <a:highlight>
-                  <a:srgbClr val="FFFFFF"/>
-                </a:highlight>
-                <a:latin typeface="Consolas"/>
-              </a:rPr>
-              <a:t>Regex.Split</a:t>
-            </a:r>
-            <a:r>
-              <a:rPr lang="en-US" sz="2400" dirty="0">
-                <a:solidFill>
-                  <a:srgbClr val="000000"/>
-                </a:solidFill>
-                <a:highlight>
-                  <a:srgbClr val="FFFFFF"/>
-                </a:highlight>
-                <a:latin typeface="Consolas"/>
-              </a:rPr>
-              <a:t>(line, </a:t>
-            </a:r>
-            <a:r>
-              <a:rPr lang="en-US" sz="2400" dirty="0">
-                <a:solidFill>
-                  <a:srgbClr val="A31515"/>
-                </a:solidFill>
-                <a:highlight>
-                  <a:srgbClr val="FFFFFF"/>
-                </a:highlight>
-                <a:latin typeface="Consolas"/>
-              </a:rPr>
-              <a:t>@"\W"</a:t>
-            </a:r>
-            <a:r>
-              <a:rPr lang="en-US" sz="2400" dirty="0">
-                <a:solidFill>
-                  <a:srgbClr val="000000"/>
-                </a:solidFill>
-                <a:highlight>
-                  <a:srgbClr val="FFFFFF"/>
-                </a:highlight>
-                <a:latin typeface="Consolas"/>
-              </a:rPr>
-              <a:t>))</a:t>
-            </a:r>
-          </a:p>
-          <a:p>
-            <a:pPr marL="0" indent="0">
-              <a:buNone/>
-            </a:pPr>
-            <a:r>
-              <a:rPr lang="en-US" sz="2400" dirty="0" smtClean="0">
-                <a:solidFill>
-                  <a:srgbClr val="000000"/>
-                </a:solidFill>
-                <a:highlight>
-                  <a:srgbClr val="FFFFFF"/>
-                </a:highlight>
-                <a:latin typeface="Consolas"/>
-              </a:rPr>
-              <a:t>  </a:t>
-            </a:r>
-            <a:r>
-              <a:rPr lang="en-US" sz="2400" dirty="0">
-                <a:solidFill>
-                  <a:srgbClr val="000000"/>
-                </a:solidFill>
-                <a:highlight>
-                  <a:srgbClr val="FFFFFF"/>
-                </a:highlight>
-                <a:latin typeface="Consolas"/>
-              </a:rPr>
-              <a:t>.</a:t>
-            </a:r>
-            <a:r>
-              <a:rPr lang="en-US" sz="2400" dirty="0" err="1">
-                <a:solidFill>
-                  <a:srgbClr val="000000"/>
-                </a:solidFill>
-                <a:highlight>
-                  <a:srgbClr val="FFFFFF"/>
-                </a:highlight>
-                <a:latin typeface="Consolas"/>
-              </a:rPr>
-              <a:t>ToArray</a:t>
-            </a:r>
-            <a:r>
-              <a:rPr lang="en-US" sz="2400" dirty="0" smtClean="0">
-                <a:solidFill>
-                  <a:srgbClr val="000000"/>
-                </a:solidFill>
-                <a:highlight>
-                  <a:srgbClr val="FFFFFF"/>
-                </a:highlight>
-                <a:latin typeface="Consolas"/>
-              </a:rPr>
-              <a:t>(); // </a:t>
-            </a:r>
-            <a:r>
-              <a:rPr lang="ru-RU" sz="2800" dirty="0"/>
-              <a:t>все слова</a:t>
-            </a:r>
-            <a:endParaRPr lang="en-US" sz="2400" dirty="0" smtClean="0"/>
+              <a:rPr lang="ru-RU" sz="2400" dirty="0" smtClean="0"/>
+              <a:t>есть несколько полезных </a:t>
+            </a:r>
+            <a:r>
+              <a:rPr lang="ru-RU" sz="2400" dirty="0"/>
+              <a:t>методов.</a:t>
+            </a:r>
           </a:p>
         </p:txBody>
       </p:sp>
     </p:spTree>
     <p:extLst>
       <p:ext uri="{BB962C8B-B14F-4D97-AF65-F5344CB8AC3E}">
-        <p14:creationId xmlns:p14="http://schemas.microsoft.com/office/powerpoint/2010/main" val="4179517988"/>
+        <p14:creationId xmlns:p14="http://schemas.microsoft.com/office/powerpoint/2010/main" val="3650333525"/>
       </p:ext>
     </p:extLst>
   </p:cSld>
@@ -20083,7 +19830,7 @@
               <a:buNone/>
             </a:pPr>
             <a:r>
-              <a:rPr lang="en-US" sz="2400" dirty="0" smtClean="0">
+              <a:rPr lang="en-US" sz="2400" dirty="0" err="1">
                 <a:solidFill>
                   <a:srgbClr val="000000"/>
                 </a:solidFill>
@@ -20092,7 +19839,7 @@
                 </a:highlight>
                 <a:latin typeface="Consolas"/>
               </a:rPr>
-              <a:t>    .</a:t>
+              <a:t>list.Select</a:t>
             </a:r>
             <a:r>
               <a:rPr lang="en-US" sz="2400" dirty="0">
@@ -20104,7 +19851,7 @@
                 </a:highlight>
                 <a:latin typeface="Consolas"/>
               </a:rPr>
-              <a:t>Select(x =&gt; </a:t>
+              <a:t>(x =&gt; </a:t>
             </a:r>
             <a:r>
               <a:rPr lang="en-US" sz="2400" dirty="0" smtClean="0">
@@ -20140,62 +19887,287 @@
             <a:pPr marL="0" indent="0">
               <a:buNone/>
             </a:pPr>
+            <a:endParaRPr lang="en-US" sz="2400" dirty="0" smtClean="0">
+              <a:solidFill>
+                <a:srgbClr val="2B91AF"/>
+              </a:solidFill>
+              <a:highlight>
+                <a:srgbClr val="FFFFFF"/>
+              </a:highlight>
+              <a:latin typeface="Consolas"/>
+            </a:endParaRPr>
+          </a:p>
+          <a:p>
+            <a:pPr marL="0" indent="0">
+              <a:buNone/>
+            </a:pPr>
             <a:r>
               <a:rPr lang="en-US" sz="2400" dirty="0" smtClean="0">
                 <a:solidFill>
-                  <a:srgbClr val="000000"/>
+                  <a:srgbClr val="2B91AF"/>
                 </a:solidFill>
                 <a:highlight>
                   <a:srgbClr val="FFFFFF"/>
                 </a:highlight>
                 <a:latin typeface="Consolas"/>
               </a:rPr>
-              <a:t>    .</a:t>
-            </a:r>
-            <a:r>
-              <a:rPr lang="en-US" sz="2400" dirty="0" err="1" smtClean="0">
-                <a:solidFill>
-                  <a:srgbClr val="000000"/>
+              <a:t>File</a:t>
+            </a:r>
+          </a:p>
+          <a:p>
+            <a:pPr marL="0" indent="0">
+              <a:buNone/>
+            </a:pPr>
+            <a:r>
+              <a:rPr lang="en-US" sz="2400" dirty="0">
+                <a:solidFill>
+                  <a:srgbClr val="2B91AF"/>
                 </a:solidFill>
                 <a:highlight>
                   <a:srgbClr val="FFFFFF"/>
                 </a:highlight>
                 <a:latin typeface="Consolas"/>
               </a:rPr>
-              <a:t>ToArray</a:t>
+              <a:t> </a:t>
             </a:r>
             <a:r>
               <a:rPr lang="en-US" sz="2400" dirty="0" smtClean="0">
                 <a:solidFill>
-                  <a:srgbClr val="000000"/>
+                  <a:srgbClr val="2B91AF"/>
                 </a:solidFill>
                 <a:highlight>
                   <a:srgbClr val="FFFFFF"/>
                 </a:highlight>
                 <a:latin typeface="Consolas"/>
               </a:rPr>
-              <a:t>()             </a:t>
-            </a:r>
-            <a:r>
-              <a:rPr lang="en-US" sz="2800" dirty="0"/>
-              <a:t>//</a:t>
+              <a:t> </a:t>
+            </a:r>
+            <a:r>
+              <a:rPr lang="en-US" sz="2400" dirty="0" smtClean="0">
+                <a:solidFill>
+                  <a:srgbClr val="000000"/>
+                </a:solidFill>
+                <a:highlight>
+                  <a:srgbClr val="FFFFFF"/>
+                </a:highlight>
+                <a:latin typeface="Consolas"/>
+              </a:rPr>
+              <a:t>.</a:t>
+            </a:r>
+            <a:r>
+              <a:rPr lang="en-US" sz="2400" dirty="0" err="1" smtClean="0">
+                <a:solidFill>
+                  <a:srgbClr val="000000"/>
+                </a:solidFill>
+                <a:highlight>
+                  <a:srgbClr val="FFFFFF"/>
+                </a:highlight>
+                <a:latin typeface="Consolas"/>
+              </a:rPr>
+              <a:t>ReadAllLines</a:t>
+            </a:r>
+            <a:r>
+              <a:rPr lang="en-US" sz="2400" dirty="0">
+                <a:solidFill>
+                  <a:srgbClr val="000000"/>
+                </a:solidFill>
+                <a:highlight>
+                  <a:srgbClr val="FFFFFF"/>
+                </a:highlight>
+                <a:latin typeface="Consolas"/>
+              </a:rPr>
+              <a:t>(</a:t>
+            </a:r>
+            <a:r>
+              <a:rPr lang="en-US" sz="2400" dirty="0">
+                <a:solidFill>
+                  <a:srgbClr val="A31515"/>
+                </a:solidFill>
+                <a:highlight>
+                  <a:srgbClr val="FFFFFF"/>
+                </a:highlight>
+                <a:latin typeface="Consolas"/>
+              </a:rPr>
+              <a:t>"input.txt"</a:t>
+            </a:r>
+            <a:r>
+              <a:rPr lang="en-US" sz="2400" dirty="0">
+                <a:solidFill>
+                  <a:srgbClr val="000000"/>
+                </a:solidFill>
+                <a:highlight>
+                  <a:srgbClr val="FFFFFF"/>
+                </a:highlight>
+                <a:latin typeface="Consolas"/>
+              </a:rPr>
+              <a:t>)</a:t>
+            </a:r>
+          </a:p>
+          <a:p>
+            <a:pPr marL="0" indent="0">
+              <a:buNone/>
+            </a:pPr>
+            <a:r>
+              <a:rPr lang="en-US" sz="2400" dirty="0" smtClean="0">
+                <a:solidFill>
+                  <a:srgbClr val="000000"/>
+                </a:solidFill>
+                <a:highlight>
+                  <a:srgbClr val="FFFFFF"/>
+                </a:highlight>
+                <a:latin typeface="Consolas"/>
+              </a:rPr>
+              <a:t>  </a:t>
+            </a:r>
+            <a:r>
+              <a:rPr lang="en-US" sz="2400" dirty="0">
+                <a:solidFill>
+                  <a:srgbClr val="000000"/>
+                </a:solidFill>
+                <a:highlight>
+                  <a:srgbClr val="FFFFFF"/>
+                </a:highlight>
+                <a:latin typeface="Consolas"/>
+              </a:rPr>
+              <a:t>.</a:t>
+            </a:r>
+            <a:r>
+              <a:rPr lang="en-US" sz="2400" dirty="0" err="1">
+                <a:solidFill>
+                  <a:srgbClr val="000000"/>
+                </a:solidFill>
+                <a:highlight>
+                  <a:srgbClr val="FFFFFF"/>
+                </a:highlight>
+                <a:latin typeface="Consolas"/>
+              </a:rPr>
+              <a:t>SelectMany</a:t>
+            </a:r>
+            <a:r>
+              <a:rPr lang="en-US" sz="2400" dirty="0">
+                <a:solidFill>
+                  <a:srgbClr val="000000"/>
+                </a:solidFill>
+                <a:highlight>
+                  <a:srgbClr val="FFFFFF"/>
+                </a:highlight>
+                <a:latin typeface="Consolas"/>
+              </a:rPr>
+              <a:t>(line =&gt; </a:t>
+            </a:r>
+            <a:r>
+              <a:rPr lang="en-US" sz="2400" dirty="0" err="1">
+                <a:solidFill>
+                  <a:srgbClr val="000000"/>
+                </a:solidFill>
+                <a:highlight>
+                  <a:srgbClr val="FFFFFF"/>
+                </a:highlight>
+                <a:latin typeface="Consolas"/>
+              </a:rPr>
+              <a:t>Regex.Split</a:t>
+            </a:r>
+            <a:r>
+              <a:rPr lang="en-US" sz="2400" dirty="0">
+                <a:solidFill>
+                  <a:srgbClr val="000000"/>
+                </a:solidFill>
+                <a:highlight>
+                  <a:srgbClr val="FFFFFF"/>
+                </a:highlight>
+                <a:latin typeface="Consolas"/>
+              </a:rPr>
+              <a:t>(line, </a:t>
+            </a:r>
+            <a:r>
+              <a:rPr lang="en-US" sz="2400" dirty="0">
+                <a:solidFill>
+                  <a:srgbClr val="A31515"/>
+                </a:solidFill>
+                <a:highlight>
+                  <a:srgbClr val="FFFFFF"/>
+                </a:highlight>
+                <a:latin typeface="Consolas"/>
+              </a:rPr>
+              <a:t>@"\W"</a:t>
+            </a:r>
+            <a:r>
+              <a:rPr lang="en-US" sz="2400" dirty="0">
+                <a:solidFill>
+                  <a:srgbClr val="000000"/>
+                </a:solidFill>
+                <a:highlight>
+                  <a:srgbClr val="FFFFFF"/>
+                </a:highlight>
+                <a:latin typeface="Consolas"/>
+              </a:rPr>
+              <a:t>))</a:t>
+            </a:r>
+          </a:p>
+          <a:p>
+            <a:pPr marL="0" indent="0">
+              <a:buNone/>
+            </a:pPr>
+            <a:r>
+              <a:rPr lang="en-US" sz="2400" dirty="0" smtClean="0">
+                <a:solidFill>
+                  <a:srgbClr val="000000"/>
+                </a:solidFill>
+                <a:highlight>
+                  <a:srgbClr val="FFFFFF"/>
+                </a:highlight>
+                <a:latin typeface="Consolas"/>
+              </a:rPr>
+              <a:t>  </a:t>
+            </a:r>
+            <a:r>
+              <a:rPr lang="en-US" sz="2400" dirty="0">
+                <a:solidFill>
+                  <a:srgbClr val="000000"/>
+                </a:solidFill>
+                <a:highlight>
+                  <a:srgbClr val="FFFFFF"/>
+                </a:highlight>
+                <a:latin typeface="Consolas"/>
+              </a:rPr>
+              <a:t>.</a:t>
+            </a:r>
+            <a:r>
+              <a:rPr lang="en-US" sz="2400" dirty="0" err="1">
+                <a:solidFill>
+                  <a:srgbClr val="000000"/>
+                </a:solidFill>
+                <a:highlight>
+                  <a:srgbClr val="FFFFFF"/>
+                </a:highlight>
+                <a:latin typeface="Consolas"/>
+              </a:rPr>
+              <a:t>ToArray</a:t>
+            </a:r>
+            <a:r>
+              <a:rPr lang="en-US" sz="2400" dirty="0" smtClean="0">
+                <a:solidFill>
+                  <a:srgbClr val="000000"/>
+                </a:solidFill>
+                <a:highlight>
+                  <a:srgbClr val="FFFFFF"/>
+                </a:highlight>
+                <a:latin typeface="Consolas"/>
+              </a:rPr>
+              <a:t>(); // </a:t>
             </a:r>
             <a:r>
               <a:rPr lang="ru-RU" sz="2800" dirty="0"/>
-              <a:t> в </a:t>
-            </a:r>
-            <a:r>
-              <a:rPr lang="ru-RU" sz="2800" dirty="0" smtClean="0"/>
-              <a:t>массив</a:t>
-            </a:r>
-            <a:endParaRPr lang="en-US" sz="2800" dirty="0"/>
+              <a:t>все слова</a:t>
+            </a:r>
+            <a:endParaRPr lang="en-US" sz="2400" dirty="0" smtClean="0"/>
           </a:p>
         </p:txBody>
       </p:sp>
     </p:spTree>
     <p:extLst>
       <p:ext uri="{BB962C8B-B14F-4D97-AF65-F5344CB8AC3E}">
-        <p14:creationId xmlns:p14="http://schemas.microsoft.com/office/powerpoint/2010/main" val="539562667"/>
+        <p14:creationId xmlns:p14="http://schemas.microsoft.com/office/powerpoint/2010/main" val="4179517988"/>
       </p:ext>
     </p:extLst>
   </p:cSld>
@@ -20273,7 +20245,7 @@
               <a:buNone/>
             </a:pPr>
             <a:r>
-              <a:rPr lang="en-US" sz="2400" dirty="0" smtClean="0">
+              <a:rPr lang="en-US" sz="2400" dirty="0" err="1" smtClean="0">
                 <a:solidFill>
                   <a:srgbClr val="000000"/>
                 </a:solidFill>
@@ -20282,22 +20254,22 @@
                 </a:highlight>
                 <a:latin typeface="Consolas"/>
               </a:rPr>
-              <a:t>frequencies = </a:t>
-            </a:r>
-            <a:r>
-              <a:rPr lang="en-US" sz="2400" dirty="0" err="1" smtClean="0">
-                <a:solidFill>
-                  <a:srgbClr val="2B91AF"/>
+              <a:t>list.Where</a:t>
+            </a:r>
+            <a:r>
+              <a:rPr lang="en-US" sz="2400" dirty="0" smtClean="0">
+                <a:solidFill>
+                  <a:srgbClr val="000000"/>
                 </a:solidFill>
                 <a:highlight>
                   <a:srgbClr val="FFFFFF"/>
                 </a:highlight>
                 <a:latin typeface="Consolas"/>
               </a:rPr>
-              <a:t>File</a:t>
-            </a:r>
-            <a:r>
-              <a:rPr lang="en-US" sz="2400" dirty="0" err="1" smtClean="0">
+              <a:t>(x </a:t>
+            </a:r>
+            <a:r>
+              <a:rPr lang="en-US" sz="2400" dirty="0">
                 <a:solidFill>
                   <a:srgbClr val="000000"/>
                 </a:solidFill>
@@ -20306,10 +20278,10 @@
                 </a:highlight>
                 <a:latin typeface="Consolas"/>
               </a:rPr>
-              <a:t>.ReadAllLines</a:t>
-            </a:r>
-            <a:r>
-              <a:rPr lang="en-US" sz="2400" dirty="0">
+              <a:t>=&gt; x%2 == 0</a:t>
+            </a:r>
+            <a:r>
+              <a:rPr lang="en-US" sz="2400" dirty="0" smtClean="0">
                 <a:solidFill>
                   <a:srgbClr val="000000"/>
                 </a:solidFill>
@@ -20318,22 +20290,39 @@
                 </a:highlight>
                 <a:latin typeface="Consolas"/>
               </a:rPr>
-              <a:t>(</a:t>
-            </a:r>
-            <a:r>
-              <a:rPr lang="en-US" sz="2400" dirty="0">
-                <a:solidFill>
-                  <a:srgbClr val="A31515"/>
+              <a:t>)</a:t>
+            </a:r>
+            <a:r>
+              <a:rPr lang="ru-RU" sz="2400" dirty="0" smtClean="0">
+                <a:solidFill>
+                  <a:srgbClr val="000000"/>
                 </a:solidFill>
                 <a:highlight>
                   <a:srgbClr val="FFFFFF"/>
                 </a:highlight>
                 <a:latin typeface="Consolas"/>
               </a:rPr>
-              <a:t>"input.txt"</a:t>
-            </a:r>
-            <a:r>
-              <a:rPr lang="en-US" sz="2400" dirty="0">
+              <a:t>	</a:t>
+            </a:r>
+            <a:r>
+              <a:rPr lang="en-US" sz="2800" dirty="0" smtClean="0"/>
+              <a:t>// </a:t>
+            </a:r>
+            <a:r>
+              <a:rPr lang="ru-RU" sz="2800" dirty="0"/>
+              <a:t>выбрать все </a:t>
+            </a:r>
+            <a:r>
+              <a:rPr lang="ru-RU" sz="2800" dirty="0" smtClean="0"/>
+              <a:t>четные</a:t>
+            </a:r>
+          </a:p>
+          <a:p>
+            <a:pPr marL="0" indent="0">
+              <a:buNone/>
+            </a:pPr>
+            <a:r>
+              <a:rPr lang="en-US" sz="2400" dirty="0" smtClean="0">
                 <a:solidFill>
                   <a:srgbClr val="000000"/>
                 </a:solidFill>
@@ -20342,15 +20331,56 @@
                 </a:highlight>
                 <a:latin typeface="Consolas"/>
               </a:rPr>
-              <a:t>)</a:t>
-            </a:r>
+              <a:t>    .</a:t>
+            </a:r>
+            <a:r>
+              <a:rPr lang="en-US" sz="2400" dirty="0">
+                <a:solidFill>
+                  <a:srgbClr val="000000"/>
+                </a:solidFill>
+                <a:highlight>
+                  <a:srgbClr val="FFFFFF"/>
+                </a:highlight>
+                <a:latin typeface="Consolas"/>
+              </a:rPr>
+              <a:t>Select(x =&gt; </a:t>
+            </a:r>
+            <a:r>
+              <a:rPr lang="en-US" sz="2400" dirty="0" smtClean="0">
+                <a:solidFill>
+                  <a:srgbClr val="000000"/>
+                </a:solidFill>
+                <a:highlight>
+                  <a:srgbClr val="FFFFFF"/>
+                </a:highlight>
+                <a:latin typeface="Consolas"/>
+              </a:rPr>
+              <a:t>x+1)</a:t>
+            </a:r>
+            <a:r>
+              <a:rPr lang="en-US" sz="2800" dirty="0" smtClean="0"/>
+              <a:t> </a:t>
+            </a:r>
+            <a:r>
+              <a:rPr lang="ru-RU" sz="2800" dirty="0" smtClean="0"/>
+              <a:t> 	</a:t>
+            </a:r>
+            <a:r>
+              <a:rPr lang="en-US" sz="2800" dirty="0" smtClean="0"/>
+              <a:t>//</a:t>
+            </a:r>
+            <a:r>
+              <a:rPr lang="ru-RU" sz="2800" dirty="0" smtClean="0"/>
+              <a:t> +1 ко всем</a:t>
+            </a:r>
+            <a:endParaRPr lang="en-US" sz="2800" dirty="0" smtClean="0"/>
           </a:p>
           <a:p>
             <a:pPr marL="0" indent="0">
               <a:buNone/>
             </a:pPr>
             <a:r>
-              <a:rPr lang="en-US" sz="2400" dirty="0">
+              <a:rPr lang="en-US" sz="2400" dirty="0" smtClean="0">
                 <a:solidFill>
                   <a:srgbClr val="000000"/>
                 </a:solidFill>
@@ -20359,10 +20389,10 @@
                 </a:highlight>
                 <a:latin typeface="Consolas"/>
               </a:rPr>
-              <a:t>  .</a:t>
-            </a:r>
-            <a:r>
-              <a:rPr lang="en-US" sz="2400" dirty="0" err="1">
+              <a:t>    .</a:t>
+            </a:r>
+            <a:r>
+              <a:rPr lang="en-US" sz="2400" dirty="0" err="1" smtClean="0">
                 <a:solidFill>
                   <a:srgbClr val="000000"/>
                 </a:solidFill>
@@ -20371,10 +20401,10 @@
                 </a:highlight>
                 <a:latin typeface="Consolas"/>
               </a:rPr>
-              <a:t>SelectMany</a:t>
-            </a:r>
-            <a:r>
-              <a:rPr lang="en-US" sz="2400" dirty="0">
+              <a:t>ToArray</a:t>
+            </a:r>
+            <a:r>
+              <a:rPr lang="en-US" sz="2400" dirty="0" smtClean="0">
                 <a:solidFill>
                   <a:srgbClr val="000000"/>
                 </a:solidFill>
@@ -20383,308 +20413,28 @@
                 </a:highlight>
                 <a:latin typeface="Consolas"/>
               </a:rPr>
-              <a:t>(line =&gt; </a:t>
-            </a:r>
-            <a:r>
-              <a:rPr lang="en-US" sz="2400" dirty="0" err="1">
-                <a:solidFill>
-                  <a:srgbClr val="000000"/>
-                </a:solidFill>
-                <a:highlight>
-                  <a:srgbClr val="FFFFFF"/>
-                </a:highlight>
-                <a:latin typeface="Consolas"/>
-              </a:rPr>
-              <a:t>Regex.Split</a:t>
-            </a:r>
-            <a:r>
-              <a:rPr lang="en-US" sz="2400" dirty="0">
-                <a:solidFill>
-                  <a:srgbClr val="000000"/>
-                </a:solidFill>
-                <a:highlight>
-                  <a:srgbClr val="FFFFFF"/>
-                </a:highlight>
-                <a:latin typeface="Consolas"/>
-              </a:rPr>
-              <a:t>(line, </a:t>
-            </a:r>
-            <a:r>
-              <a:rPr lang="en-US" sz="2400" dirty="0">
-                <a:solidFill>
-                  <a:srgbClr val="A31515"/>
-                </a:solidFill>
-                <a:highlight>
-                  <a:srgbClr val="FFFFFF"/>
-                </a:highlight>
-                <a:latin typeface="Consolas"/>
-              </a:rPr>
-              <a:t>@"\W"</a:t>
-            </a:r>
-            <a:r>
-              <a:rPr lang="en-US" sz="2400" dirty="0">
-                <a:solidFill>
-                  <a:srgbClr val="000000"/>
-                </a:solidFill>
-                <a:highlight>
-                  <a:srgbClr val="FFFFFF"/>
-                </a:highlight>
-                <a:latin typeface="Consolas"/>
-              </a:rPr>
-              <a:t>))</a:t>
-            </a:r>
-          </a:p>
-          <a:p>
-            <a:pPr marL="0" indent="0">
-              <a:buNone/>
-            </a:pPr>
-            <a:r>
-              <a:rPr lang="en-US" sz="2400" dirty="0">
-                <a:solidFill>
-                  <a:srgbClr val="000000"/>
-                </a:solidFill>
-                <a:highlight>
-                  <a:srgbClr val="FFFFFF"/>
-                </a:highlight>
-                <a:latin typeface="Consolas"/>
-              </a:rPr>
-              <a:t>  </a:t>
-            </a:r>
-            <a:r>
-              <a:rPr lang="en-US" sz="2400" dirty="0" smtClean="0">
-                <a:solidFill>
-                  <a:srgbClr val="000000"/>
-                </a:solidFill>
-                <a:highlight>
-                  <a:srgbClr val="FFFFFF"/>
-                </a:highlight>
-                <a:latin typeface="Consolas"/>
-              </a:rPr>
-              <a:t>.</a:t>
-            </a:r>
-            <a:r>
-              <a:rPr lang="en-US" sz="2400" dirty="0" err="1" smtClean="0">
-                <a:solidFill>
-                  <a:srgbClr val="000000"/>
-                </a:solidFill>
-                <a:highlight>
-                  <a:srgbClr val="FFFFFF"/>
-                </a:highlight>
-                <a:latin typeface="Consolas"/>
-              </a:rPr>
-              <a:t>GroupBy</a:t>
-            </a:r>
-            <a:r>
-              <a:rPr lang="en-US" sz="2400" dirty="0" smtClean="0">
-                <a:solidFill>
-                  <a:srgbClr val="000000"/>
-                </a:solidFill>
-                <a:highlight>
-                  <a:srgbClr val="FFFFFF"/>
-                </a:highlight>
-                <a:latin typeface="Consolas"/>
-              </a:rPr>
-              <a:t>(word =&gt; word)</a:t>
-            </a:r>
-          </a:p>
-          <a:p>
-            <a:pPr marL="0" indent="0">
-              <a:buNone/>
-            </a:pPr>
-            <a:r>
-              <a:rPr lang="en-US" sz="2400" dirty="0" smtClean="0">
-                <a:solidFill>
-                  <a:srgbClr val="000000"/>
-                </a:solidFill>
-                <a:highlight>
-                  <a:srgbClr val="FFFFFF"/>
-                </a:highlight>
-                <a:latin typeface="Consolas"/>
-              </a:rPr>
-              <a:t>  .</a:t>
-            </a:r>
-            <a:r>
-              <a:rPr lang="en-US" sz="2400" dirty="0" err="1" smtClean="0">
-                <a:solidFill>
-                  <a:srgbClr val="000000"/>
-                </a:solidFill>
-                <a:highlight>
-                  <a:srgbClr val="FFFFFF"/>
-                </a:highlight>
-                <a:latin typeface="Consolas"/>
-              </a:rPr>
-              <a:t>ToDictionary</a:t>
-            </a:r>
-            <a:r>
-              <a:rPr lang="en-US" sz="2400" dirty="0" smtClean="0">
-                <a:solidFill>
-                  <a:srgbClr val="000000"/>
-                </a:solidFill>
-                <a:highlight>
-                  <a:srgbClr val="FFFFFF"/>
-                </a:highlight>
-                <a:latin typeface="Consolas"/>
-              </a:rPr>
-              <a:t>(</a:t>
-            </a:r>
-          </a:p>
-          <a:p>
-            <a:pPr marL="0" indent="0">
-              <a:buNone/>
-            </a:pPr>
-            <a:r>
-              <a:rPr lang="en-US" sz="2400" dirty="0">
-                <a:solidFill>
-                  <a:srgbClr val="000000"/>
-                </a:solidFill>
-                <a:highlight>
-                  <a:srgbClr val="FFFFFF"/>
-                </a:highlight>
-                <a:latin typeface="Consolas"/>
-              </a:rPr>
-              <a:t> </a:t>
-            </a:r>
-            <a:r>
-              <a:rPr lang="en-US" sz="2400" dirty="0" smtClean="0">
-                <a:solidFill>
-                  <a:srgbClr val="000000"/>
-                </a:solidFill>
-                <a:highlight>
-                  <a:srgbClr val="FFFFFF"/>
-                </a:highlight>
-                <a:latin typeface="Consolas"/>
-              </a:rPr>
-              <a:t>     </a:t>
-            </a:r>
-            <a:r>
-              <a:rPr lang="en-US" sz="2400" dirty="0" err="1" smtClean="0">
-                <a:solidFill>
-                  <a:srgbClr val="000000"/>
-                </a:solidFill>
-                <a:highlight>
-                  <a:srgbClr val="FFFFFF"/>
-                </a:highlight>
-                <a:latin typeface="Consolas"/>
-              </a:rPr>
-              <a:t>wc</a:t>
-            </a:r>
-            <a:r>
-              <a:rPr lang="en-US" sz="2400" dirty="0" smtClean="0">
-                <a:solidFill>
-                  <a:srgbClr val="000000"/>
-                </a:solidFill>
-                <a:highlight>
-                  <a:srgbClr val="FFFFFF"/>
-                </a:highlight>
-                <a:latin typeface="Consolas"/>
-              </a:rPr>
-              <a:t> =&gt; </a:t>
-            </a:r>
-            <a:r>
-              <a:rPr lang="en-US" sz="2400" dirty="0" err="1" smtClean="0">
-                <a:solidFill>
-                  <a:srgbClr val="000000"/>
-                </a:solidFill>
-                <a:highlight>
-                  <a:srgbClr val="FFFFFF"/>
-                </a:highlight>
-                <a:latin typeface="Consolas"/>
-              </a:rPr>
-              <a:t>wc.word</a:t>
-            </a:r>
-            <a:r>
-              <a:rPr lang="en-US" sz="2400" dirty="0" smtClean="0">
-                <a:solidFill>
-                  <a:srgbClr val="000000"/>
-                </a:solidFill>
-                <a:highlight>
-                  <a:srgbClr val="FFFFFF"/>
-                </a:highlight>
-                <a:latin typeface="Consolas"/>
-              </a:rPr>
-              <a:t>, </a:t>
-            </a:r>
-          </a:p>
-          <a:p>
-            <a:pPr marL="0" indent="0">
-              <a:buNone/>
-            </a:pPr>
-            <a:r>
-              <a:rPr lang="en-US" sz="2400" dirty="0">
-                <a:solidFill>
-                  <a:srgbClr val="000000"/>
-                </a:solidFill>
-                <a:highlight>
-                  <a:srgbClr val="FFFFFF"/>
-                </a:highlight>
-                <a:latin typeface="Consolas"/>
-              </a:rPr>
-              <a:t> </a:t>
-            </a:r>
-            <a:r>
-              <a:rPr lang="en-US" sz="2400" dirty="0" smtClean="0">
-                <a:solidFill>
-                  <a:srgbClr val="000000"/>
-                </a:solidFill>
-                <a:highlight>
-                  <a:srgbClr val="FFFFFF"/>
-                </a:highlight>
-                <a:latin typeface="Consolas"/>
-              </a:rPr>
-              <a:t>     group =&gt; </a:t>
-            </a:r>
-            <a:r>
-              <a:rPr lang="en-US" sz="2400" dirty="0" err="1" smtClean="0">
-                <a:solidFill>
-                  <a:srgbClr val="000000"/>
-                </a:solidFill>
-                <a:highlight>
-                  <a:srgbClr val="FFFFFF"/>
-                </a:highlight>
-                <a:latin typeface="Consolas"/>
-              </a:rPr>
-              <a:t>group.Count</a:t>
-            </a:r>
-            <a:r>
-              <a:rPr lang="en-US" sz="2400" dirty="0" smtClean="0">
-                <a:solidFill>
-                  <a:srgbClr val="000000"/>
-                </a:solidFill>
-                <a:highlight>
-                  <a:srgbClr val="FFFFFF"/>
-                </a:highlight>
-                <a:latin typeface="Consolas"/>
-              </a:rPr>
-              <a:t>())</a:t>
-            </a:r>
-            <a:endParaRPr lang="ru-RU" sz="2800" dirty="0" smtClean="0"/>
-          </a:p>
-          <a:p>
-            <a:pPr marL="0" indent="0">
-              <a:buNone/>
-            </a:pPr>
-            <a:endParaRPr lang="ru-RU" sz="2400" dirty="0" smtClean="0"/>
-          </a:p>
-          <a:p>
-            <a:pPr marL="0" indent="0">
-              <a:buNone/>
-            </a:pPr>
-            <a:r>
-              <a:rPr lang="en-US" sz="2400" dirty="0" smtClean="0"/>
+              <a:t>()             </a:t>
+            </a:r>
+            <a:r>
+              <a:rPr lang="en-US" sz="2800" dirty="0"/>
               <a:t>//</a:t>
             </a:r>
             <a:r>
-              <a:rPr lang="ru-RU" sz="2400" dirty="0" smtClean="0"/>
-              <a:t>Частотный словарь текста</a:t>
-            </a:r>
-            <a:endParaRPr lang="en-US" sz="2400" dirty="0"/>
+              <a:rPr lang="ru-RU" sz="2800" dirty="0"/>
+              <a:t> в </a:t>
+            </a:r>
+            <a:r>
+              <a:rPr lang="ru-RU" sz="2800" dirty="0" smtClean="0"/>
+              <a:t>массив</a:t>
+            </a:r>
+            <a:endParaRPr lang="en-US" sz="2800" dirty="0"/>
           </a:p>
         </p:txBody>
       </p:sp>
     </p:spTree>
     <p:extLst>
       <p:ext uri="{BB962C8B-B14F-4D97-AF65-F5344CB8AC3E}">
-        <p14:creationId xmlns:p14="http://schemas.microsoft.com/office/powerpoint/2010/main" val="2216578734"/>
+        <p14:creationId xmlns:p14="http://schemas.microsoft.com/office/powerpoint/2010/main" val="539562667"/>
       </p:ext>
     </p:extLst>
   </p:cSld>
@@ -20751,7 +20501,12 @@
             <p:ph idx="1"/>
           </p:nvPr>
         </p:nvSpPr>
-        <p:spPr/>
+        <p:spPr>
+          <a:xfrm>
+            <a:off x="457200" y="1567333"/>
+            <a:ext cx="8229600" cy="4525963"/>
+          </a:xfrm>
+        </p:spPr>
         <p:txBody>
           <a:bodyPr>
             <a:normAutofit/>
@@ -21046,7 +20801,7 @@
               <a:t>     </a:t>
             </a:r>
             <a:r>
-              <a:rPr lang="en-US" sz="2400" dirty="0" err="1" smtClean="0">
+              <a:rPr lang="en-US" sz="2400" dirty="0" smtClean="0">
                 <a:solidFill>
                   <a:srgbClr val="000000"/>
                 </a:solidFill>
@@ -21055,7 +20810,7 @@
                 </a:highlight>
                 <a:latin typeface="Consolas"/>
               </a:rPr>
-              <a:t>wc</a:t>
+              <a:t>group </a:t>
             </a:r>
             <a:r>
               <a:rPr lang="en-US" sz="2400" dirty="0" smtClean="0">
@@ -21067,7 +20822,7 @@
                 </a:highlight>
                 <a:latin typeface="Consolas"/>
               </a:rPr>
-              <a:t> =&gt; </a:t>
+              <a:t>=&gt; </a:t>
             </a:r>
             <a:r>
               <a:rPr lang="en-US" sz="2400" dirty="0" err="1" smtClean="0">
@@ -21079,7 +20834,7 @@
                 </a:highlight>
                 <a:latin typeface="Consolas"/>
               </a:rPr>
-              <a:t>wc.word</a:t>
+              <a:t>group.Key</a:t>
             </a:r>
             <a:r>
               <a:rPr lang="en-US" sz="2400" dirty="0" smtClean="0">
@@ -21093,6 +20848,15 @@
               </a:rPr>
               <a:t>, </a:t>
             </a:r>
+            <a:endParaRPr lang="en-US" sz="2400" dirty="0" smtClean="0">
+              <a:solidFill>
+                <a:srgbClr val="000000"/>
+              </a:solidFill>
+              <a:highlight>
+                <a:srgbClr val="FFFFFF"/>
+              </a:highlight>
+              <a:latin typeface="Consolas"/>
+            </a:endParaRPr>
           </a:p>
           <a:p>
             <a:pPr marL="0" indent="0">
@@ -23835,16 +23599,7 @@
                 </a:solidFill>
                 <a:latin typeface="Consolas"/>
               </a:rPr>
-              <a:t>_</a:t>
-            </a:r>
-            <a:r>
-              <a:rPr lang="en-US" sz="3200" b="1" dirty="0" smtClean="0">
-                <a:solidFill>
-                  <a:srgbClr val="FF0000"/>
-                </a:solidFill>
-                <a:latin typeface="Consolas"/>
-              </a:rPr>
-              <a:t>field</a:t>
+              <a:t>_field</a:t>
             </a:r>
           </a:p>
           <a:p>
